--- a/w06/sql/w10-STA321Relational-Database-SQL-Clauses.pptx
+++ b/w06/sql/w10-STA321Relational-Database-SQL-Clauses.pptx
@@ -6,28 +6,30 @@
     <p:sldMasterId id="2147483660" r:id="rId2"/>
   </p:sldMasterIdLst>
   <p:notesMasterIdLst>
-    <p:notesMasterId r:id="rId22"/>
+    <p:notesMasterId r:id="rId24"/>
   </p:notesMasterIdLst>
   <p:sldIdLst>
     <p:sldId id="256" r:id="rId3"/>
     <p:sldId id="259" r:id="rId4"/>
     <p:sldId id="258" r:id="rId5"/>
     <p:sldId id="260" r:id="rId6"/>
-    <p:sldId id="261" r:id="rId7"/>
-    <p:sldId id="262" r:id="rId8"/>
-    <p:sldId id="263" r:id="rId9"/>
-    <p:sldId id="264" r:id="rId10"/>
-    <p:sldId id="265" r:id="rId11"/>
-    <p:sldId id="266" r:id="rId12"/>
-    <p:sldId id="267" r:id="rId13"/>
-    <p:sldId id="273" r:id="rId14"/>
-    <p:sldId id="268" r:id="rId15"/>
-    <p:sldId id="269" r:id="rId16"/>
-    <p:sldId id="270" r:id="rId17"/>
-    <p:sldId id="271" r:id="rId18"/>
-    <p:sldId id="272" r:id="rId19"/>
-    <p:sldId id="274" r:id="rId20"/>
-    <p:sldId id="275" r:id="rId21"/>
+    <p:sldId id="276" r:id="rId7"/>
+    <p:sldId id="277" r:id="rId8"/>
+    <p:sldId id="261" r:id="rId9"/>
+    <p:sldId id="262" r:id="rId10"/>
+    <p:sldId id="263" r:id="rId11"/>
+    <p:sldId id="264" r:id="rId12"/>
+    <p:sldId id="265" r:id="rId13"/>
+    <p:sldId id="266" r:id="rId14"/>
+    <p:sldId id="267" r:id="rId15"/>
+    <p:sldId id="273" r:id="rId16"/>
+    <p:sldId id="268" r:id="rId17"/>
+    <p:sldId id="269" r:id="rId18"/>
+    <p:sldId id="270" r:id="rId19"/>
+    <p:sldId id="271" r:id="rId20"/>
+    <p:sldId id="272" r:id="rId21"/>
+    <p:sldId id="274" r:id="rId22"/>
+    <p:sldId id="275" r:id="rId23"/>
   </p:sldIdLst>
   <p:sldSz cx="12192000" cy="6858000"/>
   <p:notesSz cx="6858000" cy="9144000"/>
@@ -137,6 +139,14 @@
 </p:presentation>
 </file>
 
+<file path=ppt/revisionInfo.xml><?xml version="1.0" encoding="utf-8"?>
+<p1510:revInfo xmlns:a="http://schemas.openxmlformats.org/drawingml/2006/main" xmlns:r="http://schemas.openxmlformats.org/officeDocument/2006/relationships" xmlns:p1510="http://schemas.microsoft.com/office/powerpoint/2015/10/main">
+  <p1510:revLst>
+    <p1510:client id="{EDBA54D8-22AF-410D-B922-D2BFDC276BA0}" v="25" dt="2024-02-27T14:39:46.554"/>
+  </p1510:revLst>
+</p1510:revInfo>
+</file>
+
 <file path=ppt/changesInfos/changesInfo1.xml><?xml version="1.0" encoding="utf-8"?>
 <pc:chgInfo xmlns:a="http://schemas.openxmlformats.org/drawingml/2006/main" xmlns:r="http://schemas.openxmlformats.org/officeDocument/2006/relationships" xmlns:ac="http://schemas.microsoft.com/office/drawing/2013/main/command" xmlns:pc="http://schemas.microsoft.com/office/powerpoint/2013/main/command">
   <pc:docChgLst>
@@ -160,6 +170,501 @@
             <ac:spMk id="4" creationId="{9BE71616-A32F-4192-A688-3E141EE7F2AF}"/>
           </ac:spMkLst>
         </pc:spChg>
+      </pc:sldChg>
+    </pc:docChg>
+  </pc:docChgLst>
+  <pc:docChgLst>
+    <pc:chgData name="Peng, Cheng" userId="c8d19071-f396-4c12-bc1e-cc4bb8705334" providerId="ADAL" clId="{EDBA54D8-22AF-410D-B922-D2BFDC276BA0}"/>
+    <pc:docChg chg="undo custSel addSld modSld">
+      <pc:chgData name="Peng, Cheng" userId="c8d19071-f396-4c12-bc1e-cc4bb8705334" providerId="ADAL" clId="{EDBA54D8-22AF-410D-B922-D2BFDC276BA0}" dt="2024-02-27T14:58:05.885" v="999" actId="1076"/>
+      <pc:docMkLst>
+        <pc:docMk/>
+      </pc:docMkLst>
+      <pc:sldChg chg="modSp mod">
+        <pc:chgData name="Peng, Cheng" userId="c8d19071-f396-4c12-bc1e-cc4bb8705334" providerId="ADAL" clId="{EDBA54D8-22AF-410D-B922-D2BFDC276BA0}" dt="2024-02-27T13:47:24.011" v="188" actId="255"/>
+        <pc:sldMkLst>
+          <pc:docMk/>
+          <pc:sldMk cId="2849346304" sldId="258"/>
+        </pc:sldMkLst>
+        <pc:spChg chg="mod">
+          <ac:chgData name="Peng, Cheng" userId="c8d19071-f396-4c12-bc1e-cc4bb8705334" providerId="ADAL" clId="{EDBA54D8-22AF-410D-B922-D2BFDC276BA0}" dt="2024-02-27T13:47:24.011" v="188" actId="255"/>
+          <ac:spMkLst>
+            <pc:docMk/>
+            <pc:sldMk cId="2849346304" sldId="258"/>
+            <ac:spMk id="3" creationId="{C9F5AB8F-780A-4BC3-ABA4-B7384FF32B95}"/>
+          </ac:spMkLst>
+        </pc:spChg>
+      </pc:sldChg>
+      <pc:sldChg chg="addSp modSp mod">
+        <pc:chgData name="Peng, Cheng" userId="c8d19071-f396-4c12-bc1e-cc4bb8705334" providerId="ADAL" clId="{EDBA54D8-22AF-410D-B922-D2BFDC276BA0}" dt="2024-02-27T13:46:38.245" v="187" actId="20577"/>
+        <pc:sldMkLst>
+          <pc:docMk/>
+          <pc:sldMk cId="494064628" sldId="259"/>
+        </pc:sldMkLst>
+        <pc:spChg chg="mod">
+          <ac:chgData name="Peng, Cheng" userId="c8d19071-f396-4c12-bc1e-cc4bb8705334" providerId="ADAL" clId="{EDBA54D8-22AF-410D-B922-D2BFDC276BA0}" dt="2024-02-27T13:44:36.940" v="125" actId="20577"/>
+          <ac:spMkLst>
+            <pc:docMk/>
+            <pc:sldMk cId="494064628" sldId="259"/>
+            <ac:spMk id="2" creationId="{3632B0C1-8366-4C81-BECE-9BBAF898FF71}"/>
+          </ac:spMkLst>
+        </pc:spChg>
+        <pc:spChg chg="mod">
+          <ac:chgData name="Peng, Cheng" userId="c8d19071-f396-4c12-bc1e-cc4bb8705334" providerId="ADAL" clId="{EDBA54D8-22AF-410D-B922-D2BFDC276BA0}" dt="2024-02-27T13:44:18.541" v="99" actId="1076"/>
+          <ac:spMkLst>
+            <pc:docMk/>
+            <pc:sldMk cId="494064628" sldId="259"/>
+            <ac:spMk id="5" creationId="{C994BE5F-CA12-4DD2-A62D-4BFD2AD7142D}"/>
+          </ac:spMkLst>
+        </pc:spChg>
+        <pc:spChg chg="mod">
+          <ac:chgData name="Peng, Cheng" userId="c8d19071-f396-4c12-bc1e-cc4bb8705334" providerId="ADAL" clId="{EDBA54D8-22AF-410D-B922-D2BFDC276BA0}" dt="2024-02-27T13:44:28.517" v="113" actId="20577"/>
+          <ac:spMkLst>
+            <pc:docMk/>
+            <pc:sldMk cId="494064628" sldId="259"/>
+            <ac:spMk id="6" creationId="{7153594E-C2E4-4455-945B-88A2B676BFCD}"/>
+          </ac:spMkLst>
+        </pc:spChg>
+        <pc:spChg chg="mod">
+          <ac:chgData name="Peng, Cheng" userId="c8d19071-f396-4c12-bc1e-cc4bb8705334" providerId="ADAL" clId="{EDBA54D8-22AF-410D-B922-D2BFDC276BA0}" dt="2024-02-27T13:45:01.091" v="141" actId="20577"/>
+          <ac:spMkLst>
+            <pc:docMk/>
+            <pc:sldMk cId="494064628" sldId="259"/>
+            <ac:spMk id="9" creationId="{FFF382C5-2290-4785-8B8D-00FBFC599496}"/>
+          </ac:spMkLst>
+        </pc:spChg>
+        <pc:spChg chg="mod">
+          <ac:chgData name="Peng, Cheng" userId="c8d19071-f396-4c12-bc1e-cc4bb8705334" providerId="ADAL" clId="{EDBA54D8-22AF-410D-B922-D2BFDC276BA0}" dt="2024-02-27T13:45:21.451" v="156" actId="20577"/>
+          <ac:spMkLst>
+            <pc:docMk/>
+            <pc:sldMk cId="494064628" sldId="259"/>
+            <ac:spMk id="12" creationId="{DBD3119B-2713-4F2C-BB45-B778F0DC5721}"/>
+          </ac:spMkLst>
+        </pc:spChg>
+        <pc:spChg chg="mod">
+          <ac:chgData name="Peng, Cheng" userId="c8d19071-f396-4c12-bc1e-cc4bb8705334" providerId="ADAL" clId="{EDBA54D8-22AF-410D-B922-D2BFDC276BA0}" dt="2024-02-27T13:45:37.940" v="161" actId="14100"/>
+          <ac:spMkLst>
+            <pc:docMk/>
+            <pc:sldMk cId="494064628" sldId="259"/>
+            <ac:spMk id="14" creationId="{B332B67E-2243-40E6-8C6C-E1DBBD1191FA}"/>
+          </ac:spMkLst>
+        </pc:spChg>
+        <pc:spChg chg="mod">
+          <ac:chgData name="Peng, Cheng" userId="c8d19071-f396-4c12-bc1e-cc4bb8705334" providerId="ADAL" clId="{EDBA54D8-22AF-410D-B922-D2BFDC276BA0}" dt="2024-02-27T13:45:58.595" v="164" actId="115"/>
+          <ac:spMkLst>
+            <pc:docMk/>
+            <pc:sldMk cId="494064628" sldId="259"/>
+            <ac:spMk id="15" creationId="{E97C9193-EF10-495C-ACAA-E3283E7889FF}"/>
+          </ac:spMkLst>
+        </pc:spChg>
+        <pc:spChg chg="mod">
+          <ac:chgData name="Peng, Cheng" userId="c8d19071-f396-4c12-bc1e-cc4bb8705334" providerId="ADAL" clId="{EDBA54D8-22AF-410D-B922-D2BFDC276BA0}" dt="2024-02-27T13:46:18.001" v="166" actId="1076"/>
+          <ac:spMkLst>
+            <pc:docMk/>
+            <pc:sldMk cId="494064628" sldId="259"/>
+            <ac:spMk id="16" creationId="{02EC4588-FF11-D81D-9A09-96C0AD0ACF44}"/>
+          </ac:spMkLst>
+        </pc:spChg>
+        <pc:spChg chg="mod">
+          <ac:chgData name="Peng, Cheng" userId="c8d19071-f396-4c12-bc1e-cc4bb8705334" providerId="ADAL" clId="{EDBA54D8-22AF-410D-B922-D2BFDC276BA0}" dt="2024-02-27T13:46:38.245" v="187" actId="20577"/>
+          <ac:spMkLst>
+            <pc:docMk/>
+            <pc:sldMk cId="494064628" sldId="259"/>
+            <ac:spMk id="17" creationId="{DCECDC87-511E-D266-08A5-63126A985358}"/>
+          </ac:spMkLst>
+        </pc:spChg>
+        <pc:grpChg chg="add mod">
+          <ac:chgData name="Peng, Cheng" userId="c8d19071-f396-4c12-bc1e-cc4bb8705334" providerId="ADAL" clId="{EDBA54D8-22AF-410D-B922-D2BFDC276BA0}" dt="2024-02-27T13:46:18.001" v="166" actId="1076"/>
+          <ac:grpSpMkLst>
+            <pc:docMk/>
+            <pc:sldMk cId="494064628" sldId="259"/>
+            <ac:grpSpMk id="3" creationId="{296C26C7-9976-E5EA-91CC-5FABE757AAED}"/>
+          </ac:grpSpMkLst>
+        </pc:grpChg>
+        <pc:grpChg chg="mod">
+          <ac:chgData name="Peng, Cheng" userId="c8d19071-f396-4c12-bc1e-cc4bb8705334" providerId="ADAL" clId="{EDBA54D8-22AF-410D-B922-D2BFDC276BA0}" dt="2024-02-27T13:44:16.256" v="98" actId="1076"/>
+          <ac:grpSpMkLst>
+            <pc:docMk/>
+            <pc:sldMk cId="494064628" sldId="259"/>
+            <ac:grpSpMk id="4" creationId="{9C4CAEDD-318B-43EC-8DD9-1CD11A67EB71}"/>
+          </ac:grpSpMkLst>
+        </pc:grpChg>
+        <pc:grpChg chg="mod">
+          <ac:chgData name="Peng, Cheng" userId="c8d19071-f396-4c12-bc1e-cc4bb8705334" providerId="ADAL" clId="{EDBA54D8-22AF-410D-B922-D2BFDC276BA0}" dt="2024-02-27T13:45:37.940" v="161" actId="14100"/>
+          <ac:grpSpMkLst>
+            <pc:docMk/>
+            <pc:sldMk cId="494064628" sldId="259"/>
+            <ac:grpSpMk id="13" creationId="{983DE7F1-5344-4AA1-B64E-E26B53C22406}"/>
+          </ac:grpSpMkLst>
+        </pc:grpChg>
+      </pc:sldChg>
+      <pc:sldChg chg="modSp mod">
+        <pc:chgData name="Peng, Cheng" userId="c8d19071-f396-4c12-bc1e-cc4bb8705334" providerId="ADAL" clId="{EDBA54D8-22AF-410D-B922-D2BFDC276BA0}" dt="2024-02-27T13:49:09.161" v="210" actId="1076"/>
+        <pc:sldMkLst>
+          <pc:docMk/>
+          <pc:sldMk cId="2781487466" sldId="260"/>
+        </pc:sldMkLst>
+        <pc:spChg chg="mod">
+          <ac:chgData name="Peng, Cheng" userId="c8d19071-f396-4c12-bc1e-cc4bb8705334" providerId="ADAL" clId="{EDBA54D8-22AF-410D-B922-D2BFDC276BA0}" dt="2024-02-27T13:49:00.188" v="209" actId="1076"/>
+          <ac:spMkLst>
+            <pc:docMk/>
+            <pc:sldMk cId="2781487466" sldId="260"/>
+            <ac:spMk id="6" creationId="{AB9A8154-3BF7-459C-84A6-DDFAD5E30CC2}"/>
+          </ac:spMkLst>
+        </pc:spChg>
+        <pc:picChg chg="mod">
+          <ac:chgData name="Peng, Cheng" userId="c8d19071-f396-4c12-bc1e-cc4bb8705334" providerId="ADAL" clId="{EDBA54D8-22AF-410D-B922-D2BFDC276BA0}" dt="2024-02-27T13:49:09.161" v="210" actId="1076"/>
+          <ac:picMkLst>
+            <pc:docMk/>
+            <pc:sldMk cId="2781487466" sldId="260"/>
+            <ac:picMk id="4" creationId="{2B44B1D0-61C7-453E-A2F1-D543C07582C1}"/>
+          </ac:picMkLst>
+        </pc:picChg>
+      </pc:sldChg>
+      <pc:sldChg chg="modSp mod">
+        <pc:chgData name="Peng, Cheng" userId="c8d19071-f396-4c12-bc1e-cc4bb8705334" providerId="ADAL" clId="{EDBA54D8-22AF-410D-B922-D2BFDC276BA0}" dt="2024-02-27T14:14:34.662" v="585" actId="1076"/>
+        <pc:sldMkLst>
+          <pc:docMk/>
+          <pc:sldMk cId="1970553199" sldId="261"/>
+        </pc:sldMkLst>
+        <pc:spChg chg="mod">
+          <ac:chgData name="Peng, Cheng" userId="c8d19071-f396-4c12-bc1e-cc4bb8705334" providerId="ADAL" clId="{EDBA54D8-22AF-410D-B922-D2BFDC276BA0}" dt="2024-02-27T14:14:34.662" v="585" actId="1076"/>
+          <ac:spMkLst>
+            <pc:docMk/>
+            <pc:sldMk cId="1970553199" sldId="261"/>
+            <ac:spMk id="3" creationId="{ACD10C17-1C03-4826-8750-04642075FC69}"/>
+          </ac:spMkLst>
+        </pc:spChg>
+      </pc:sldChg>
+      <pc:sldChg chg="modSp mod">
+        <pc:chgData name="Peng, Cheng" userId="c8d19071-f396-4c12-bc1e-cc4bb8705334" providerId="ADAL" clId="{EDBA54D8-22AF-410D-B922-D2BFDC276BA0}" dt="2024-02-27T14:20:16.730" v="667" actId="1076"/>
+        <pc:sldMkLst>
+          <pc:docMk/>
+          <pc:sldMk cId="1799473825" sldId="262"/>
+        </pc:sldMkLst>
+        <pc:spChg chg="mod">
+          <ac:chgData name="Peng, Cheng" userId="c8d19071-f396-4c12-bc1e-cc4bb8705334" providerId="ADAL" clId="{EDBA54D8-22AF-410D-B922-D2BFDC276BA0}" dt="2024-02-27T14:19:57.037" v="666" actId="6549"/>
+          <ac:spMkLst>
+            <pc:docMk/>
+            <pc:sldMk cId="1799473825" sldId="262"/>
+            <ac:spMk id="6" creationId="{10E0056E-09C8-450D-9D18-5413DBD6D4AB}"/>
+          </ac:spMkLst>
+        </pc:spChg>
+        <pc:picChg chg="mod">
+          <ac:chgData name="Peng, Cheng" userId="c8d19071-f396-4c12-bc1e-cc4bb8705334" providerId="ADAL" clId="{EDBA54D8-22AF-410D-B922-D2BFDC276BA0}" dt="2024-02-27T14:20:16.730" v="667" actId="1076"/>
+          <ac:picMkLst>
+            <pc:docMk/>
+            <pc:sldMk cId="1799473825" sldId="262"/>
+            <ac:picMk id="4" creationId="{6B0F66D8-63E8-4C1C-9349-F9453BF670F1}"/>
+          </ac:picMkLst>
+        </pc:picChg>
+      </pc:sldChg>
+      <pc:sldChg chg="modSp mod">
+        <pc:chgData name="Peng, Cheng" userId="c8d19071-f396-4c12-bc1e-cc4bb8705334" providerId="ADAL" clId="{EDBA54D8-22AF-410D-B922-D2BFDC276BA0}" dt="2024-02-27T14:20:53.197" v="669" actId="20577"/>
+        <pc:sldMkLst>
+          <pc:docMk/>
+          <pc:sldMk cId="1691160529" sldId="263"/>
+        </pc:sldMkLst>
+        <pc:spChg chg="mod">
+          <ac:chgData name="Peng, Cheng" userId="c8d19071-f396-4c12-bc1e-cc4bb8705334" providerId="ADAL" clId="{EDBA54D8-22AF-410D-B922-D2BFDC276BA0}" dt="2024-02-27T14:20:53.197" v="669" actId="20577"/>
+          <ac:spMkLst>
+            <pc:docMk/>
+            <pc:sldMk cId="1691160529" sldId="263"/>
+            <ac:spMk id="5" creationId="{6298AD0F-0C39-48E8-AA3B-8DEF2D5BC4F3}"/>
+          </ac:spMkLst>
+        </pc:spChg>
+      </pc:sldChg>
+      <pc:sldChg chg="modSp mod">
+        <pc:chgData name="Peng, Cheng" userId="c8d19071-f396-4c12-bc1e-cc4bb8705334" providerId="ADAL" clId="{EDBA54D8-22AF-410D-B922-D2BFDC276BA0}" dt="2024-02-27T14:21:04.652" v="671" actId="20577"/>
+        <pc:sldMkLst>
+          <pc:docMk/>
+          <pc:sldMk cId="3595657379" sldId="264"/>
+        </pc:sldMkLst>
+        <pc:spChg chg="mod">
+          <ac:chgData name="Peng, Cheng" userId="c8d19071-f396-4c12-bc1e-cc4bb8705334" providerId="ADAL" clId="{EDBA54D8-22AF-410D-B922-D2BFDC276BA0}" dt="2024-02-27T14:21:04.652" v="671" actId="20577"/>
+          <ac:spMkLst>
+            <pc:docMk/>
+            <pc:sldMk cId="3595657379" sldId="264"/>
+            <ac:spMk id="5" creationId="{F1262045-964E-4002-AF6F-3C7E2F7B6A1D}"/>
+          </ac:spMkLst>
+        </pc:spChg>
+      </pc:sldChg>
+      <pc:sldChg chg="modSp mod">
+        <pc:chgData name="Peng, Cheng" userId="c8d19071-f396-4c12-bc1e-cc4bb8705334" providerId="ADAL" clId="{EDBA54D8-22AF-410D-B922-D2BFDC276BA0}" dt="2024-02-27T14:34:14.462" v="707" actId="1076"/>
+        <pc:sldMkLst>
+          <pc:docMk/>
+          <pc:sldMk cId="2167407401" sldId="267"/>
+        </pc:sldMkLst>
+        <pc:spChg chg="mod">
+          <ac:chgData name="Peng, Cheng" userId="c8d19071-f396-4c12-bc1e-cc4bb8705334" providerId="ADAL" clId="{EDBA54D8-22AF-410D-B922-D2BFDC276BA0}" dt="2024-02-27T14:34:08.308" v="705" actId="1076"/>
+          <ac:spMkLst>
+            <pc:docMk/>
+            <pc:sldMk cId="2167407401" sldId="267"/>
+            <ac:spMk id="5" creationId="{77204422-4532-4206-B35D-51192D70663A}"/>
+          </ac:spMkLst>
+        </pc:spChg>
+        <pc:picChg chg="mod">
+          <ac:chgData name="Peng, Cheng" userId="c8d19071-f396-4c12-bc1e-cc4bb8705334" providerId="ADAL" clId="{EDBA54D8-22AF-410D-B922-D2BFDC276BA0}" dt="2024-02-27T14:34:14.462" v="707" actId="1076"/>
+          <ac:picMkLst>
+            <pc:docMk/>
+            <pc:sldMk cId="2167407401" sldId="267"/>
+            <ac:picMk id="6" creationId="{6EA915B8-4C7C-4717-91F5-BE33C0666C86}"/>
+          </ac:picMkLst>
+        </pc:picChg>
+      </pc:sldChg>
+      <pc:sldChg chg="modSp mod">
+        <pc:chgData name="Peng, Cheng" userId="c8d19071-f396-4c12-bc1e-cc4bb8705334" providerId="ADAL" clId="{EDBA54D8-22AF-410D-B922-D2BFDC276BA0}" dt="2024-02-27T14:35:36.232" v="718" actId="115"/>
+        <pc:sldMkLst>
+          <pc:docMk/>
+          <pc:sldMk cId="3628078865" sldId="268"/>
+        </pc:sldMkLst>
+        <pc:spChg chg="mod">
+          <ac:chgData name="Peng, Cheng" userId="c8d19071-f396-4c12-bc1e-cc4bb8705334" providerId="ADAL" clId="{EDBA54D8-22AF-410D-B922-D2BFDC276BA0}" dt="2024-02-27T14:35:36.232" v="718" actId="115"/>
+          <ac:spMkLst>
+            <pc:docMk/>
+            <pc:sldMk cId="3628078865" sldId="268"/>
+            <ac:spMk id="11" creationId="{1433EA0B-8080-4814-85F4-8FED4C3BF605}"/>
+          </ac:spMkLst>
+        </pc:spChg>
+      </pc:sldChg>
+      <pc:sldChg chg="modSp mod">
+        <pc:chgData name="Peng, Cheng" userId="c8d19071-f396-4c12-bc1e-cc4bb8705334" providerId="ADAL" clId="{EDBA54D8-22AF-410D-B922-D2BFDC276BA0}" dt="2024-02-27T14:37:16.927" v="765" actId="115"/>
+        <pc:sldMkLst>
+          <pc:docMk/>
+          <pc:sldMk cId="2950460556" sldId="269"/>
+        </pc:sldMkLst>
+        <pc:spChg chg="mod">
+          <ac:chgData name="Peng, Cheng" userId="c8d19071-f396-4c12-bc1e-cc4bb8705334" providerId="ADAL" clId="{EDBA54D8-22AF-410D-B922-D2BFDC276BA0}" dt="2024-02-27T14:37:16.927" v="765" actId="115"/>
+          <ac:spMkLst>
+            <pc:docMk/>
+            <pc:sldMk cId="2950460556" sldId="269"/>
+            <ac:spMk id="6" creationId="{1A2B55FD-F30F-4A51-95D1-0EC8E81BAA87}"/>
+          </ac:spMkLst>
+        </pc:spChg>
+        <pc:picChg chg="mod">
+          <ac:chgData name="Peng, Cheng" userId="c8d19071-f396-4c12-bc1e-cc4bb8705334" providerId="ADAL" clId="{EDBA54D8-22AF-410D-B922-D2BFDC276BA0}" dt="2024-02-27T14:35:44.962" v="719" actId="1076"/>
+          <ac:picMkLst>
+            <pc:docMk/>
+            <pc:sldMk cId="2950460556" sldId="269"/>
+            <ac:picMk id="4" creationId="{B19AB89F-B074-4D49-ADCB-4F0EDDD52D92}"/>
+          </ac:picMkLst>
+        </pc:picChg>
+      </pc:sldChg>
+      <pc:sldChg chg="modSp mod">
+        <pc:chgData name="Peng, Cheng" userId="c8d19071-f396-4c12-bc1e-cc4bb8705334" providerId="ADAL" clId="{EDBA54D8-22AF-410D-B922-D2BFDC276BA0}" dt="2024-02-27T14:38:38.311" v="783" actId="115"/>
+        <pc:sldMkLst>
+          <pc:docMk/>
+          <pc:sldMk cId="3512377287" sldId="270"/>
+        </pc:sldMkLst>
+        <pc:spChg chg="mod">
+          <ac:chgData name="Peng, Cheng" userId="c8d19071-f396-4c12-bc1e-cc4bb8705334" providerId="ADAL" clId="{EDBA54D8-22AF-410D-B922-D2BFDC276BA0}" dt="2024-02-27T14:38:38.311" v="783" actId="115"/>
+          <ac:spMkLst>
+            <pc:docMk/>
+            <pc:sldMk cId="3512377287" sldId="270"/>
+            <ac:spMk id="6" creationId="{6A565E8F-032D-426B-846F-CBA660304836}"/>
+          </ac:spMkLst>
+        </pc:spChg>
+      </pc:sldChg>
+      <pc:sldChg chg="modSp mod">
+        <pc:chgData name="Peng, Cheng" userId="c8d19071-f396-4c12-bc1e-cc4bb8705334" providerId="ADAL" clId="{EDBA54D8-22AF-410D-B922-D2BFDC276BA0}" dt="2024-02-27T14:40:09.552" v="816" actId="115"/>
+        <pc:sldMkLst>
+          <pc:docMk/>
+          <pc:sldMk cId="2676636781" sldId="271"/>
+        </pc:sldMkLst>
+        <pc:spChg chg="mod">
+          <ac:chgData name="Peng, Cheng" userId="c8d19071-f396-4c12-bc1e-cc4bb8705334" providerId="ADAL" clId="{EDBA54D8-22AF-410D-B922-D2BFDC276BA0}" dt="2024-02-27T14:39:24.766" v="807" actId="1076"/>
+          <ac:spMkLst>
+            <pc:docMk/>
+            <pc:sldMk cId="2676636781" sldId="271"/>
+            <ac:spMk id="2" creationId="{EDF38B62-4D77-44A4-AE7E-E42D6AC318FB}"/>
+          </ac:spMkLst>
+        </pc:spChg>
+        <pc:spChg chg="mod">
+          <ac:chgData name="Peng, Cheng" userId="c8d19071-f396-4c12-bc1e-cc4bb8705334" providerId="ADAL" clId="{EDBA54D8-22AF-410D-B922-D2BFDC276BA0}" dt="2024-02-27T14:40:09.552" v="816" actId="115"/>
+          <ac:spMkLst>
+            <pc:docMk/>
+            <pc:sldMk cId="2676636781" sldId="271"/>
+            <ac:spMk id="6" creationId="{27FD5582-52AA-47ED-A599-409ECF989E65}"/>
+          </ac:spMkLst>
+        </pc:spChg>
+        <pc:picChg chg="mod">
+          <ac:chgData name="Peng, Cheng" userId="c8d19071-f396-4c12-bc1e-cc4bb8705334" providerId="ADAL" clId="{EDBA54D8-22AF-410D-B922-D2BFDC276BA0}" dt="2024-02-27T14:39:46.554" v="813" actId="1076"/>
+          <ac:picMkLst>
+            <pc:docMk/>
+            <pc:sldMk cId="2676636781" sldId="271"/>
+            <ac:picMk id="4" creationId="{A52B3E4B-EE9A-4C1A-8A65-82C5D88AB7E2}"/>
+          </ac:picMkLst>
+        </pc:picChg>
+      </pc:sldChg>
+      <pc:sldChg chg="modSp mod">
+        <pc:chgData name="Peng, Cheng" userId="c8d19071-f396-4c12-bc1e-cc4bb8705334" providerId="ADAL" clId="{EDBA54D8-22AF-410D-B922-D2BFDC276BA0}" dt="2024-02-27T14:44:21.418" v="865" actId="1076"/>
+        <pc:sldMkLst>
+          <pc:docMk/>
+          <pc:sldMk cId="411667446" sldId="272"/>
+        </pc:sldMkLst>
+        <pc:spChg chg="mod">
+          <ac:chgData name="Peng, Cheng" userId="c8d19071-f396-4c12-bc1e-cc4bb8705334" providerId="ADAL" clId="{EDBA54D8-22AF-410D-B922-D2BFDC276BA0}" dt="2024-02-27T14:43:55.598" v="860" actId="1076"/>
+          <ac:spMkLst>
+            <pc:docMk/>
+            <pc:sldMk cId="411667446" sldId="272"/>
+            <ac:spMk id="5" creationId="{E44332EA-7713-497C-AD22-1AD677476A5D}"/>
+          </ac:spMkLst>
+        </pc:spChg>
+        <pc:spChg chg="mod">
+          <ac:chgData name="Peng, Cheng" userId="c8d19071-f396-4c12-bc1e-cc4bb8705334" providerId="ADAL" clId="{EDBA54D8-22AF-410D-B922-D2BFDC276BA0}" dt="2024-02-27T14:44:21.418" v="865" actId="1076"/>
+          <ac:spMkLst>
+            <pc:docMk/>
+            <pc:sldMk cId="411667446" sldId="272"/>
+            <ac:spMk id="7" creationId="{42C933A7-2EC9-4F5F-AF35-2647004CD071}"/>
+          </ac:spMkLst>
+        </pc:spChg>
+      </pc:sldChg>
+      <pc:sldChg chg="modSp mod">
+        <pc:chgData name="Peng, Cheng" userId="c8d19071-f396-4c12-bc1e-cc4bb8705334" providerId="ADAL" clId="{EDBA54D8-22AF-410D-B922-D2BFDC276BA0}" dt="2024-02-27T14:35:21.560" v="715" actId="1076"/>
+        <pc:sldMkLst>
+          <pc:docMk/>
+          <pc:sldMk cId="1273741283" sldId="273"/>
+        </pc:sldMkLst>
+        <pc:spChg chg="mod">
+          <ac:chgData name="Peng, Cheng" userId="c8d19071-f396-4c12-bc1e-cc4bb8705334" providerId="ADAL" clId="{EDBA54D8-22AF-410D-B922-D2BFDC276BA0}" dt="2024-02-27T14:35:18.567" v="714" actId="1076"/>
+          <ac:spMkLst>
+            <pc:docMk/>
+            <pc:sldMk cId="1273741283" sldId="273"/>
+            <ac:spMk id="7" creationId="{F20639B2-0673-4716-B7F7-422B29201830}"/>
+          </ac:spMkLst>
+        </pc:spChg>
+        <pc:spChg chg="mod">
+          <ac:chgData name="Peng, Cheng" userId="c8d19071-f396-4c12-bc1e-cc4bb8705334" providerId="ADAL" clId="{EDBA54D8-22AF-410D-B922-D2BFDC276BA0}" dt="2024-02-27T14:35:21.560" v="715" actId="1076"/>
+          <ac:spMkLst>
+            <pc:docMk/>
+            <pc:sldMk cId="1273741283" sldId="273"/>
+            <ac:spMk id="9" creationId="{24D78EFB-253A-4FE9-9876-C1E9069DD244}"/>
+          </ac:spMkLst>
+        </pc:spChg>
+        <pc:picChg chg="mod">
+          <ac:chgData name="Peng, Cheng" userId="c8d19071-f396-4c12-bc1e-cc4bb8705334" providerId="ADAL" clId="{EDBA54D8-22AF-410D-B922-D2BFDC276BA0}" dt="2024-02-27T14:35:02.342" v="712" actId="1076"/>
+          <ac:picMkLst>
+            <pc:docMk/>
+            <pc:sldMk cId="1273741283" sldId="273"/>
+            <ac:picMk id="1028" creationId="{7C844068-6426-4E09-8DB4-E5EE5837606A}"/>
+          </ac:picMkLst>
+        </pc:picChg>
+      </pc:sldChg>
+      <pc:sldChg chg="modSp mod">
+        <pc:chgData name="Peng, Cheng" userId="c8d19071-f396-4c12-bc1e-cc4bb8705334" providerId="ADAL" clId="{EDBA54D8-22AF-410D-B922-D2BFDC276BA0}" dt="2024-02-27T14:53:30.288" v="928" actId="207"/>
+        <pc:sldMkLst>
+          <pc:docMk/>
+          <pc:sldMk cId="3476107851" sldId="274"/>
+        </pc:sldMkLst>
+        <pc:spChg chg="mod">
+          <ac:chgData name="Peng, Cheng" userId="c8d19071-f396-4c12-bc1e-cc4bb8705334" providerId="ADAL" clId="{EDBA54D8-22AF-410D-B922-D2BFDC276BA0}" dt="2024-02-27T14:50:23.636" v="897" actId="1076"/>
+          <ac:spMkLst>
+            <pc:docMk/>
+            <pc:sldMk cId="3476107851" sldId="274"/>
+            <ac:spMk id="5" creationId="{E3461AEC-5842-4C17-9A47-818E53591280}"/>
+          </ac:spMkLst>
+        </pc:spChg>
+        <pc:spChg chg="mod">
+          <ac:chgData name="Peng, Cheng" userId="c8d19071-f396-4c12-bc1e-cc4bb8705334" providerId="ADAL" clId="{EDBA54D8-22AF-410D-B922-D2BFDC276BA0}" dt="2024-02-27T14:52:04.403" v="905" actId="207"/>
+          <ac:spMkLst>
+            <pc:docMk/>
+            <pc:sldMk cId="3476107851" sldId="274"/>
+            <ac:spMk id="6" creationId="{670D6EBB-B892-45D1-B85D-80D5519802A3}"/>
+          </ac:spMkLst>
+        </pc:spChg>
+        <pc:spChg chg="mod">
+          <ac:chgData name="Peng, Cheng" userId="c8d19071-f396-4c12-bc1e-cc4bb8705334" providerId="ADAL" clId="{EDBA54D8-22AF-410D-B922-D2BFDC276BA0}" dt="2024-02-27T14:53:30.288" v="928" actId="207"/>
+          <ac:spMkLst>
+            <pc:docMk/>
+            <pc:sldMk cId="3476107851" sldId="274"/>
+            <ac:spMk id="7" creationId="{4EA1555C-C216-481D-88E6-199278959F53}"/>
+          </ac:spMkLst>
+        </pc:spChg>
+      </pc:sldChg>
+      <pc:sldChg chg="modSp mod">
+        <pc:chgData name="Peng, Cheng" userId="c8d19071-f396-4c12-bc1e-cc4bb8705334" providerId="ADAL" clId="{EDBA54D8-22AF-410D-B922-D2BFDC276BA0}" dt="2024-02-27T14:58:05.885" v="999" actId="1076"/>
+        <pc:sldMkLst>
+          <pc:docMk/>
+          <pc:sldMk cId="1277434929" sldId="275"/>
+        </pc:sldMkLst>
+        <pc:spChg chg="mod">
+          <ac:chgData name="Peng, Cheng" userId="c8d19071-f396-4c12-bc1e-cc4bb8705334" providerId="ADAL" clId="{EDBA54D8-22AF-410D-B922-D2BFDC276BA0}" dt="2024-02-27T14:58:01.790" v="998" actId="1076"/>
+          <ac:spMkLst>
+            <pc:docMk/>
+            <pc:sldMk cId="1277434929" sldId="275"/>
+            <ac:spMk id="5" creationId="{46F0315C-ECF2-4F80-9288-AA79076DBCE2}"/>
+          </ac:spMkLst>
+        </pc:spChg>
+        <pc:spChg chg="mod">
+          <ac:chgData name="Peng, Cheng" userId="c8d19071-f396-4c12-bc1e-cc4bb8705334" providerId="ADAL" clId="{EDBA54D8-22AF-410D-B922-D2BFDC276BA0}" dt="2024-02-27T14:58:05.885" v="999" actId="1076"/>
+          <ac:spMkLst>
+            <pc:docMk/>
+            <pc:sldMk cId="1277434929" sldId="275"/>
+            <ac:spMk id="7" creationId="{0882A51E-E39F-46FB-80E4-E4495A4F6CDD}"/>
+          </ac:spMkLst>
+        </pc:spChg>
+      </pc:sldChg>
+      <pc:sldChg chg="addSp delSp modSp add mod">
+        <pc:chgData name="Peng, Cheng" userId="c8d19071-f396-4c12-bc1e-cc4bb8705334" providerId="ADAL" clId="{EDBA54D8-22AF-410D-B922-D2BFDC276BA0}" dt="2024-02-27T14:05:50.639" v="482" actId="20577"/>
+        <pc:sldMkLst>
+          <pc:docMk/>
+          <pc:sldMk cId="4048284803" sldId="276"/>
+        </pc:sldMkLst>
+        <pc:spChg chg="mod">
+          <ac:chgData name="Peng, Cheng" userId="c8d19071-f396-4c12-bc1e-cc4bb8705334" providerId="ADAL" clId="{EDBA54D8-22AF-410D-B922-D2BFDC276BA0}" dt="2024-02-27T13:38:09.871" v="31" actId="1076"/>
+          <ac:spMkLst>
+            <pc:docMk/>
+            <pc:sldMk cId="4048284803" sldId="276"/>
+            <ac:spMk id="2" creationId="{E34AA6FE-5D7F-BA4F-1A1D-94ED274FD890}"/>
+          </ac:spMkLst>
+        </pc:spChg>
+        <pc:spChg chg="add del mod">
+          <ac:chgData name="Peng, Cheng" userId="c8d19071-f396-4c12-bc1e-cc4bb8705334" providerId="ADAL" clId="{EDBA54D8-22AF-410D-B922-D2BFDC276BA0}" dt="2024-02-27T13:38:20.458" v="33" actId="478"/>
+          <ac:spMkLst>
+            <pc:docMk/>
+            <pc:sldMk cId="4048284803" sldId="276"/>
+            <ac:spMk id="3" creationId="{6B269D49-4926-CD76-68FD-163E6AEF6BD4}"/>
+          </ac:spMkLst>
+        </pc:spChg>
+        <pc:spChg chg="del">
+          <ac:chgData name="Peng, Cheng" userId="c8d19071-f396-4c12-bc1e-cc4bb8705334" providerId="ADAL" clId="{EDBA54D8-22AF-410D-B922-D2BFDC276BA0}" dt="2024-02-27T13:38:24.233" v="34" actId="478"/>
+          <ac:spMkLst>
+            <pc:docMk/>
+            <pc:sldMk cId="4048284803" sldId="276"/>
+            <ac:spMk id="6" creationId="{758317B2-4330-A270-D948-DFE3C9AB4AA0}"/>
+          </ac:spMkLst>
+        </pc:spChg>
+        <pc:spChg chg="add mod">
+          <ac:chgData name="Peng, Cheng" userId="c8d19071-f396-4c12-bc1e-cc4bb8705334" providerId="ADAL" clId="{EDBA54D8-22AF-410D-B922-D2BFDC276BA0}" dt="2024-02-27T14:05:50.639" v="482" actId="20577"/>
+          <ac:spMkLst>
+            <pc:docMk/>
+            <pc:sldMk cId="4048284803" sldId="276"/>
+            <ac:spMk id="8" creationId="{E9C6FF2F-D972-D52E-AE20-2F5090F67F3B}"/>
+          </ac:spMkLst>
+        </pc:spChg>
+        <pc:picChg chg="del">
+          <ac:chgData name="Peng, Cheng" userId="c8d19071-f396-4c12-bc1e-cc4bb8705334" providerId="ADAL" clId="{EDBA54D8-22AF-410D-B922-D2BFDC276BA0}" dt="2024-02-27T13:38:15.933" v="32" actId="478"/>
+          <ac:picMkLst>
+            <pc:docMk/>
+            <pc:sldMk cId="4048284803" sldId="276"/>
+            <ac:picMk id="4" creationId="{76848799-59F7-B544-497F-29C38C52F09D}"/>
+          </ac:picMkLst>
+        </pc:picChg>
+        <pc:picChg chg="add del mod">
+          <ac:chgData name="Peng, Cheng" userId="c8d19071-f396-4c12-bc1e-cc4bb8705334" providerId="ADAL" clId="{EDBA54D8-22AF-410D-B922-D2BFDC276BA0}" dt="2024-02-27T13:49:52.954" v="212" actId="478"/>
+          <ac:picMkLst>
+            <pc:docMk/>
+            <pc:sldMk cId="4048284803" sldId="276"/>
+            <ac:picMk id="5" creationId="{312D1D74-7A05-4AE6-88F7-1B2DE2D9A4C8}"/>
+          </ac:picMkLst>
+        </pc:picChg>
+      </pc:sldChg>
+      <pc:sldChg chg="add">
+        <pc:chgData name="Peng, Cheng" userId="c8d19071-f396-4c12-bc1e-cc4bb8705334" providerId="ADAL" clId="{EDBA54D8-22AF-410D-B922-D2BFDC276BA0}" dt="2024-02-27T13:49:42.774" v="211" actId="2890"/>
+        <pc:sldMkLst>
+          <pc:docMk/>
+          <pc:sldMk cId="2504802040" sldId="277"/>
+        </pc:sldMkLst>
       </pc:sldChg>
     </pc:docChg>
   </pc:docChgLst>
@@ -248,7 +753,7 @@
           <a:p>
             <a:fld id="{1C228BD6-2B35-411A-983E-522886FFC355}" type="datetimeFigureOut">
               <a:rPr lang="en-US" smtClean="0"/>
-              <a:t>1/24/2024</a:t>
+              <a:t>2/27/2024</a:t>
             </a:fld>
             <a:endParaRPr lang="en-US"/>
           </a:p>
@@ -753,7 +1258,7 @@
             <a:fld id="{B61BEF0D-F0BB-DE4B-95CE-6DB70DBA9567}" type="datetimeFigureOut">
               <a:rPr lang="en-US" dirty="0"/>
               <a:pPr/>
-              <a:t>1/24/2024</a:t>
+              <a:t>2/27/2024</a:t>
             </a:fld>
             <a:endParaRPr lang="en-US" dirty="0"/>
           </a:p>
@@ -1012,7 +1517,7 @@
             <a:fld id="{B61BEF0D-F0BB-DE4B-95CE-6DB70DBA9567}" type="datetimeFigureOut">
               <a:rPr lang="en-US" dirty="0"/>
               <a:pPr/>
-              <a:t>1/24/2024</a:t>
+              <a:t>2/27/2024</a:t>
             </a:fld>
             <a:endParaRPr lang="en-US" dirty="0"/>
           </a:p>
@@ -1244,7 +1749,7 @@
             <a:fld id="{B61BEF0D-F0BB-DE4B-95CE-6DB70DBA9567}" type="datetimeFigureOut">
               <a:rPr lang="en-US" dirty="0"/>
               <a:pPr/>
-              <a:t>1/24/2024</a:t>
+              <a:t>2/27/2024</a:t>
             </a:fld>
             <a:endParaRPr lang="en-US" dirty="0"/>
           </a:p>
@@ -1469,7 +1974,7 @@
           <a:p>
             <a:fld id="{378191D8-692B-4128-9859-A90D509687C4}" type="datetimeFigureOut">
               <a:rPr lang="en-US" smtClean="0"/>
-              <a:t>1/24/2024</a:t>
+              <a:t>2/27/2024</a:t>
             </a:fld>
             <a:endParaRPr lang="en-US"/>
           </a:p>
@@ -1667,7 +2172,7 @@
           <a:p>
             <a:fld id="{378191D8-692B-4128-9859-A90D509687C4}" type="datetimeFigureOut">
               <a:rPr lang="en-US" smtClean="0"/>
-              <a:t>1/24/2024</a:t>
+              <a:t>2/27/2024</a:t>
             </a:fld>
             <a:endParaRPr lang="en-US"/>
           </a:p>
@@ -1942,7 +2447,7 @@
           <a:p>
             <a:fld id="{378191D8-692B-4128-9859-A90D509687C4}" type="datetimeFigureOut">
               <a:rPr lang="en-US" smtClean="0"/>
-              <a:t>1/24/2024</a:t>
+              <a:t>2/27/2024</a:t>
             </a:fld>
             <a:endParaRPr lang="en-US"/>
           </a:p>
@@ -2207,7 +2712,7 @@
           <a:p>
             <a:fld id="{378191D8-692B-4128-9859-A90D509687C4}" type="datetimeFigureOut">
               <a:rPr lang="en-US" smtClean="0"/>
-              <a:t>1/24/2024</a:t>
+              <a:t>2/27/2024</a:t>
             </a:fld>
             <a:endParaRPr lang="en-US"/>
           </a:p>
@@ -2619,7 +3124,7 @@
           <a:p>
             <a:fld id="{378191D8-692B-4128-9859-A90D509687C4}" type="datetimeFigureOut">
               <a:rPr lang="en-US" smtClean="0"/>
-              <a:t>1/24/2024</a:t>
+              <a:t>2/27/2024</a:t>
             </a:fld>
             <a:endParaRPr lang="en-US"/>
           </a:p>
@@ -2760,7 +3265,7 @@
           <a:p>
             <a:fld id="{378191D8-692B-4128-9859-A90D509687C4}" type="datetimeFigureOut">
               <a:rPr lang="en-US" smtClean="0"/>
-              <a:t>1/24/2024</a:t>
+              <a:t>2/27/2024</a:t>
             </a:fld>
             <a:endParaRPr lang="en-US"/>
           </a:p>
@@ -2873,7 +3378,7 @@
           <a:p>
             <a:fld id="{378191D8-692B-4128-9859-A90D509687C4}" type="datetimeFigureOut">
               <a:rPr lang="en-US" smtClean="0"/>
-              <a:t>1/24/2024</a:t>
+              <a:t>2/27/2024</a:t>
             </a:fld>
             <a:endParaRPr lang="en-US"/>
           </a:p>
@@ -3184,7 +3689,7 @@
           <a:p>
             <a:fld id="{378191D8-692B-4128-9859-A90D509687C4}" type="datetimeFigureOut">
               <a:rPr lang="en-US" smtClean="0"/>
-              <a:t>1/24/2024</a:t>
+              <a:t>2/27/2024</a:t>
             </a:fld>
             <a:endParaRPr lang="en-US"/>
           </a:p>
@@ -3407,7 +3912,7 @@
             <a:fld id="{B61BEF0D-F0BB-DE4B-95CE-6DB70DBA9567}" type="datetimeFigureOut">
               <a:rPr lang="en-US" dirty="0"/>
               <a:pPr/>
-              <a:t>1/24/2024</a:t>
+              <a:t>2/27/2024</a:t>
             </a:fld>
             <a:endParaRPr lang="en-US" dirty="0"/>
           </a:p>
@@ -3684,7 +4189,7 @@
           <a:p>
             <a:fld id="{378191D8-692B-4128-9859-A90D509687C4}" type="datetimeFigureOut">
               <a:rPr lang="en-US" smtClean="0"/>
-              <a:t>1/24/2024</a:t>
+              <a:t>2/27/2024</a:t>
             </a:fld>
             <a:endParaRPr lang="en-US"/>
           </a:p>
@@ -3882,7 +4387,7 @@
           <a:p>
             <a:fld id="{378191D8-692B-4128-9859-A90D509687C4}" type="datetimeFigureOut">
               <a:rPr lang="en-US" smtClean="0"/>
-              <a:t>1/24/2024</a:t>
+              <a:t>2/27/2024</a:t>
             </a:fld>
             <a:endParaRPr lang="en-US"/>
           </a:p>
@@ -4090,7 +4595,7 @@
           <a:p>
             <a:fld id="{378191D8-692B-4128-9859-A90D509687C4}" type="datetimeFigureOut">
               <a:rPr lang="en-US" smtClean="0"/>
-              <a:t>1/24/2024</a:t>
+              <a:t>2/27/2024</a:t>
             </a:fld>
             <a:endParaRPr lang="en-US"/>
           </a:p>
@@ -4481,7 +4986,7 @@
             <a:fld id="{B61BEF0D-F0BB-DE4B-95CE-6DB70DBA9567}" type="datetimeFigureOut">
               <a:rPr lang="en-US" dirty="0"/>
               <a:pPr/>
-              <a:t>1/24/2024</a:t>
+              <a:t>2/27/2024</a:t>
             </a:fld>
             <a:endParaRPr lang="en-US" dirty="0"/>
           </a:p>
@@ -4802,7 +5307,7 @@
             <a:fld id="{B61BEF0D-F0BB-DE4B-95CE-6DB70DBA9567}" type="datetimeFigureOut">
               <a:rPr lang="en-US" dirty="0"/>
               <a:pPr/>
-              <a:t>1/24/2024</a:t>
+              <a:t>2/27/2024</a:t>
             </a:fld>
             <a:endParaRPr lang="en-US" dirty="0"/>
           </a:p>
@@ -5101,7 +5606,7 @@
             <a:fld id="{B61BEF0D-F0BB-DE4B-95CE-6DB70DBA9567}" type="datetimeFigureOut">
               <a:rPr lang="en-US" dirty="0"/>
               <a:pPr/>
-              <a:t>1/24/2024</a:t>
+              <a:t>2/27/2024</a:t>
             </a:fld>
             <a:endParaRPr lang="en-US" dirty="0"/>
           </a:p>
@@ -5520,7 +6025,7 @@
             <a:fld id="{B61BEF0D-F0BB-DE4B-95CE-6DB70DBA9567}" type="datetimeFigureOut">
               <a:rPr lang="en-US" dirty="0"/>
               <a:pPr/>
-              <a:t>1/24/2024</a:t>
+              <a:t>2/27/2024</a:t>
             </a:fld>
             <a:endParaRPr lang="en-US" dirty="0"/>
           </a:p>
@@ -5679,7 +6184,7 @@
             <a:fld id="{B61BEF0D-F0BB-DE4B-95CE-6DB70DBA9567}" type="datetimeFigureOut">
               <a:rPr lang="en-US" dirty="0"/>
               <a:pPr/>
-              <a:t>1/24/2024</a:t>
+              <a:t>2/27/2024</a:t>
             </a:fld>
             <a:endParaRPr lang="en-US" dirty="0"/>
           </a:p>
@@ -5771,7 +6276,7 @@
             <a:fld id="{B61BEF0D-F0BB-DE4B-95CE-6DB70DBA9567}" type="datetimeFigureOut">
               <a:rPr lang="en-US" dirty="0"/>
               <a:pPr/>
-              <a:t>1/24/2024</a:t>
+              <a:t>2/27/2024</a:t>
             </a:fld>
             <a:endParaRPr lang="en-US" dirty="0"/>
           </a:p>
@@ -6035,7 +6540,7 @@
             <a:fld id="{B61BEF0D-F0BB-DE4B-95CE-6DB70DBA9567}" type="datetimeFigureOut">
               <a:rPr lang="en-US" dirty="0"/>
               <a:pPr/>
-              <a:t>1/24/2024</a:t>
+              <a:t>2/27/2024</a:t>
             </a:fld>
             <a:endParaRPr lang="en-US" dirty="0"/>
           </a:p>
@@ -6243,7 +6748,7 @@
             <a:fld id="{B61BEF0D-F0BB-DE4B-95CE-6DB70DBA9567}" type="datetimeFigureOut">
               <a:rPr lang="en-US" dirty="0"/>
               <a:pPr/>
-              <a:t>1/24/2024</a:t>
+              <a:t>2/27/2024</a:t>
             </a:fld>
             <a:endParaRPr lang="en-US" dirty="0"/>
           </a:p>
@@ -6991,7 +7496,7 @@
           <a:p>
             <a:fld id="{378191D8-692B-4128-9859-A90D509687C4}" type="datetimeFigureOut">
               <a:rPr lang="en-US" smtClean="0"/>
-              <a:t>1/24/2024</a:t>
+              <a:t>2/27/2024</a:t>
             </a:fld>
             <a:endParaRPr lang="en-US"/>
           </a:p>
@@ -7761,6 +8266,480 @@
           <p:cNvPr id="2" name="Title 1">
             <a:extLst>
               <a:ext uri="{FF2B5EF4-FFF2-40B4-BE49-F238E27FC236}">
+                <a16:creationId xmlns:a16="http://schemas.microsoft.com/office/drawing/2014/main" id="{9E6045DA-7658-402F-B186-BAFC88184863}"/>
+              </a:ext>
+            </a:extLst>
+          </p:cNvPr>
+          <p:cNvSpPr>
+            <a:spLocks noGrp="1"/>
+          </p:cNvSpPr>
+          <p:nvPr>
+            <p:ph type="title"/>
+          </p:nvPr>
+        </p:nvSpPr>
+        <p:spPr/>
+        <p:txBody>
+          <a:bodyPr>
+            <a:normAutofit/>
+          </a:bodyPr>
+          <a:lstStyle/>
+          <a:p>
+            <a:pPr algn="ctr"/>
+            <a:r>
+              <a:rPr kumimoji="0" lang="en-US" altLang="zh-TW" sz="2800" b="1" dirty="0">
+                <a:solidFill>
+                  <a:srgbClr val="FFC000"/>
+                </a:solidFill>
+              </a:rPr>
+              <a:t>Insert</a:t>
+            </a:r>
+            <a:r>
+              <a:rPr kumimoji="0" lang="en-US" altLang="zh-TW" sz="2800" b="1" dirty="0"/>
+              <a:t> operation</a:t>
+            </a:r>
+            <a:br>
+              <a:rPr kumimoji="0" lang="en-US" altLang="zh-TW" sz="2800" b="1" dirty="0">
+                <a:latin typeface="Times New Roman" panose="02020603050405020304" pitchFamily="18" charset="0"/>
+              </a:rPr>
+            </a:br>
+            <a:endParaRPr lang="en-US" dirty="0"/>
+          </a:p>
+        </p:txBody>
+      </p:sp>
+      <p:sp>
+        <p:nvSpPr>
+          <p:cNvPr id="5" name="TextBox 4">
+            <a:extLst>
+              <a:ext uri="{FF2B5EF4-FFF2-40B4-BE49-F238E27FC236}">
+                <a16:creationId xmlns:a16="http://schemas.microsoft.com/office/drawing/2014/main" id="{F1262045-964E-4002-AF6F-3C7E2F7B6A1D}"/>
+              </a:ext>
+            </a:extLst>
+          </p:cNvPr>
+          <p:cNvSpPr txBox="1"/>
+          <p:nvPr/>
+        </p:nvSpPr>
+        <p:spPr>
+          <a:xfrm>
+            <a:off x="2113109" y="2297897"/>
+            <a:ext cx="8100892" cy="1311128"/>
+          </a:xfrm>
+          <a:prstGeom prst="rect">
+            <a:avLst/>
+          </a:prstGeom>
+          <a:noFill/>
+        </p:spPr>
+        <p:txBody>
+          <a:bodyPr wrap="square">
+            <a:spAutoFit/>
+          </a:bodyPr>
+          <a:lstStyle/>
+          <a:p>
+            <a:pPr marL="457200" indent="-457200">
+              <a:lnSpc>
+                <a:spcPct val="90000"/>
+              </a:lnSpc>
+              <a:buFont typeface="Wingdings" panose="05000000000000000000" pitchFamily="2" charset="2"/>
+              <a:buChar char="q"/>
+            </a:pPr>
+            <a:r>
+              <a:rPr lang="en-US" altLang="zh-TW" sz="3200" dirty="0"/>
+              <a:t> A </a:t>
+            </a:r>
+            <a:r>
+              <a:rPr lang="en-US" altLang="zh-TW" sz="3200" dirty="0">
+                <a:solidFill>
+                  <a:srgbClr val="006600"/>
+                </a:solidFill>
+              </a:rPr>
+              <a:t>unary</a:t>
+            </a:r>
+            <a:r>
+              <a:rPr lang="en-US" altLang="zh-TW" sz="3200" dirty="0"/>
+              <a:t> operation.</a:t>
+            </a:r>
+          </a:p>
+          <a:p>
+            <a:pPr>
+              <a:lnSpc>
+                <a:spcPct val="90000"/>
+              </a:lnSpc>
+            </a:pPr>
+            <a:endParaRPr lang="en-US" altLang="zh-TW" sz="2400" dirty="0"/>
+          </a:p>
+          <a:p>
+            <a:pPr marL="457200" indent="-457200">
+              <a:lnSpc>
+                <a:spcPct val="90000"/>
+              </a:lnSpc>
+              <a:buFont typeface="Wingdings" panose="05000000000000000000" pitchFamily="2" charset="2"/>
+              <a:buChar char="q"/>
+            </a:pPr>
+            <a:r>
+              <a:rPr lang="en-US" altLang="zh-TW" sz="3200" u="sng" dirty="0"/>
+              <a:t> Insert a new </a:t>
+            </a:r>
+            <a:r>
+              <a:rPr lang="en-US" altLang="zh-TW" sz="3200" u="sng" dirty="0">
+                <a:solidFill>
+                  <a:srgbClr val="006600"/>
+                </a:solidFill>
+              </a:rPr>
+              <a:t>tuple</a:t>
+            </a:r>
+            <a:r>
+              <a:rPr lang="en-US" altLang="zh-TW" sz="3200" dirty="0"/>
+              <a:t> into the relation.</a:t>
+            </a:r>
+          </a:p>
+        </p:txBody>
+      </p:sp>
+      <p:pic>
+        <p:nvPicPr>
+          <p:cNvPr id="6" name="Picture 15">
+            <a:extLst>
+              <a:ext uri="{FF2B5EF4-FFF2-40B4-BE49-F238E27FC236}">
+                <a16:creationId xmlns:a16="http://schemas.microsoft.com/office/drawing/2014/main" id="{FC5B1A41-4FA1-4293-BB67-E82B63BC3DC6}"/>
+              </a:ext>
+            </a:extLst>
+          </p:cNvPr>
+          <p:cNvPicPr>
+            <a:picLocks noChangeAspect="1" noChangeArrowheads="1"/>
+          </p:cNvPicPr>
+          <p:nvPr/>
+        </p:nvPicPr>
+        <p:blipFill>
+          <a:blip r:embed="rId2">
+            <a:extLst>
+              <a:ext uri="{28A0092B-C50C-407E-A947-70E740481C1C}">
+                <a14:useLocalDpi xmlns:a14="http://schemas.microsoft.com/office/drawing/2010/main" val="0"/>
+              </a:ext>
+            </a:extLst>
+          </a:blip>
+          <a:srcRect/>
+          <a:stretch>
+            <a:fillRect/>
+          </a:stretch>
+        </p:blipFill>
+        <p:spPr bwMode="auto">
+          <a:xfrm>
+            <a:off x="2017438" y="4204806"/>
+            <a:ext cx="8510588" cy="1951038"/>
+          </a:xfrm>
+          <a:prstGeom prst="rect">
+            <a:avLst/>
+          </a:prstGeom>
+          <a:noFill/>
+          <a:ln>
+            <a:noFill/>
+          </a:ln>
+          <a:effectLst/>
+          <a:extLst>
+            <a:ext uri="{909E8E84-426E-40DD-AFC4-6F175D3DCCD1}">
+              <a14:hiddenFill xmlns:a14="http://schemas.microsoft.com/office/drawing/2010/main">
+                <a:solidFill>
+                  <a:schemeClr val="accent1"/>
+                </a:solidFill>
+              </a14:hiddenFill>
+            </a:ext>
+            <a:ext uri="{91240B29-F687-4F45-9708-019B960494DF}">
+              <a14:hiddenLine xmlns:a14="http://schemas.microsoft.com/office/drawing/2010/main" w="9525">
+                <a:solidFill>
+                  <a:schemeClr val="tx1"/>
+                </a:solidFill>
+                <a:miter lim="800000"/>
+                <a:headEnd/>
+                <a:tailEnd/>
+              </a14:hiddenLine>
+            </a:ext>
+            <a:ext uri="{AF507438-7753-43E0-B8FC-AC1667EBCBE1}">
+              <a14:hiddenEffects xmlns:a14="http://schemas.microsoft.com/office/drawing/2010/main">
+                <a:effectLst>
+                  <a:outerShdw dist="35921" dir="2700000" algn="ctr" rotWithShape="0">
+                    <a:schemeClr val="bg2"/>
+                  </a:outerShdw>
+                </a:effectLst>
+              </a14:hiddenEffects>
+            </a:ext>
+          </a:extLst>
+        </p:spPr>
+      </p:pic>
+    </p:spTree>
+    <p:extLst>
+      <p:ext uri="{BB962C8B-B14F-4D97-AF65-F5344CB8AC3E}">
+        <p14:creationId xmlns:p14="http://schemas.microsoft.com/office/powerpoint/2010/main" val="3595657379"/>
+      </p:ext>
+    </p:extLst>
+  </p:cSld>
+  <p:clrMapOvr>
+    <a:masterClrMapping/>
+  </p:clrMapOvr>
+</p:sld>
+</file>
+
+<file path=ppt/slides/slide11.xml><?xml version="1.0" encoding="utf-8"?>
+<p:sld xmlns:a="http://schemas.openxmlformats.org/drawingml/2006/main" xmlns:r="http://schemas.openxmlformats.org/officeDocument/2006/relationships" xmlns:p="http://schemas.openxmlformats.org/presentationml/2006/main">
+  <p:cSld>
+    <p:spTree>
+      <p:nvGrpSpPr>
+        <p:cNvPr id="1" name=""/>
+        <p:cNvGrpSpPr/>
+        <p:nvPr/>
+      </p:nvGrpSpPr>
+      <p:grpSpPr>
+        <a:xfrm>
+          <a:off x="0" y="0"/>
+          <a:ext cx="0" cy="0"/>
+          <a:chOff x="0" y="0"/>
+          <a:chExt cx="0" cy="0"/>
+        </a:xfrm>
+      </p:grpSpPr>
+      <p:sp>
+        <p:nvSpPr>
+          <p:cNvPr id="2" name="Title 1">
+            <a:extLst>
+              <a:ext uri="{FF2B5EF4-FFF2-40B4-BE49-F238E27FC236}">
+                <a16:creationId xmlns:a16="http://schemas.microsoft.com/office/drawing/2014/main" id="{BD65F882-BF6F-41B6-B77A-8D547C745F03}"/>
+              </a:ext>
+            </a:extLst>
+          </p:cNvPr>
+          <p:cNvSpPr>
+            <a:spLocks noGrp="1"/>
+          </p:cNvSpPr>
+          <p:nvPr>
+            <p:ph type="title"/>
+          </p:nvPr>
+        </p:nvSpPr>
+        <p:spPr/>
+        <p:txBody>
+          <a:bodyPr/>
+          <a:lstStyle/>
+          <a:p>
+            <a:pPr algn="ctr"/>
+            <a:r>
+              <a:rPr kumimoji="0" lang="en-US" altLang="zh-TW" sz="2800" b="1" dirty="0">
+                <a:solidFill>
+                  <a:srgbClr val="FFC000"/>
+                </a:solidFill>
+              </a:rPr>
+              <a:t>Delete</a:t>
+            </a:r>
+            <a:r>
+              <a:rPr kumimoji="0" lang="en-US" altLang="zh-TW" sz="2800" b="1" dirty="0"/>
+              <a:t> operation</a:t>
+            </a:r>
+            <a:br>
+              <a:rPr kumimoji="0" lang="en-US" altLang="zh-TW" sz="2800" b="1" dirty="0">
+                <a:latin typeface="Times New Roman" panose="02020603050405020304" pitchFamily="18" charset="0"/>
+              </a:rPr>
+            </a:br>
+            <a:endParaRPr lang="en-US" dirty="0"/>
+          </a:p>
+        </p:txBody>
+      </p:sp>
+      <p:sp>
+        <p:nvSpPr>
+          <p:cNvPr id="5" name="TextBox 4">
+            <a:extLst>
+              <a:ext uri="{FF2B5EF4-FFF2-40B4-BE49-F238E27FC236}">
+                <a16:creationId xmlns:a16="http://schemas.microsoft.com/office/drawing/2014/main" id="{1CA0E136-5F1E-4136-A3F8-BF231CE756F4}"/>
+              </a:ext>
+            </a:extLst>
+          </p:cNvPr>
+          <p:cNvSpPr txBox="1"/>
+          <p:nvPr/>
+        </p:nvSpPr>
+        <p:spPr>
+          <a:xfrm>
+            <a:off x="1960529" y="2173272"/>
+            <a:ext cx="9376442" cy="1255728"/>
+          </a:xfrm>
+          <a:prstGeom prst="rect">
+            <a:avLst/>
+          </a:prstGeom>
+          <a:noFill/>
+        </p:spPr>
+        <p:txBody>
+          <a:bodyPr wrap="square">
+            <a:spAutoFit/>
+          </a:bodyPr>
+          <a:lstStyle/>
+          <a:p>
+            <a:pPr marL="457200" indent="-457200">
+              <a:lnSpc>
+                <a:spcPct val="90000"/>
+              </a:lnSpc>
+              <a:buFont typeface="Wingdings" panose="05000000000000000000" pitchFamily="2" charset="2"/>
+              <a:buChar char="q"/>
+            </a:pPr>
+            <a:r>
+              <a:rPr lang="en-US" altLang="zh-TW" sz="2800" dirty="0"/>
+              <a:t>A </a:t>
+            </a:r>
+            <a:r>
+              <a:rPr lang="en-US" altLang="zh-TW" sz="2800" dirty="0">
+                <a:solidFill>
+                  <a:srgbClr val="006600"/>
+                </a:solidFill>
+              </a:rPr>
+              <a:t>unary</a:t>
+            </a:r>
+            <a:r>
+              <a:rPr lang="en-US" altLang="zh-TW" sz="2800" dirty="0"/>
+              <a:t> operation.</a:t>
+            </a:r>
+          </a:p>
+          <a:p>
+            <a:pPr>
+              <a:lnSpc>
+                <a:spcPct val="90000"/>
+              </a:lnSpc>
+            </a:pPr>
+            <a:endParaRPr lang="en-US" altLang="zh-TW" sz="2800" dirty="0"/>
+          </a:p>
+          <a:p>
+            <a:pPr marL="457200" indent="-457200">
+              <a:lnSpc>
+                <a:spcPct val="90000"/>
+              </a:lnSpc>
+              <a:buFont typeface="Wingdings" panose="05000000000000000000" pitchFamily="2" charset="2"/>
+              <a:buChar char="q"/>
+            </a:pPr>
+            <a:r>
+              <a:rPr lang="en-US" altLang="zh-TW" sz="2800" u="sng" dirty="0"/>
+              <a:t>Delete a </a:t>
+            </a:r>
+            <a:r>
+              <a:rPr lang="en-US" altLang="zh-TW" sz="2800" u="sng" dirty="0">
+                <a:solidFill>
+                  <a:srgbClr val="006600"/>
+                </a:solidFill>
+              </a:rPr>
+              <a:t>tuple</a:t>
+            </a:r>
+            <a:r>
+              <a:rPr lang="en-US" altLang="zh-TW" sz="2800" dirty="0"/>
+              <a:t> defined by a </a:t>
+            </a:r>
+            <a:r>
+              <a:rPr lang="en-US" altLang="zh-TW" sz="2800" dirty="0">
+                <a:solidFill>
+                  <a:srgbClr val="990000"/>
+                </a:solidFill>
+              </a:rPr>
+              <a:t>criterion</a:t>
+            </a:r>
+            <a:r>
+              <a:rPr lang="en-US" altLang="zh-TW" sz="2800" dirty="0"/>
+              <a:t> from the relation.</a:t>
+            </a:r>
+          </a:p>
+        </p:txBody>
+      </p:sp>
+      <p:pic>
+        <p:nvPicPr>
+          <p:cNvPr id="6" name="Picture 10">
+            <a:extLst>
+              <a:ext uri="{FF2B5EF4-FFF2-40B4-BE49-F238E27FC236}">
+                <a16:creationId xmlns:a16="http://schemas.microsoft.com/office/drawing/2014/main" id="{499739ED-D82B-44FC-8A7C-59ABC70E2FDD}"/>
+              </a:ext>
+            </a:extLst>
+          </p:cNvPr>
+          <p:cNvPicPr>
+            <a:picLocks noChangeAspect="1" noChangeArrowheads="1"/>
+          </p:cNvPicPr>
+          <p:nvPr/>
+        </p:nvPicPr>
+        <p:blipFill>
+          <a:blip r:embed="rId2">
+            <a:extLst>
+              <a:ext uri="{28A0092B-C50C-407E-A947-70E740481C1C}">
+                <a14:useLocalDpi xmlns:a14="http://schemas.microsoft.com/office/drawing/2010/main" val="0"/>
+              </a:ext>
+            </a:extLst>
+          </a:blip>
+          <a:srcRect/>
+          <a:stretch>
+            <a:fillRect/>
+          </a:stretch>
+        </p:blipFill>
+        <p:spPr bwMode="auto">
+          <a:xfrm>
+            <a:off x="1960529" y="4196617"/>
+            <a:ext cx="8501063" cy="2100263"/>
+          </a:xfrm>
+          <a:prstGeom prst="rect">
+            <a:avLst/>
+          </a:prstGeom>
+          <a:noFill/>
+          <a:ln>
+            <a:noFill/>
+          </a:ln>
+          <a:effectLst/>
+          <a:extLst>
+            <a:ext uri="{909E8E84-426E-40DD-AFC4-6F175D3DCCD1}">
+              <a14:hiddenFill xmlns:a14="http://schemas.microsoft.com/office/drawing/2010/main">
+                <a:solidFill>
+                  <a:schemeClr val="accent1"/>
+                </a:solidFill>
+              </a14:hiddenFill>
+            </a:ext>
+            <a:ext uri="{91240B29-F687-4F45-9708-019B960494DF}">
+              <a14:hiddenLine xmlns:a14="http://schemas.microsoft.com/office/drawing/2010/main" w="9525">
+                <a:solidFill>
+                  <a:schemeClr val="tx1"/>
+                </a:solidFill>
+                <a:miter lim="800000"/>
+                <a:headEnd/>
+                <a:tailEnd/>
+              </a14:hiddenLine>
+            </a:ext>
+            <a:ext uri="{AF507438-7753-43E0-B8FC-AC1667EBCBE1}">
+              <a14:hiddenEffects xmlns:a14="http://schemas.microsoft.com/office/drawing/2010/main">
+                <a:effectLst>
+                  <a:outerShdw dist="35921" dir="2700000" algn="ctr" rotWithShape="0">
+                    <a:schemeClr val="bg2"/>
+                  </a:outerShdw>
+                </a:effectLst>
+              </a14:hiddenEffects>
+            </a:ext>
+          </a:extLst>
+        </p:spPr>
+      </p:pic>
+    </p:spTree>
+    <p:extLst>
+      <p:ext uri="{BB962C8B-B14F-4D97-AF65-F5344CB8AC3E}">
+        <p14:creationId xmlns:p14="http://schemas.microsoft.com/office/powerpoint/2010/main" val="2395960690"/>
+      </p:ext>
+    </p:extLst>
+  </p:cSld>
+  <p:clrMapOvr>
+    <a:masterClrMapping/>
+  </p:clrMapOvr>
+</p:sld>
+</file>
+
+<file path=ppt/slides/slide12.xml><?xml version="1.0" encoding="utf-8"?>
+<p:sld xmlns:a="http://schemas.openxmlformats.org/drawingml/2006/main" xmlns:r="http://schemas.openxmlformats.org/officeDocument/2006/relationships" xmlns:p="http://schemas.openxmlformats.org/presentationml/2006/main">
+  <p:cSld>
+    <p:spTree>
+      <p:nvGrpSpPr>
+        <p:cNvPr id="1" name=""/>
+        <p:cNvGrpSpPr/>
+        <p:nvPr/>
+      </p:nvGrpSpPr>
+      <p:grpSpPr>
+        <a:xfrm>
+          <a:off x="0" y="0"/>
+          <a:ext cx="0" cy="0"/>
+          <a:chOff x="0" y="0"/>
+          <a:chExt cx="0" cy="0"/>
+        </a:xfrm>
+      </p:grpSpPr>
+      <p:sp>
+        <p:nvSpPr>
+          <p:cNvPr id="2" name="Title 1">
+            <a:extLst>
+              <a:ext uri="{FF2B5EF4-FFF2-40B4-BE49-F238E27FC236}">
                 <a16:creationId xmlns:a16="http://schemas.microsoft.com/office/drawing/2014/main" id="{BF9EC87C-1E88-461B-BD3A-AA757B335A30}"/>
               </a:ext>
             </a:extLst>
@@ -7933,7 +8912,7 @@
 </p:sld>
 </file>
 
-<file path=ppt/slides/slide11.xml><?xml version="1.0" encoding="utf-8"?>
+<file path=ppt/slides/slide13.xml><?xml version="1.0" encoding="utf-8"?>
 <p:sld xmlns:a="http://schemas.openxmlformats.org/drawingml/2006/main" xmlns:r="http://schemas.openxmlformats.org/officeDocument/2006/relationships" xmlns:p="http://schemas.openxmlformats.org/presentationml/2006/main">
   <p:cSld>
     <p:spTree>
@@ -8007,8 +8986,8 @@
         </p:nvSpPr>
         <p:spPr>
           <a:xfrm>
-            <a:off x="1360264" y="1832562"/>
-            <a:ext cx="10342942" cy="2142125"/>
+            <a:off x="2268786" y="1924926"/>
+            <a:ext cx="7654427" cy="2031325"/>
           </a:xfrm>
           <a:prstGeom prst="rect">
             <a:avLst/>
@@ -8051,7 +9030,7 @@
                 <a:spcPct val="90000"/>
               </a:lnSpc>
             </a:pPr>
-            <a:endParaRPr lang="en-US" altLang="zh-TW" sz="1800" dirty="0"/>
+            <a:endParaRPr lang="en-US" altLang="zh-TW" sz="2800" dirty="0"/>
           </a:p>
           <a:p>
             <a:pPr marL="457200" indent="-457200">
@@ -8063,23 +9042,7 @@
             </a:pPr>
             <a:r>
               <a:rPr lang="en-US" altLang="zh-TW" sz="2800" dirty="0"/>
-              <a:t>It is </a:t>
-            </a:r>
-            <a:r>
-              <a:rPr lang="en-US" altLang="zh-TW" sz="2800" u="sng" dirty="0"/>
-              <a:t>applied to one single relation</a:t>
-            </a:r>
-            <a:r>
-              <a:rPr lang="en-US" altLang="zh-TW" sz="2800" dirty="0"/>
-              <a:t> and </a:t>
-            </a:r>
-            <a:r>
-              <a:rPr lang="en-US" altLang="zh-TW" sz="2800" u="sng" dirty="0"/>
-              <a:t>creates another relation</a:t>
-            </a:r>
-            <a:r>
-              <a:rPr lang="en-US" altLang="zh-TW" sz="2800" dirty="0"/>
-              <a:t>.</a:t>
+              <a:t> applied to one single relation </a:t>
             </a:r>
           </a:p>
           <a:p>
@@ -8088,7 +9051,7 @@
                 <a:spcPct val="90000"/>
               </a:lnSpc>
             </a:pPr>
-            <a:endParaRPr lang="en-US" altLang="zh-TW" sz="1800" dirty="0"/>
+            <a:endParaRPr lang="en-US" altLang="zh-TW" sz="2800" dirty="0"/>
           </a:p>
           <a:p>
             <a:pPr marL="457200" indent="-457200">
@@ -8100,22 +9063,10 @@
             </a:pPr>
             <a:r>
               <a:rPr lang="en-US" altLang="zh-TW" sz="2800" dirty="0"/>
-              <a:t>The </a:t>
-            </a:r>
-            <a:r>
-              <a:rPr lang="en-US" altLang="zh-TW" sz="2800" u="sng" dirty="0"/>
-              <a:t>attributes in the resulting relation</a:t>
-            </a:r>
-            <a:r>
-              <a:rPr lang="en-US" altLang="zh-TW" sz="2800" dirty="0"/>
-              <a:t> are a </a:t>
-            </a:r>
-            <a:r>
-              <a:rPr lang="en-US" altLang="zh-TW" sz="2800" u="sng" dirty="0"/>
-              <a:t>subset of the </a:t>
-            </a:r>
-            <a:r>
-              <a:rPr lang="en-US" altLang="zh-TW" sz="2800" u="sng" dirty="0">
+              <a:t>creates another relation with less </a:t>
+            </a:r>
+            <a:r>
+              <a:rPr lang="en-US" altLang="zh-TW" sz="2800" dirty="0">
                 <a:solidFill>
                   <a:srgbClr val="006600"/>
                 </a:solidFill>
@@ -8124,7 +9075,7 @@
             </a:r>
             <a:r>
               <a:rPr lang="en-US" altLang="zh-TW" sz="2800" dirty="0"/>
-              <a:t> in the original relation.</a:t>
+              <a:t>.</a:t>
             </a:r>
           </a:p>
         </p:txBody>
@@ -8158,8 +9109,8 @@
         </p:blipFill>
         <p:spPr bwMode="auto">
           <a:xfrm>
-            <a:off x="2190812" y="4327396"/>
-            <a:ext cx="7460775" cy="2396638"/>
+            <a:off x="2486375" y="4259189"/>
+            <a:ext cx="7027079" cy="2257321"/>
           </a:xfrm>
           <a:prstGeom prst="rect">
             <a:avLst/>
@@ -8212,463 +9163,6 @@
 </p:sld>
 </file>
 
-<file path=ppt/slides/slide12.xml><?xml version="1.0" encoding="utf-8"?>
-<p:sld xmlns:a="http://schemas.openxmlformats.org/drawingml/2006/main" xmlns:r="http://schemas.openxmlformats.org/officeDocument/2006/relationships" xmlns:p="http://schemas.openxmlformats.org/presentationml/2006/main">
-  <p:cSld>
-    <p:spTree>
-      <p:nvGrpSpPr>
-        <p:cNvPr id="1" name=""/>
-        <p:cNvGrpSpPr/>
-        <p:nvPr/>
-      </p:nvGrpSpPr>
-      <p:grpSpPr>
-        <a:xfrm>
-          <a:off x="0" y="0"/>
-          <a:ext cx="0" cy="0"/>
-          <a:chOff x="0" y="0"/>
-          <a:chExt cx="0" cy="0"/>
-        </a:xfrm>
-      </p:grpSpPr>
-      <p:sp>
-        <p:nvSpPr>
-          <p:cNvPr id="2" name="Title 1">
-            <a:extLst>
-              <a:ext uri="{FF2B5EF4-FFF2-40B4-BE49-F238E27FC236}">
-                <a16:creationId xmlns:a16="http://schemas.microsoft.com/office/drawing/2014/main" id="{C5AB03D7-5086-44D8-8D21-11746CE119FC}"/>
-              </a:ext>
-            </a:extLst>
-          </p:cNvPr>
-          <p:cNvSpPr>
-            <a:spLocks noGrp="1"/>
-          </p:cNvSpPr>
-          <p:nvPr>
-            <p:ph type="title"/>
-          </p:nvPr>
-        </p:nvSpPr>
-        <p:spPr/>
-        <p:txBody>
-          <a:bodyPr/>
-          <a:lstStyle/>
-          <a:p>
-            <a:pPr algn="ctr"/>
-            <a:r>
-              <a:rPr lang="en-US" altLang="zh-CN" b="1" dirty="0"/>
-              <a:t>Primary</a:t>
-            </a:r>
-            <a:r>
-              <a:rPr lang="zh-CN" altLang="en-US" b="1" dirty="0"/>
-              <a:t> </a:t>
-            </a:r>
-            <a:r>
-              <a:rPr lang="en-US" altLang="zh-CN" b="1" dirty="0"/>
-              <a:t>and Foreign Keys</a:t>
-            </a:r>
-            <a:br>
-              <a:rPr lang="en-US" altLang="zh-CN" dirty="0"/>
-            </a:br>
-            <a:endParaRPr lang="en-US" dirty="0"/>
-          </a:p>
-        </p:txBody>
-      </p:sp>
-      <p:pic>
-        <p:nvPicPr>
-          <p:cNvPr id="1028" name="Picture 4" descr="Diagram displaying the primary key and foreign key of tables.">
-            <a:extLst>
-              <a:ext uri="{FF2B5EF4-FFF2-40B4-BE49-F238E27FC236}">
-                <a16:creationId xmlns:a16="http://schemas.microsoft.com/office/drawing/2014/main" id="{7C844068-6426-4E09-8DB4-E5EE5837606A}"/>
-              </a:ext>
-            </a:extLst>
-          </p:cNvPr>
-          <p:cNvPicPr>
-            <a:picLocks noChangeAspect="1" noChangeArrowheads="1"/>
-          </p:cNvPicPr>
-          <p:nvPr/>
-        </p:nvPicPr>
-        <p:blipFill>
-          <a:blip r:embed="rId2">
-            <a:extLst>
-              <a:ext uri="{28A0092B-C50C-407E-A947-70E740481C1C}">
-                <a14:useLocalDpi xmlns:a14="http://schemas.microsoft.com/office/drawing/2010/main" val="0"/>
-              </a:ext>
-            </a:extLst>
-          </a:blip>
-          <a:srcRect/>
-          <a:stretch>
-            <a:fillRect/>
-          </a:stretch>
-        </p:blipFill>
-        <p:spPr bwMode="auto">
-          <a:xfrm>
-            <a:off x="3404026" y="1965551"/>
-            <a:ext cx="5847550" cy="4892449"/>
-          </a:xfrm>
-          <a:prstGeom prst="rect">
-            <a:avLst/>
-          </a:prstGeom>
-          <a:noFill/>
-          <a:extLst>
-            <a:ext uri="{909E8E84-426E-40DD-AFC4-6F175D3DCCD1}">
-              <a14:hiddenFill xmlns:a14="http://schemas.microsoft.com/office/drawing/2010/main">
-                <a:solidFill>
-                  <a:srgbClr val="FFFFFF"/>
-                </a:solidFill>
-              </a14:hiddenFill>
-            </a:ext>
-          </a:extLst>
-        </p:spPr>
-      </p:pic>
-      <p:sp>
-        <p:nvSpPr>
-          <p:cNvPr id="7" name="TextBox 6">
-            <a:extLst>
-              <a:ext uri="{FF2B5EF4-FFF2-40B4-BE49-F238E27FC236}">
-                <a16:creationId xmlns:a16="http://schemas.microsoft.com/office/drawing/2014/main" id="{F20639B2-0673-4716-B7F7-422B29201830}"/>
-              </a:ext>
-            </a:extLst>
-          </p:cNvPr>
-          <p:cNvSpPr txBox="1"/>
-          <p:nvPr/>
-        </p:nvSpPr>
-        <p:spPr>
-          <a:xfrm>
-            <a:off x="9412942" y="3108856"/>
-            <a:ext cx="2635624" cy="2308324"/>
-          </a:xfrm>
-          <a:prstGeom prst="rect">
-            <a:avLst/>
-          </a:prstGeom>
-          <a:noFill/>
-        </p:spPr>
-        <p:txBody>
-          <a:bodyPr wrap="square">
-            <a:spAutoFit/>
-          </a:bodyPr>
-          <a:lstStyle/>
-          <a:p>
-            <a:r>
-              <a:rPr lang="en-US" sz="2400" b="0" i="0" dirty="0">
-                <a:solidFill>
-                  <a:srgbClr val="292929"/>
-                </a:solidFill>
-                <a:effectLst/>
-                <a:latin typeface="charter"/>
-              </a:rPr>
-              <a:t>A </a:t>
-            </a:r>
-            <a:r>
-              <a:rPr lang="en-US" sz="2400" b="1" i="0" dirty="0">
-                <a:solidFill>
-                  <a:srgbClr val="292929"/>
-                </a:solidFill>
-                <a:effectLst/>
-                <a:latin typeface="charter"/>
-              </a:rPr>
-              <a:t>foreign key</a:t>
-            </a:r>
-            <a:r>
-              <a:rPr lang="en-US" sz="2400" b="0" i="0" dirty="0">
-                <a:solidFill>
-                  <a:srgbClr val="292929"/>
-                </a:solidFill>
-                <a:effectLst/>
-                <a:latin typeface="charter"/>
-              </a:rPr>
-              <a:t> is a field in a relational table that matches the primary key column of another table.</a:t>
-            </a:r>
-            <a:endParaRPr lang="en-US" sz="2400" dirty="0"/>
-          </a:p>
-        </p:txBody>
-      </p:sp>
-      <p:sp>
-        <p:nvSpPr>
-          <p:cNvPr id="9" name="TextBox 8">
-            <a:extLst>
-              <a:ext uri="{FF2B5EF4-FFF2-40B4-BE49-F238E27FC236}">
-                <a16:creationId xmlns:a16="http://schemas.microsoft.com/office/drawing/2014/main" id="{24D78EFB-253A-4FE9-9876-C1E9069DD244}"/>
-              </a:ext>
-            </a:extLst>
-          </p:cNvPr>
-          <p:cNvSpPr txBox="1"/>
-          <p:nvPr/>
-        </p:nvSpPr>
-        <p:spPr>
-          <a:xfrm>
-            <a:off x="379719" y="2370192"/>
-            <a:ext cx="2560705" cy="3785652"/>
-          </a:xfrm>
-          <a:prstGeom prst="rect">
-            <a:avLst/>
-          </a:prstGeom>
-          <a:noFill/>
-        </p:spPr>
-        <p:txBody>
-          <a:bodyPr wrap="square">
-            <a:spAutoFit/>
-          </a:bodyPr>
-          <a:lstStyle/>
-          <a:p>
-            <a:r>
-              <a:rPr lang="en-US" sz="2400" dirty="0"/>
-              <a:t>The </a:t>
-            </a:r>
-            <a:r>
-              <a:rPr lang="en-US" sz="2400" b="1" dirty="0"/>
-              <a:t>primary key </a:t>
-            </a:r>
-            <a:r>
-              <a:rPr lang="en-US" sz="2400" dirty="0"/>
-              <a:t>of a relational table uniquely identifies each record in the table. It is a column, or set of columns, that allows each row in the table to be uniquely identified. </a:t>
-            </a:r>
-          </a:p>
-        </p:txBody>
-      </p:sp>
-    </p:spTree>
-    <p:extLst>
-      <p:ext uri="{BB962C8B-B14F-4D97-AF65-F5344CB8AC3E}">
-        <p14:creationId xmlns:p14="http://schemas.microsoft.com/office/powerpoint/2010/main" val="1273741283"/>
-      </p:ext>
-    </p:extLst>
-  </p:cSld>
-  <p:clrMapOvr>
-    <a:masterClrMapping/>
-  </p:clrMapOvr>
-</p:sld>
-</file>
-
-<file path=ppt/slides/slide13.xml><?xml version="1.0" encoding="utf-8"?>
-<p:sld xmlns:a="http://schemas.openxmlformats.org/drawingml/2006/main" xmlns:r="http://schemas.openxmlformats.org/officeDocument/2006/relationships" xmlns:p="http://schemas.openxmlformats.org/presentationml/2006/main">
-  <p:cSld>
-    <p:spTree>
-      <p:nvGrpSpPr>
-        <p:cNvPr id="1" name=""/>
-        <p:cNvGrpSpPr/>
-        <p:nvPr/>
-      </p:nvGrpSpPr>
-      <p:grpSpPr>
-        <a:xfrm>
-          <a:off x="0" y="0"/>
-          <a:ext cx="0" cy="0"/>
-          <a:chOff x="0" y="0"/>
-          <a:chExt cx="0" cy="0"/>
-        </a:xfrm>
-      </p:grpSpPr>
-      <p:sp>
-        <p:nvSpPr>
-          <p:cNvPr id="2" name="Title 1">
-            <a:extLst>
-              <a:ext uri="{FF2B5EF4-FFF2-40B4-BE49-F238E27FC236}">
-                <a16:creationId xmlns:a16="http://schemas.microsoft.com/office/drawing/2014/main" id="{FB2C8E75-4863-4EA6-A258-70A8E1578298}"/>
-              </a:ext>
-            </a:extLst>
-          </p:cNvPr>
-          <p:cNvSpPr>
-            <a:spLocks noGrp="1"/>
-          </p:cNvSpPr>
-          <p:nvPr>
-            <p:ph type="title"/>
-          </p:nvPr>
-        </p:nvSpPr>
-        <p:spPr/>
-        <p:txBody>
-          <a:bodyPr/>
-          <a:lstStyle/>
-          <a:p>
-            <a:pPr algn="ctr"/>
-            <a:r>
-              <a:rPr kumimoji="0" lang="en-US" altLang="zh-TW" sz="2800" b="1" dirty="0">
-                <a:solidFill>
-                  <a:srgbClr val="FFC000"/>
-                </a:solidFill>
-              </a:rPr>
-              <a:t>Join</a:t>
-            </a:r>
-            <a:r>
-              <a:rPr kumimoji="0" lang="en-US" altLang="zh-TW" sz="2800" b="1" dirty="0"/>
-              <a:t> operation</a:t>
-            </a:r>
-            <a:br>
-              <a:rPr kumimoji="0" lang="en-US" altLang="zh-TW" sz="2800" b="1" dirty="0">
-                <a:latin typeface="Times New Roman" panose="02020603050405020304" pitchFamily="18" charset="0"/>
-              </a:rPr>
-            </a:br>
-            <a:endParaRPr lang="en-US" dirty="0"/>
-          </a:p>
-        </p:txBody>
-      </p:sp>
-      <p:pic>
-        <p:nvPicPr>
-          <p:cNvPr id="8" name="Picture 10">
-            <a:extLst>
-              <a:ext uri="{FF2B5EF4-FFF2-40B4-BE49-F238E27FC236}">
-                <a16:creationId xmlns:a16="http://schemas.microsoft.com/office/drawing/2014/main" id="{B2F50A64-B0FC-44B3-8EB8-F155FA00D756}"/>
-              </a:ext>
-            </a:extLst>
-          </p:cNvPr>
-          <p:cNvPicPr>
-            <a:picLocks noChangeAspect="1" noChangeArrowheads="1"/>
-          </p:cNvPicPr>
-          <p:nvPr/>
-        </p:nvPicPr>
-        <p:blipFill>
-          <a:blip r:embed="rId2">
-            <a:extLst>
-              <a:ext uri="{28A0092B-C50C-407E-A947-70E740481C1C}">
-                <a14:useLocalDpi xmlns:a14="http://schemas.microsoft.com/office/drawing/2010/main" val="0"/>
-              </a:ext>
-            </a:extLst>
-          </a:blip>
-          <a:srcRect/>
-          <a:stretch>
-            <a:fillRect/>
-          </a:stretch>
-        </p:blipFill>
-        <p:spPr bwMode="auto">
-          <a:xfrm>
-            <a:off x="1681474" y="2479378"/>
-            <a:ext cx="8399979" cy="4080943"/>
-          </a:xfrm>
-          <a:prstGeom prst="rect">
-            <a:avLst/>
-          </a:prstGeom>
-          <a:noFill/>
-          <a:ln>
-            <a:noFill/>
-          </a:ln>
-          <a:effectLst/>
-          <a:extLst>
-            <a:ext uri="{909E8E84-426E-40DD-AFC4-6F175D3DCCD1}">
-              <a14:hiddenFill xmlns:a14="http://schemas.microsoft.com/office/drawing/2010/main">
-                <a:solidFill>
-                  <a:schemeClr val="accent1"/>
-                </a:solidFill>
-              </a14:hiddenFill>
-            </a:ext>
-            <a:ext uri="{91240B29-F687-4F45-9708-019B960494DF}">
-              <a14:hiddenLine xmlns:a14="http://schemas.microsoft.com/office/drawing/2010/main" w="9525">
-                <a:solidFill>
-                  <a:schemeClr val="tx1"/>
-                </a:solidFill>
-                <a:miter lim="800000"/>
-                <a:headEnd/>
-                <a:tailEnd/>
-              </a14:hiddenLine>
-            </a:ext>
-            <a:ext uri="{AF507438-7753-43E0-B8FC-AC1667EBCBE1}">
-              <a14:hiddenEffects xmlns:a14="http://schemas.microsoft.com/office/drawing/2010/main">
-                <a:effectLst>
-                  <a:outerShdw dist="35921" dir="2700000" algn="ctr" rotWithShape="0">
-                    <a:schemeClr val="bg2"/>
-                  </a:outerShdw>
-                </a:effectLst>
-              </a14:hiddenEffects>
-            </a:ext>
-          </a:extLst>
-        </p:spPr>
-      </p:pic>
-      <p:sp>
-        <p:nvSpPr>
-          <p:cNvPr id="11" name="TextBox 10">
-            <a:extLst>
-              <a:ext uri="{FF2B5EF4-FFF2-40B4-BE49-F238E27FC236}">
-                <a16:creationId xmlns:a16="http://schemas.microsoft.com/office/drawing/2014/main" id="{1433EA0B-8080-4814-85F4-8FED4C3BF605}"/>
-              </a:ext>
-            </a:extLst>
-          </p:cNvPr>
-          <p:cNvSpPr txBox="1"/>
-          <p:nvPr/>
-        </p:nvSpPr>
-        <p:spPr>
-          <a:xfrm>
-            <a:off x="4976925" y="2161042"/>
-            <a:ext cx="6096000" cy="1477328"/>
-          </a:xfrm>
-          <a:prstGeom prst="rect">
-            <a:avLst/>
-          </a:prstGeom>
-          <a:noFill/>
-        </p:spPr>
-        <p:txBody>
-          <a:bodyPr wrap="square">
-            <a:spAutoFit/>
-          </a:bodyPr>
-          <a:lstStyle/>
-          <a:p>
-            <a:pPr marL="457200" indent="-457200">
-              <a:lnSpc>
-                <a:spcPct val="90000"/>
-              </a:lnSpc>
-              <a:buFont typeface="Wingdings" panose="05000000000000000000" pitchFamily="2" charset="2"/>
-              <a:buChar char="q"/>
-            </a:pPr>
-            <a:r>
-              <a:rPr lang="en-US" altLang="zh-TW" sz="2400" dirty="0"/>
-              <a:t>A </a:t>
-            </a:r>
-            <a:r>
-              <a:rPr lang="en-US" altLang="zh-TW" sz="2400" dirty="0">
-                <a:solidFill>
-                  <a:srgbClr val="006600"/>
-                </a:solidFill>
-              </a:rPr>
-              <a:t>binary</a:t>
-            </a:r>
-            <a:r>
-              <a:rPr lang="en-US" altLang="zh-TW" sz="2400" dirty="0"/>
-              <a:t> operation.</a:t>
-            </a:r>
-          </a:p>
-          <a:p>
-            <a:pPr>
-              <a:lnSpc>
-                <a:spcPct val="90000"/>
-              </a:lnSpc>
-            </a:pPr>
-            <a:endParaRPr lang="en-US" altLang="zh-TW" sz="2400" dirty="0"/>
-          </a:p>
-          <a:p>
-            <a:pPr marL="457200" indent="-457200">
-              <a:lnSpc>
-                <a:spcPct val="90000"/>
-              </a:lnSpc>
-              <a:buFont typeface="Wingdings" panose="05000000000000000000" pitchFamily="2" charset="2"/>
-              <a:buChar char="q"/>
-            </a:pPr>
-            <a:r>
-              <a:rPr lang="en-US" altLang="zh-TW" sz="2400" u="sng" dirty="0"/>
-              <a:t>Combines two relations</a:t>
-            </a:r>
-            <a:r>
-              <a:rPr lang="en-US" altLang="zh-TW" sz="2400" dirty="0"/>
-              <a:t> based on </a:t>
-            </a:r>
-            <a:r>
-              <a:rPr lang="en-US" altLang="zh-TW" sz="2400" u="sng" dirty="0">
-                <a:solidFill>
-                  <a:srgbClr val="006600"/>
-                </a:solidFill>
-              </a:rPr>
-              <a:t>common attributes</a:t>
-            </a:r>
-            <a:r>
-              <a:rPr lang="en-US" altLang="zh-TW" sz="2400" dirty="0"/>
-              <a:t>.</a:t>
-            </a:r>
-          </a:p>
-        </p:txBody>
-      </p:sp>
-    </p:spTree>
-    <p:extLst>
-      <p:ext uri="{BB962C8B-B14F-4D97-AF65-F5344CB8AC3E}">
-        <p14:creationId xmlns:p14="http://schemas.microsoft.com/office/powerpoint/2010/main" val="3628078865"/>
-      </p:ext>
-    </p:extLst>
-  </p:cSld>
-  <p:clrMapOvr>
-    <a:masterClrMapping/>
-  </p:clrMapOvr>
-</p:sld>
-</file>
-
 <file path=ppt/slides/slide14.xml><?xml version="1.0" encoding="utf-8"?>
 <p:sld xmlns:a="http://schemas.openxmlformats.org/drawingml/2006/main" xmlns:r="http://schemas.openxmlformats.org/officeDocument/2006/relationships" xmlns:p="http://schemas.openxmlformats.org/presentationml/2006/main">
   <p:cSld>
@@ -8691,7 +9185,7 @@
           <p:cNvPr id="2" name="Title 1">
             <a:extLst>
               <a:ext uri="{FF2B5EF4-FFF2-40B4-BE49-F238E27FC236}">
-                <a16:creationId xmlns:a16="http://schemas.microsoft.com/office/drawing/2014/main" id="{577ADF34-0484-4EAE-A352-C3CEB05D4488}"/>
+                <a16:creationId xmlns:a16="http://schemas.microsoft.com/office/drawing/2014/main" id="{C5AB03D7-5086-44D8-8D21-11746CE119FC}"/>
               </a:ext>
             </a:extLst>
           </p:cNvPr>
@@ -8709,21 +9203,19 @@
           <a:p>
             <a:pPr algn="ctr"/>
             <a:r>
-              <a:rPr kumimoji="0" lang="en-US" altLang="zh-TW" sz="2800" b="1" dirty="0">
-                <a:solidFill>
-                  <a:srgbClr val="FFC000"/>
-                </a:solidFill>
-              </a:rPr>
-              <a:t>Union</a:t>
-            </a:r>
-            <a:r>
-              <a:rPr kumimoji="0" lang="en-US" altLang="zh-TW" sz="2800" b="1" dirty="0"/>
-              <a:t> operation</a:t>
+              <a:rPr lang="en-US" altLang="zh-CN" b="1" dirty="0"/>
+              <a:t>Primary</a:t>
+            </a:r>
+            <a:r>
+              <a:rPr lang="zh-CN" altLang="en-US" b="1" dirty="0"/>
+              <a:t> </a:t>
+            </a:r>
+            <a:r>
+              <a:rPr lang="en-US" altLang="zh-CN" b="1" dirty="0"/>
+              <a:t>and Foreign Keys</a:t>
             </a:r>
             <a:br>
-              <a:rPr kumimoji="0" lang="en-US" altLang="zh-TW" sz="2800" b="1" dirty="0">
-                <a:latin typeface="Times New Roman" panose="02020603050405020304" pitchFamily="18" charset="0"/>
-              </a:rPr>
+              <a:rPr lang="en-US" altLang="zh-CN" dirty="0"/>
             </a:br>
             <a:endParaRPr lang="en-US" dirty="0"/>
           </a:p>
@@ -8731,10 +9223,10 @@
       </p:sp>
       <p:pic>
         <p:nvPicPr>
-          <p:cNvPr id="4" name="Picture 11">
+          <p:cNvPr id="1028" name="Picture 4" descr="Diagram displaying the primary key and foreign key of tables.">
             <a:extLst>
               <a:ext uri="{FF2B5EF4-FFF2-40B4-BE49-F238E27FC236}">
-                <a16:creationId xmlns:a16="http://schemas.microsoft.com/office/drawing/2014/main" id="{B19AB89F-B074-4D49-ADCB-4F0EDDD52D92}"/>
+                <a16:creationId xmlns:a16="http://schemas.microsoft.com/office/drawing/2014/main" id="{7C844068-6426-4E09-8DB4-E5EE5837606A}"/>
               </a:ext>
             </a:extLst>
           </p:cNvPr>
@@ -8758,53 +9250,30 @@
         </p:blipFill>
         <p:spPr bwMode="auto">
           <a:xfrm>
-            <a:off x="1090339" y="2915698"/>
-            <a:ext cx="8702675" cy="3608388"/>
+            <a:off x="3514862" y="2219926"/>
+            <a:ext cx="4686259" cy="3920836"/>
           </a:xfrm>
           <a:prstGeom prst="rect">
             <a:avLst/>
           </a:prstGeom>
           <a:noFill/>
-          <a:ln>
-            <a:noFill/>
-          </a:ln>
-          <a:effectLst/>
           <a:extLst>
             <a:ext uri="{909E8E84-426E-40DD-AFC4-6F175D3DCCD1}">
               <a14:hiddenFill xmlns:a14="http://schemas.microsoft.com/office/drawing/2010/main">
                 <a:solidFill>
-                  <a:schemeClr val="accent1"/>
+                  <a:srgbClr val="FFFFFF"/>
                 </a:solidFill>
               </a14:hiddenFill>
-            </a:ext>
-            <a:ext uri="{91240B29-F687-4F45-9708-019B960494DF}">
-              <a14:hiddenLine xmlns:a14="http://schemas.microsoft.com/office/drawing/2010/main" w="9525">
-                <a:solidFill>
-                  <a:schemeClr val="tx1"/>
-                </a:solidFill>
-                <a:miter lim="800000"/>
-                <a:headEnd/>
-                <a:tailEnd/>
-              </a14:hiddenLine>
-            </a:ext>
-            <a:ext uri="{AF507438-7753-43E0-B8FC-AC1667EBCBE1}">
-              <a14:hiddenEffects xmlns:a14="http://schemas.microsoft.com/office/drawing/2010/main">
-                <a:effectLst>
-                  <a:outerShdw dist="35921" dir="2700000" algn="ctr" rotWithShape="0">
-                    <a:schemeClr val="bg2"/>
-                  </a:outerShdw>
-                </a:effectLst>
-              </a14:hiddenEffects>
             </a:ext>
           </a:extLst>
         </p:spPr>
       </p:pic>
       <p:sp>
         <p:nvSpPr>
-          <p:cNvPr id="6" name="TextBox 5">
+          <p:cNvPr id="7" name="TextBox 6">
             <a:extLst>
               <a:ext uri="{FF2B5EF4-FFF2-40B4-BE49-F238E27FC236}">
-                <a16:creationId xmlns:a16="http://schemas.microsoft.com/office/drawing/2014/main" id="{1A2B55FD-F30F-4A51-95D1-0EC8E81BAA87}"/>
+                <a16:creationId xmlns:a16="http://schemas.microsoft.com/office/drawing/2014/main" id="{F20639B2-0673-4716-B7F7-422B29201830}"/>
               </a:ext>
             </a:extLst>
           </p:cNvPr>
@@ -8813,8 +9282,8 @@
         </p:nvSpPr>
         <p:spPr>
           <a:xfrm>
-            <a:off x="4697845" y="1987696"/>
-            <a:ext cx="6800537" cy="1975926"/>
+            <a:off x="8807032" y="3026182"/>
+            <a:ext cx="2635624" cy="2308324"/>
           </a:xfrm>
           <a:prstGeom prst="rect">
             <a:avLst/>
@@ -8827,122 +9296,102 @@
           </a:bodyPr>
           <a:lstStyle/>
           <a:p>
-            <a:pPr marL="342900" indent="-342900">
-              <a:lnSpc>
-                <a:spcPct val="90000"/>
-              </a:lnSpc>
-              <a:buFont typeface="Wingdings" panose="05000000000000000000" pitchFamily="2" charset="2"/>
-              <a:buChar char="q"/>
-            </a:pPr>
-            <a:r>
-              <a:rPr lang="en-US" altLang="zh-TW" sz="2400" dirty="0"/>
-              <a:t>A </a:t>
-            </a:r>
-            <a:r>
-              <a:rPr lang="en-US" altLang="zh-TW" sz="2400" dirty="0">
-                <a:solidFill>
-                  <a:srgbClr val="006600"/>
-                </a:solidFill>
+            <a:r>
+              <a:rPr lang="en-US" sz="2400" b="0" i="0" dirty="0">
+                <a:solidFill>
+                  <a:srgbClr val="292929"/>
+                </a:solidFill>
+                <a:effectLst/>
+                <a:latin typeface="charter"/>
               </a:rPr>
-              <a:t>binary</a:t>
-            </a:r>
-            <a:r>
-              <a:rPr lang="en-US" altLang="zh-TW" sz="2400" dirty="0"/>
-              <a:t> operation.</a:t>
-            </a:r>
-          </a:p>
-          <a:p>
-            <a:pPr>
-              <a:lnSpc>
-                <a:spcPct val="90000"/>
-              </a:lnSpc>
-            </a:pPr>
-            <a:endParaRPr lang="en-US" altLang="zh-TW" sz="2000" dirty="0"/>
-          </a:p>
-          <a:p>
-            <a:pPr marL="342900" indent="-342900">
-              <a:lnSpc>
-                <a:spcPct val="90000"/>
-              </a:lnSpc>
-              <a:buFont typeface="Wingdings" panose="05000000000000000000" pitchFamily="2" charset="2"/>
-              <a:buChar char="q"/>
-            </a:pPr>
-            <a:r>
-              <a:rPr lang="en-US" altLang="zh-TW" sz="2400" u="sng" dirty="0"/>
-              <a:t>Creates a new relation</a:t>
-            </a:r>
-            <a:r>
-              <a:rPr lang="en-US" altLang="zh-TW" sz="2400" dirty="0"/>
-              <a:t> in which each tuple is either </a:t>
-            </a:r>
-            <a:r>
-              <a:rPr lang="en-US" altLang="zh-TW" sz="2400" u="sng" dirty="0"/>
-              <a:t>in the first relation</a:t>
-            </a:r>
-            <a:r>
-              <a:rPr lang="en-US" altLang="zh-TW" sz="2400" dirty="0"/>
-              <a:t>, </a:t>
-            </a:r>
-            <a:r>
-              <a:rPr lang="en-US" altLang="zh-TW" sz="2400" u="sng" dirty="0"/>
-              <a:t>in the second</a:t>
-            </a:r>
-            <a:r>
-              <a:rPr lang="en-US" altLang="zh-TW" sz="2400" dirty="0"/>
-              <a:t>, or </a:t>
-            </a:r>
-            <a:r>
-              <a:rPr lang="en-US" altLang="zh-TW" sz="2400" u="sng" dirty="0"/>
-              <a:t>in both</a:t>
-            </a:r>
-            <a:r>
-              <a:rPr lang="en-US" altLang="zh-TW" sz="2400" dirty="0"/>
-              <a:t>.</a:t>
-            </a:r>
-          </a:p>
-          <a:p>
-            <a:pPr>
-              <a:lnSpc>
-                <a:spcPct val="90000"/>
-              </a:lnSpc>
-            </a:pPr>
-            <a:endParaRPr lang="en-US" altLang="zh-TW" sz="2000" dirty="0"/>
-          </a:p>
-          <a:p>
-            <a:pPr marL="342900" indent="-342900">
-              <a:lnSpc>
-                <a:spcPct val="90000"/>
-              </a:lnSpc>
-              <a:buFont typeface="Wingdings" panose="05000000000000000000" pitchFamily="2" charset="2"/>
-              <a:buChar char="q"/>
-            </a:pPr>
-            <a:r>
-              <a:rPr lang="en-US" altLang="zh-TW" sz="2400" dirty="0"/>
-              <a:t>The two relations must have the </a:t>
-            </a:r>
-            <a:r>
-              <a:rPr lang="en-US" altLang="zh-TW" sz="2400" u="sng" dirty="0"/>
-              <a:t>same </a:t>
-            </a:r>
-            <a:r>
-              <a:rPr lang="en-US" altLang="zh-TW" sz="2400" u="sng" dirty="0">
-                <a:solidFill>
-                  <a:srgbClr val="006600"/>
-                </a:solidFill>
+              <a:t>A </a:t>
+            </a:r>
+            <a:r>
+              <a:rPr lang="en-US" sz="2400" b="1" i="0" dirty="0">
+                <a:solidFill>
+                  <a:srgbClr val="292929"/>
+                </a:solidFill>
+                <a:effectLst/>
+                <a:latin typeface="charter"/>
               </a:rPr>
-              <a:t>attributes</a:t>
-            </a:r>
-            <a:r>
-              <a:rPr lang="en-US" altLang="zh-TW" sz="2400" dirty="0"/>
-              <a:t>.</a:t>
-            </a:r>
+              <a:t>foreign key</a:t>
+            </a:r>
+            <a:r>
+              <a:rPr lang="en-US" sz="2400" b="0" i="0" dirty="0">
+                <a:solidFill>
+                  <a:srgbClr val="292929"/>
+                </a:solidFill>
+                <a:effectLst/>
+                <a:latin typeface="charter"/>
+              </a:rPr>
+              <a:t> is a field in a relational table that matches the primary key column of another table.</a:t>
+            </a:r>
+            <a:endParaRPr lang="en-US" sz="2400" dirty="0"/>
+          </a:p>
+        </p:txBody>
+      </p:sp>
+      <p:sp>
+        <p:nvSpPr>
+          <p:cNvPr id="9" name="TextBox 8">
+            <a:extLst>
+              <a:ext uri="{FF2B5EF4-FFF2-40B4-BE49-F238E27FC236}">
+                <a16:creationId xmlns:a16="http://schemas.microsoft.com/office/drawing/2014/main" id="{24D78EFB-253A-4FE9-9876-C1E9069DD244}"/>
+              </a:ext>
+            </a:extLst>
+          </p:cNvPr>
+          <p:cNvSpPr txBox="1"/>
+          <p:nvPr/>
+        </p:nvSpPr>
+        <p:spPr>
+          <a:xfrm>
+            <a:off x="348246" y="3026182"/>
+            <a:ext cx="2560705" cy="2677656"/>
+          </a:xfrm>
+          <a:prstGeom prst="rect">
+            <a:avLst/>
+          </a:prstGeom>
+          <a:noFill/>
+        </p:spPr>
+        <p:txBody>
+          <a:bodyPr wrap="square">
+            <a:spAutoFit/>
+          </a:bodyPr>
+          <a:lstStyle/>
+          <a:p>
+            <a:r>
+              <a:rPr lang="en-US" sz="2400" dirty="0"/>
+              <a:t>The </a:t>
+            </a:r>
+            <a:r>
+              <a:rPr lang="en-US" sz="2400" b="1" dirty="0"/>
+              <a:t>primary key </a:t>
+            </a:r>
+            <a:r>
+              <a:rPr lang="en-US" sz="2400" dirty="0"/>
+              <a:t>uniquely identifies each record in the table. It is a column, or </a:t>
+            </a:r>
+            <a:r>
+              <a:rPr lang="en-US" sz="2400" dirty="0">
+                <a:solidFill>
+                  <a:srgbClr val="B02A37"/>
+                </a:solidFill>
+              </a:rPr>
+              <a:t>set of columns,</a:t>
+            </a:r>
+            <a:r>
+              <a:rPr lang="en-US" sz="2400" dirty="0"/>
+              <a:t> </a:t>
+            </a:r>
+          </a:p>
+          <a:p>
+            <a:endParaRPr lang="en-US" sz="2400" dirty="0"/>
           </a:p>
         </p:txBody>
       </p:sp>
     </p:spTree>
     <p:extLst>
       <p:ext uri="{BB962C8B-B14F-4D97-AF65-F5344CB8AC3E}">
-        <p14:creationId xmlns:p14="http://schemas.microsoft.com/office/powerpoint/2010/main" val="2950460556"/>
+        <p14:creationId xmlns:p14="http://schemas.microsoft.com/office/powerpoint/2010/main" val="1273741283"/>
       </p:ext>
     </p:extLst>
   </p:cSld>
@@ -8974,7 +9423,7 @@
           <p:cNvPr id="2" name="Title 1">
             <a:extLst>
               <a:ext uri="{FF2B5EF4-FFF2-40B4-BE49-F238E27FC236}">
-                <a16:creationId xmlns:a16="http://schemas.microsoft.com/office/drawing/2014/main" id="{6DC7D709-B9CC-4DF8-9C34-2EFC2F252C90}"/>
+                <a16:creationId xmlns:a16="http://schemas.microsoft.com/office/drawing/2014/main" id="{FB2C8E75-4863-4EA6-A258-70A8E1578298}"/>
               </a:ext>
             </a:extLst>
           </p:cNvPr>
@@ -8997,7 +9446,7 @@
                   <a:srgbClr val="FFC000"/>
                 </a:solidFill>
               </a:rPr>
-              <a:t>Intersection</a:t>
+              <a:t>Join</a:t>
             </a:r>
             <a:r>
               <a:rPr kumimoji="0" lang="en-US" altLang="zh-TW" sz="2800" b="1" dirty="0"/>
@@ -9014,10 +9463,10 @@
       </p:sp>
       <p:pic>
         <p:nvPicPr>
-          <p:cNvPr id="4" name="Picture 6">
+          <p:cNvPr id="8" name="Picture 10">
             <a:extLst>
               <a:ext uri="{FF2B5EF4-FFF2-40B4-BE49-F238E27FC236}">
-                <a16:creationId xmlns:a16="http://schemas.microsoft.com/office/drawing/2014/main" id="{6F9CE6C8-9DB4-4273-AA2C-A7672181786E}"/>
+                <a16:creationId xmlns:a16="http://schemas.microsoft.com/office/drawing/2014/main" id="{B2F50A64-B0FC-44B3-8EB8-F155FA00D756}"/>
               </a:ext>
             </a:extLst>
           </p:cNvPr>
@@ -9041,8 +9490,8 @@
         </p:blipFill>
         <p:spPr bwMode="auto">
           <a:xfrm>
-            <a:off x="509801" y="3103746"/>
-            <a:ext cx="8702675" cy="3608388"/>
+            <a:off x="1681474" y="2479378"/>
+            <a:ext cx="8399979" cy="4080943"/>
           </a:xfrm>
           <a:prstGeom prst="rect">
             <a:avLst/>
@@ -9084,10 +9533,10 @@
       </p:pic>
       <p:sp>
         <p:nvSpPr>
-          <p:cNvPr id="6" name="TextBox 5">
+          <p:cNvPr id="11" name="TextBox 10">
             <a:extLst>
               <a:ext uri="{FF2B5EF4-FFF2-40B4-BE49-F238E27FC236}">
-                <a16:creationId xmlns:a16="http://schemas.microsoft.com/office/drawing/2014/main" id="{6A565E8F-032D-426B-846F-CBA660304836}"/>
+                <a16:creationId xmlns:a16="http://schemas.microsoft.com/office/drawing/2014/main" id="{1433EA0B-8080-4814-85F4-8FED4C3BF605}"/>
               </a:ext>
             </a:extLst>
           </p:cNvPr>
@@ -9096,8 +9545,8 @@
         </p:nvSpPr>
         <p:spPr>
           <a:xfrm>
-            <a:off x="3963274" y="2194595"/>
-            <a:ext cx="7647534" cy="2197525"/>
+            <a:off x="4976925" y="2161042"/>
+            <a:ext cx="6096000" cy="1477328"/>
           </a:xfrm>
           <a:prstGeom prst="rect">
             <a:avLst/>
@@ -9118,11 +9567,11 @@
               <a:buChar char="q"/>
             </a:pPr>
             <a:r>
-              <a:rPr lang="en-US" altLang="zh-TW" sz="2800" dirty="0"/>
+              <a:rPr lang="en-US" altLang="zh-TW" sz="2400" dirty="0"/>
               <a:t>A </a:t>
             </a:r>
             <a:r>
-              <a:rPr lang="en-US" altLang="zh-TW" sz="2800" dirty="0">
+              <a:rPr lang="en-US" altLang="zh-TW" sz="2400" dirty="0">
                 <a:solidFill>
                   <a:srgbClr val="006600"/>
                 </a:solidFill>
@@ -9130,7 +9579,7 @@
               <a:t>binary</a:t>
             </a:r>
             <a:r>
-              <a:rPr lang="en-US" altLang="zh-TW" sz="2800" dirty="0"/>
+              <a:rPr lang="en-US" altLang="zh-TW" sz="2400" dirty="0"/>
               <a:t> operation.</a:t>
             </a:r>
           </a:p>
@@ -9140,7 +9589,7 @@
                 <a:spcPct val="90000"/>
               </a:lnSpc>
             </a:pPr>
-            <a:endParaRPr lang="en-US" altLang="zh-TW" sz="2000" dirty="0"/>
+            <a:endParaRPr lang="en-US" altLang="zh-TW" sz="2400" dirty="0"/>
           </a:p>
           <a:p>
             <a:pPr marL="457200" indent="-457200">
@@ -9151,48 +9600,19 @@
               <a:buChar char="q"/>
             </a:pPr>
             <a:r>
-              <a:rPr lang="en-US" altLang="zh-TW" sz="2800" u="sng" dirty="0"/>
-              <a:t>Creates a new relation</a:t>
-            </a:r>
-            <a:r>
-              <a:rPr lang="en-US" altLang="zh-TW" sz="2800" dirty="0"/>
-              <a:t> in which each tuple is </a:t>
-            </a:r>
-            <a:r>
-              <a:rPr lang="en-US" altLang="zh-TW" sz="2800" u="sng" dirty="0"/>
-              <a:t>a member in both relations</a:t>
-            </a:r>
-            <a:r>
-              <a:rPr lang="en-US" altLang="zh-TW" sz="2800" dirty="0"/>
-              <a:t>.</a:t>
-            </a:r>
-          </a:p>
-          <a:p>
-            <a:pPr>
-              <a:lnSpc>
-                <a:spcPct val="90000"/>
-              </a:lnSpc>
-            </a:pPr>
-            <a:endParaRPr lang="en-US" altLang="zh-TW" sz="2000" dirty="0"/>
-          </a:p>
-          <a:p>
-            <a:pPr marL="457200" indent="-457200">
-              <a:lnSpc>
-                <a:spcPct val="90000"/>
-              </a:lnSpc>
-              <a:buFont typeface="Wingdings" panose="05000000000000000000" pitchFamily="2" charset="2"/>
-              <a:buChar char="q"/>
-            </a:pPr>
-            <a:r>
-              <a:rPr lang="en-US" altLang="zh-TW" sz="2800" dirty="0"/>
-              <a:t>The two relations must have the </a:t>
-            </a:r>
-            <a:r>
-              <a:rPr lang="en-US" altLang="zh-TW" sz="2800" u="sng" dirty="0"/>
-              <a:t>same attributes</a:t>
-            </a:r>
-            <a:r>
-              <a:rPr lang="en-US" altLang="zh-TW" sz="2800" dirty="0"/>
+              <a:rPr lang="en-US" altLang="zh-TW" sz="2400" dirty="0"/>
+              <a:t>Combines two relations based on </a:t>
+            </a:r>
+            <a:r>
+              <a:rPr lang="en-US" altLang="zh-TW" sz="2400" dirty="0">
+                <a:solidFill>
+                  <a:srgbClr val="006600"/>
+                </a:solidFill>
+              </a:rPr>
+              <a:t>common attributes</a:t>
+            </a:r>
+            <a:r>
+              <a:rPr lang="en-US" altLang="zh-TW" sz="2400" dirty="0"/>
               <a:t>.</a:t>
             </a:r>
           </a:p>
@@ -9201,7 +9621,7 @@
     </p:spTree>
     <p:extLst>
       <p:ext uri="{BB962C8B-B14F-4D97-AF65-F5344CB8AC3E}">
-        <p14:creationId xmlns:p14="http://schemas.microsoft.com/office/powerpoint/2010/main" val="3512377287"/>
+        <p14:creationId xmlns:p14="http://schemas.microsoft.com/office/powerpoint/2010/main" val="3628078865"/>
       </p:ext>
     </p:extLst>
   </p:cSld>
@@ -9233,7 +9653,7 @@
           <p:cNvPr id="2" name="Title 1">
             <a:extLst>
               <a:ext uri="{FF2B5EF4-FFF2-40B4-BE49-F238E27FC236}">
-                <a16:creationId xmlns:a16="http://schemas.microsoft.com/office/drawing/2014/main" id="{EDF38B62-4D77-44A4-AE7E-E42D6AC318FB}"/>
+                <a16:creationId xmlns:a16="http://schemas.microsoft.com/office/drawing/2014/main" id="{577ADF34-0484-4EAE-A352-C3CEB05D4488}"/>
               </a:ext>
             </a:extLst>
           </p:cNvPr>
@@ -9256,7 +9676,7 @@
                   <a:srgbClr val="FFC000"/>
                 </a:solidFill>
               </a:rPr>
-              <a:t>Difference</a:t>
+              <a:t>Union</a:t>
             </a:r>
             <a:r>
               <a:rPr kumimoji="0" lang="en-US" altLang="zh-TW" sz="2800" b="1" dirty="0"/>
@@ -9273,10 +9693,10 @@
       </p:sp>
       <p:pic>
         <p:nvPicPr>
-          <p:cNvPr id="4" name="Picture 6">
+          <p:cNvPr id="4" name="Picture 11">
             <a:extLst>
               <a:ext uri="{FF2B5EF4-FFF2-40B4-BE49-F238E27FC236}">
-                <a16:creationId xmlns:a16="http://schemas.microsoft.com/office/drawing/2014/main" id="{A52B3E4B-EE9A-4C1A-8A65-82C5D88AB7E2}"/>
+                <a16:creationId xmlns:a16="http://schemas.microsoft.com/office/drawing/2014/main" id="{B19AB89F-B074-4D49-ADCB-4F0EDDD52D92}"/>
               </a:ext>
             </a:extLst>
           </p:cNvPr>
@@ -9300,8 +9720,8 @@
         </p:blipFill>
         <p:spPr bwMode="auto">
           <a:xfrm>
-            <a:off x="748006" y="3248025"/>
-            <a:ext cx="8720137" cy="3609975"/>
+            <a:off x="1081102" y="3118898"/>
+            <a:ext cx="8702675" cy="3608388"/>
           </a:xfrm>
           <a:prstGeom prst="rect">
             <a:avLst/>
@@ -9346,7 +9766,7 @@
           <p:cNvPr id="6" name="TextBox 5">
             <a:extLst>
               <a:ext uri="{FF2B5EF4-FFF2-40B4-BE49-F238E27FC236}">
-                <a16:creationId xmlns:a16="http://schemas.microsoft.com/office/drawing/2014/main" id="{27FD5582-52AA-47ED-A599-409ECF989E65}"/>
+                <a16:creationId xmlns:a16="http://schemas.microsoft.com/office/drawing/2014/main" id="{1A2B55FD-F30F-4A51-95D1-0EC8E81BAA87}"/>
               </a:ext>
             </a:extLst>
           </p:cNvPr>
@@ -9355,8 +9775,8 @@
         </p:nvSpPr>
         <p:spPr>
           <a:xfrm>
-            <a:off x="4624099" y="1955363"/>
-            <a:ext cx="6986709" cy="2585323"/>
+            <a:off x="4697845" y="1987696"/>
+            <a:ext cx="6800537" cy="1975926"/>
           </a:xfrm>
           <a:prstGeom prst="rect">
             <a:avLst/>
@@ -9369,7 +9789,7 @@
           </a:bodyPr>
           <a:lstStyle/>
           <a:p>
-            <a:pPr marL="457200" indent="-457200">
+            <a:pPr marL="342900" indent="-342900">
               <a:lnSpc>
                 <a:spcPct val="90000"/>
               </a:lnSpc>
@@ -9377,11 +9797,11 @@
               <a:buChar char="q"/>
             </a:pPr>
             <a:r>
-              <a:rPr lang="en-US" altLang="zh-TW" sz="2800" dirty="0"/>
+              <a:rPr lang="en-US" altLang="zh-TW" sz="2400" dirty="0"/>
               <a:t>A </a:t>
             </a:r>
             <a:r>
-              <a:rPr lang="en-US" altLang="zh-TW" sz="2800" dirty="0">
+              <a:rPr lang="en-US" altLang="zh-TW" sz="2400" dirty="0">
                 <a:solidFill>
                   <a:srgbClr val="006600"/>
                 </a:solidFill>
@@ -9389,7 +9809,7 @@
               <a:t>binary</a:t>
             </a:r>
             <a:r>
-              <a:rPr lang="en-US" altLang="zh-TW" sz="2800" dirty="0"/>
+              <a:rPr lang="en-US" altLang="zh-TW" sz="2400" dirty="0"/>
               <a:t> operation.</a:t>
             </a:r>
           </a:p>
@@ -9402,7 +9822,7 @@
             <a:endParaRPr lang="en-US" altLang="zh-TW" sz="2000" dirty="0"/>
           </a:p>
           <a:p>
-            <a:pPr marL="457200" indent="-457200">
+            <a:pPr marL="342900" indent="-342900">
               <a:lnSpc>
                 <a:spcPct val="90000"/>
               </a:lnSpc>
@@ -9410,56 +9830,8 @@
               <a:buChar char="q"/>
             </a:pPr>
             <a:r>
-              <a:rPr lang="en-US" altLang="zh-TW" sz="2800" dirty="0"/>
-              <a:t>Creates a new relation in which each tuple is </a:t>
-            </a:r>
-            <a:r>
-              <a:rPr lang="en-US" altLang="zh-TW" sz="2800" u="sng" dirty="0"/>
-              <a:t>in the </a:t>
-            </a:r>
-            <a:r>
-              <a:rPr lang="en-US" altLang="zh-TW" sz="2800" u="sng" dirty="0">
-                <a:solidFill>
-                  <a:srgbClr val="006600"/>
-                </a:solidFill>
-              </a:rPr>
-              <a:t>first</a:t>
-            </a:r>
-            <a:r>
-              <a:rPr lang="en-US" altLang="zh-TW" sz="2800" u="sng" dirty="0"/>
-              <a:t> relation</a:t>
-            </a:r>
-            <a:r>
-              <a:rPr lang="en-US" altLang="zh-TW" sz="2800" dirty="0"/>
-              <a:t> </a:t>
-            </a:r>
-            <a:r>
-              <a:rPr lang="en-US" altLang="zh-TW" sz="2800" u="sng" dirty="0"/>
-              <a:t>but </a:t>
-            </a:r>
-            <a:r>
-              <a:rPr lang="en-US" altLang="zh-TW" sz="2800" u="sng" dirty="0">
-                <a:solidFill>
-                  <a:srgbClr val="006600"/>
-                </a:solidFill>
-              </a:rPr>
-              <a:t>not</a:t>
-            </a:r>
-            <a:r>
-              <a:rPr lang="en-US" altLang="zh-TW" sz="2800" u="sng" dirty="0"/>
-              <a:t> the </a:t>
-            </a:r>
-            <a:r>
-              <a:rPr lang="en-US" altLang="zh-TW" sz="2800" u="sng" dirty="0">
-                <a:solidFill>
-                  <a:srgbClr val="006600"/>
-                </a:solidFill>
-              </a:rPr>
-              <a:t>second</a:t>
-            </a:r>
-            <a:r>
-              <a:rPr lang="en-US" altLang="zh-TW" sz="2800" dirty="0"/>
-              <a:t>.</a:t>
+              <a:rPr lang="en-US" altLang="zh-TW" sz="2400" dirty="0"/>
+              <a:t>Creates a new relation with information possibly in both tables.</a:t>
             </a:r>
           </a:p>
           <a:p>
@@ -9471,7 +9843,7 @@
             <a:endParaRPr lang="en-US" altLang="zh-TW" sz="2000" dirty="0"/>
           </a:p>
           <a:p>
-            <a:pPr marL="457200" indent="-457200">
+            <a:pPr marL="342900" indent="-342900">
               <a:lnSpc>
                 <a:spcPct val="90000"/>
               </a:lnSpc>
@@ -9479,15 +9851,11 @@
               <a:buChar char="q"/>
             </a:pPr>
             <a:r>
-              <a:rPr lang="en-US" altLang="zh-TW" sz="2800" dirty="0"/>
-              <a:t>The two relations must have the </a:t>
-            </a:r>
-            <a:r>
-              <a:rPr lang="en-US" altLang="zh-TW" sz="2800" u="sng" dirty="0"/>
-              <a:t>same </a:t>
-            </a:r>
-            <a:r>
-              <a:rPr lang="en-US" altLang="zh-TW" sz="2800" u="sng" dirty="0">
+              <a:rPr lang="en-US" altLang="zh-TW" sz="2400" dirty="0"/>
+              <a:t>The two relations must have the same </a:t>
+            </a:r>
+            <a:r>
+              <a:rPr lang="en-US" altLang="zh-TW" sz="2400" dirty="0">
                 <a:solidFill>
                   <a:srgbClr val="006600"/>
                 </a:solidFill>
@@ -9495,7 +9863,7 @@
               <a:t>attributes</a:t>
             </a:r>
             <a:r>
-              <a:rPr lang="en-US" altLang="zh-TW" sz="2800" dirty="0"/>
+              <a:rPr lang="en-US" altLang="zh-TW" sz="2400" dirty="0"/>
               <a:t>.</a:t>
             </a:r>
           </a:p>
@@ -9504,7 +9872,7 @@
     </p:spTree>
     <p:extLst>
       <p:ext uri="{BB962C8B-B14F-4D97-AF65-F5344CB8AC3E}">
-        <p14:creationId xmlns:p14="http://schemas.microsoft.com/office/powerpoint/2010/main" val="2676636781"/>
+        <p14:creationId xmlns:p14="http://schemas.microsoft.com/office/powerpoint/2010/main" val="2950460556"/>
       </p:ext>
     </p:extLst>
   </p:cSld>
@@ -9536,7 +9904,7 @@
           <p:cNvPr id="2" name="Title 1">
             <a:extLst>
               <a:ext uri="{FF2B5EF4-FFF2-40B4-BE49-F238E27FC236}">
-                <a16:creationId xmlns:a16="http://schemas.microsoft.com/office/drawing/2014/main" id="{BA251F0C-6B81-4F3A-BFB9-7A86A5E23BF5}"/>
+                <a16:creationId xmlns:a16="http://schemas.microsoft.com/office/drawing/2014/main" id="{6DC7D709-B9CC-4DF8-9C34-2EFC2F252C90}"/>
               </a:ext>
             </a:extLst>
           </p:cNvPr>
@@ -9554,26 +9922,102 @@
           <a:p>
             <a:pPr algn="ctr"/>
             <a:r>
-              <a:rPr lang="en-US" altLang="zh-TW" sz="2800" b="1" dirty="0"/>
-              <a:t>SQL (Structured Query Language)</a:t>
+              <a:rPr kumimoji="0" lang="en-US" altLang="zh-TW" sz="2800" b="1" dirty="0">
+                <a:solidFill>
+                  <a:srgbClr val="FFC000"/>
+                </a:solidFill>
+              </a:rPr>
+              <a:t>Intersection</a:t>
+            </a:r>
+            <a:r>
+              <a:rPr kumimoji="0" lang="en-US" altLang="zh-TW" sz="2800" b="1" dirty="0"/>
+              <a:t> operation</a:t>
             </a:r>
             <a:br>
-              <a:rPr lang="en-US" altLang="zh-TW" sz="2800" dirty="0">
-                <a:solidFill>
-                  <a:srgbClr val="990000"/>
-                </a:solidFill>
+              <a:rPr kumimoji="0" lang="en-US" altLang="zh-TW" sz="2800" b="1" dirty="0">
+                <a:latin typeface="Times New Roman" panose="02020603050405020304" pitchFamily="18" charset="0"/>
               </a:rPr>
             </a:br>
             <a:endParaRPr lang="en-US" dirty="0"/>
           </a:p>
         </p:txBody>
       </p:sp>
-      <p:sp>
-        <p:nvSpPr>
-          <p:cNvPr id="5" name="TextBox 4">
+      <p:pic>
+        <p:nvPicPr>
+          <p:cNvPr id="4" name="Picture 6">
             <a:extLst>
               <a:ext uri="{FF2B5EF4-FFF2-40B4-BE49-F238E27FC236}">
-                <a16:creationId xmlns:a16="http://schemas.microsoft.com/office/drawing/2014/main" id="{E44332EA-7713-497C-AD22-1AD677476A5D}"/>
+                <a16:creationId xmlns:a16="http://schemas.microsoft.com/office/drawing/2014/main" id="{6F9CE6C8-9DB4-4273-AA2C-A7672181786E}"/>
+              </a:ext>
+            </a:extLst>
+          </p:cNvPr>
+          <p:cNvPicPr>
+            <a:picLocks noChangeAspect="1" noChangeArrowheads="1"/>
+          </p:cNvPicPr>
+          <p:nvPr/>
+        </p:nvPicPr>
+        <p:blipFill>
+          <a:blip r:embed="rId2">
+            <a:extLst>
+              <a:ext uri="{28A0092B-C50C-407E-A947-70E740481C1C}">
+                <a14:useLocalDpi xmlns:a14="http://schemas.microsoft.com/office/drawing/2010/main" val="0"/>
+              </a:ext>
+            </a:extLst>
+          </a:blip>
+          <a:srcRect/>
+          <a:stretch>
+            <a:fillRect/>
+          </a:stretch>
+        </p:blipFill>
+        <p:spPr bwMode="auto">
+          <a:xfrm>
+            <a:off x="509801" y="3103746"/>
+            <a:ext cx="8702675" cy="3608388"/>
+          </a:xfrm>
+          <a:prstGeom prst="rect">
+            <a:avLst/>
+          </a:prstGeom>
+          <a:noFill/>
+          <a:ln>
+            <a:noFill/>
+          </a:ln>
+          <a:effectLst/>
+          <a:extLst>
+            <a:ext uri="{909E8E84-426E-40DD-AFC4-6F175D3DCCD1}">
+              <a14:hiddenFill xmlns:a14="http://schemas.microsoft.com/office/drawing/2010/main">
+                <a:solidFill>
+                  <a:schemeClr val="accent1"/>
+                </a:solidFill>
+              </a14:hiddenFill>
+            </a:ext>
+            <a:ext uri="{91240B29-F687-4F45-9708-019B960494DF}">
+              <a14:hiddenLine xmlns:a14="http://schemas.microsoft.com/office/drawing/2010/main" w="9525">
+                <a:solidFill>
+                  <a:schemeClr val="tx1"/>
+                </a:solidFill>
+                <a:miter lim="800000"/>
+                <a:headEnd/>
+                <a:tailEnd/>
+              </a14:hiddenLine>
+            </a:ext>
+            <a:ext uri="{AF507438-7753-43E0-B8FC-AC1667EBCBE1}">
+              <a14:hiddenEffects xmlns:a14="http://schemas.microsoft.com/office/drawing/2010/main">
+                <a:effectLst>
+                  <a:outerShdw dist="35921" dir="2700000" algn="ctr" rotWithShape="0">
+                    <a:schemeClr val="bg2"/>
+                  </a:outerShdw>
+                </a:effectLst>
+              </a14:hiddenEffects>
+            </a:ext>
+          </a:extLst>
+        </p:spPr>
+      </p:pic>
+      <p:sp>
+        <p:nvSpPr>
+          <p:cNvPr id="6" name="TextBox 5">
+            <a:extLst>
+              <a:ext uri="{FF2B5EF4-FFF2-40B4-BE49-F238E27FC236}">
+                <a16:creationId xmlns:a16="http://schemas.microsoft.com/office/drawing/2014/main" id="{6A565E8F-032D-426B-846F-CBA660304836}"/>
               </a:ext>
             </a:extLst>
           </p:cNvPr>
@@ -9582,8 +10026,8 @@
         </p:nvSpPr>
         <p:spPr>
           <a:xfrm>
-            <a:off x="1209884" y="2827721"/>
-            <a:ext cx="9897035" cy="3970318"/>
+            <a:off x="3963274" y="2194595"/>
+            <a:ext cx="7647534" cy="2197525"/>
           </a:xfrm>
           <a:prstGeom prst="rect">
             <a:avLst/>
@@ -9605,7 +10049,7 @@
             </a:pPr>
             <a:r>
               <a:rPr lang="en-US" altLang="zh-TW" sz="2800" dirty="0"/>
-              <a:t>Standardized by </a:t>
+              <a:t>A </a:t>
             </a:r>
             <a:r>
               <a:rPr lang="en-US" altLang="zh-TW" sz="2800" dirty="0">
@@ -9613,31 +10057,11 @@
                   <a:srgbClr val="006600"/>
                 </a:solidFill>
               </a:rPr>
-              <a:t>ANSI</a:t>
+              <a:t>binary</a:t>
             </a:r>
             <a:r>
               <a:rPr lang="en-US" altLang="zh-TW" sz="2800" dirty="0"/>
-              <a:t> and </a:t>
-            </a:r>
-            <a:r>
-              <a:rPr lang="en-US" altLang="zh-TW" sz="2800" dirty="0">
-                <a:solidFill>
-                  <a:srgbClr val="006600"/>
-                </a:solidFill>
-              </a:rPr>
-              <a:t>ISO</a:t>
-            </a:r>
-            <a:r>
-              <a:rPr lang="en-US" altLang="zh-TW" sz="2800" dirty="0"/>
-              <a:t> for use on </a:t>
-            </a:r>
-            <a:r>
-              <a:rPr lang="en-US" altLang="zh-TW" sz="2800" u="sng" dirty="0"/>
-              <a:t>relational databases</a:t>
-            </a:r>
-            <a:r>
-              <a:rPr lang="en-US" altLang="zh-TW" sz="2800" dirty="0"/>
-              <a:t>.</a:t>
+              <a:t> operation.</a:t>
             </a:r>
           </a:p>
           <a:p>
@@ -9646,7 +10070,7 @@
                 <a:spcPct val="90000"/>
               </a:lnSpc>
             </a:pPr>
-            <a:endParaRPr lang="en-US" altLang="zh-TW" sz="2800" dirty="0"/>
+            <a:endParaRPr lang="en-US" altLang="zh-TW" sz="2000" dirty="0"/>
           </a:p>
           <a:p>
             <a:pPr marL="457200" indent="-457200">
@@ -9658,63 +10082,7 @@
             </a:pPr>
             <a:r>
               <a:rPr lang="en-US" altLang="zh-TW" sz="2800" dirty="0"/>
-              <a:t>It is </a:t>
-            </a:r>
-            <a:r>
-              <a:rPr lang="en-US" altLang="zh-TW" sz="2800" u="sng" dirty="0"/>
-              <a:t>a </a:t>
-            </a:r>
-            <a:r>
-              <a:rPr lang="en-US" altLang="zh-TW" sz="2800" u="sng" dirty="0">
-                <a:solidFill>
-                  <a:srgbClr val="006600"/>
-                </a:solidFill>
-              </a:rPr>
-              <a:t>declarative</a:t>
-            </a:r>
-            <a:r>
-              <a:rPr lang="en-US" altLang="zh-TW" sz="2800" u="sng" dirty="0"/>
-              <a:t> (</a:t>
-            </a:r>
-            <a:r>
-              <a:rPr lang="en-US" altLang="zh-TW" sz="2800" u="sng" dirty="0">
-                <a:solidFill>
-                  <a:srgbClr val="006600"/>
-                </a:solidFill>
-              </a:rPr>
-              <a:t>not procedural</a:t>
-            </a:r>
-            <a:r>
-              <a:rPr lang="en-US" altLang="zh-TW" sz="2800" u="sng" dirty="0"/>
-              <a:t>) language</a:t>
-            </a:r>
-            <a:r>
-              <a:rPr lang="en-US" altLang="zh-TW" sz="2800" dirty="0"/>
-              <a:t>, which means that the users declare </a:t>
-            </a:r>
-            <a:r>
-              <a:rPr lang="en-US" altLang="zh-TW" sz="2800" u="sng" dirty="0">
-                <a:solidFill>
-                  <a:srgbClr val="006600"/>
-                </a:solidFill>
-              </a:rPr>
-              <a:t>what they want</a:t>
-            </a:r>
-            <a:r>
-              <a:rPr lang="en-US" altLang="zh-TW" sz="2800" dirty="0"/>
-              <a:t> </a:t>
-            </a:r>
-            <a:r>
-              <a:rPr lang="en-US" altLang="zh-TW" sz="2800" u="sng" dirty="0">
-                <a:solidFill>
-                  <a:srgbClr val="006600"/>
-                </a:solidFill>
-              </a:rPr>
-              <a:t>without having to write a step-by-step procedure</a:t>
-            </a:r>
-            <a:r>
-              <a:rPr lang="en-US" altLang="zh-TW" sz="2800" dirty="0"/>
-              <a:t>.</a:t>
+              <a:t>Creates a new relation containing members in both relations.</a:t>
             </a:r>
           </a:p>
           <a:p>
@@ -9723,7 +10091,7 @@
                 <a:spcPct val="90000"/>
               </a:lnSpc>
             </a:pPr>
-            <a:endParaRPr lang="en-US" altLang="zh-TW" sz="2800" dirty="0"/>
+            <a:endParaRPr lang="en-US" altLang="zh-TW" sz="2000" dirty="0"/>
           </a:p>
           <a:p>
             <a:pPr marL="457200" indent="-457200">
@@ -9735,112 +10103,7 @@
             </a:pPr>
             <a:r>
               <a:rPr lang="en-US" altLang="zh-TW" sz="2800" dirty="0"/>
-              <a:t>First implemented by </a:t>
-            </a:r>
-            <a:r>
-              <a:rPr lang="en-US" altLang="zh-TW" sz="2800" dirty="0">
-                <a:solidFill>
-                  <a:srgbClr val="006600"/>
-                </a:solidFill>
-              </a:rPr>
-              <a:t>Oracle</a:t>
-            </a:r>
-            <a:r>
-              <a:rPr lang="en-US" altLang="zh-TW" sz="2800" dirty="0"/>
-              <a:t> in </a:t>
-            </a:r>
-            <a:r>
-              <a:rPr lang="en-US" altLang="zh-TW" sz="2800" dirty="0">
-                <a:solidFill>
-                  <a:srgbClr val="006600"/>
-                </a:solidFill>
-              </a:rPr>
-              <a:t>1979</a:t>
-            </a:r>
-            <a:r>
-              <a:rPr lang="en-US" altLang="zh-TW" sz="2800" dirty="0"/>
-              <a:t>.</a:t>
-            </a:r>
-          </a:p>
-          <a:p>
-            <a:pPr>
-              <a:lnSpc>
-                <a:spcPct val="90000"/>
-              </a:lnSpc>
-            </a:pPr>
-            <a:endParaRPr lang="en-US" altLang="zh-TW" sz="2800" dirty="0"/>
-          </a:p>
-          <a:p>
-            <a:pPr marL="457200" indent="-457200">
-              <a:lnSpc>
-                <a:spcPct val="90000"/>
-              </a:lnSpc>
-              <a:buFont typeface="Wingdings" panose="05000000000000000000" pitchFamily="2" charset="2"/>
-              <a:buChar char="q"/>
-            </a:pPr>
-            <a:r>
-              <a:rPr lang="en-US" altLang="zh-TW" sz="2800" dirty="0"/>
-              <a:t>SQL allows you to </a:t>
-            </a:r>
-            <a:r>
-              <a:rPr lang="en-US" altLang="zh-TW" sz="2800" dirty="0">
-                <a:solidFill>
-                  <a:srgbClr val="006600"/>
-                </a:solidFill>
-              </a:rPr>
-              <a:t>combine</a:t>
-            </a:r>
-            <a:r>
-              <a:rPr lang="en-US" altLang="zh-TW" sz="2800" dirty="0"/>
-              <a:t> the following statements to </a:t>
-            </a:r>
-            <a:r>
-              <a:rPr lang="en-US" altLang="zh-TW" sz="2800" u="sng" dirty="0"/>
-              <a:t>extract more complex information</a:t>
-            </a:r>
-            <a:r>
-              <a:rPr lang="en-US" altLang="zh-TW" sz="2800" dirty="0"/>
-              <a:t> from database.</a:t>
-            </a:r>
-          </a:p>
-        </p:txBody>
-      </p:sp>
-      <p:sp>
-        <p:nvSpPr>
-          <p:cNvPr id="7" name="TextBox 6">
-            <a:extLst>
-              <a:ext uri="{FF2B5EF4-FFF2-40B4-BE49-F238E27FC236}">
-                <a16:creationId xmlns:a16="http://schemas.microsoft.com/office/drawing/2014/main" id="{42C933A7-2EC9-4F5F-AF35-2647004CD071}"/>
-              </a:ext>
-            </a:extLst>
-          </p:cNvPr>
-          <p:cNvSpPr txBox="1"/>
-          <p:nvPr/>
-        </p:nvSpPr>
-        <p:spPr>
-          <a:xfrm>
-            <a:off x="1209884" y="2003530"/>
-            <a:ext cx="9487416" cy="461665"/>
-          </a:xfrm>
-          <a:prstGeom prst="rect">
-            <a:avLst/>
-          </a:prstGeom>
-          <a:noFill/>
-        </p:spPr>
-        <p:txBody>
-          <a:bodyPr wrap="square">
-            <a:spAutoFit/>
-          </a:bodyPr>
-          <a:lstStyle/>
-          <a:p>
-            <a:pPr algn="ctr"/>
-            <a:r>
-              <a:rPr lang="en-US" sz="2400" b="1" dirty="0">
-                <a:solidFill>
-                  <a:srgbClr val="C00000"/>
-                </a:solidFill>
-              </a:rPr>
-              <a:t>All operations among relational tables can be performed in SQL </a:t>
+              <a:t>The two relations must have the same attributes.</a:t>
             </a:r>
           </a:p>
         </p:txBody>
@@ -9848,7 +10111,7 @@
     </p:spTree>
     <p:extLst>
       <p:ext uri="{BB962C8B-B14F-4D97-AF65-F5344CB8AC3E}">
-        <p14:creationId xmlns:p14="http://schemas.microsoft.com/office/powerpoint/2010/main" val="411667446"/>
+        <p14:creationId xmlns:p14="http://schemas.microsoft.com/office/powerpoint/2010/main" val="3512377287"/>
       </p:ext>
     </p:extLst>
   </p:cSld>
@@ -9880,7 +10143,7 @@
           <p:cNvPr id="2" name="Title 1">
             <a:extLst>
               <a:ext uri="{FF2B5EF4-FFF2-40B4-BE49-F238E27FC236}">
-                <a16:creationId xmlns:a16="http://schemas.microsoft.com/office/drawing/2014/main" id="{EF313522-8630-4151-AB9E-C1E334391886}"/>
+                <a16:creationId xmlns:a16="http://schemas.microsoft.com/office/drawing/2014/main" id="{EDF38B62-4D77-44A4-AE7E-E42D6AC318FB}"/>
               </a:ext>
             </a:extLst>
           </p:cNvPr>
@@ -9891,29 +10154,114 @@
             <p:ph type="title"/>
           </p:nvPr>
         </p:nvSpPr>
-        <p:spPr/>
+        <p:spPr>
+          <a:xfrm>
+            <a:off x="682792" y="665210"/>
+            <a:ext cx="11029616" cy="1013800"/>
+          </a:xfrm>
+        </p:spPr>
         <p:txBody>
           <a:bodyPr/>
           <a:lstStyle/>
           <a:p>
             <a:pPr algn="ctr"/>
             <a:r>
-              <a:rPr lang="en-US" b="1" dirty="0"/>
-              <a:t>Tools for Querying and managing data</a:t>
+              <a:rPr kumimoji="0" lang="en-US" altLang="zh-TW" sz="2800" b="1" dirty="0">
+                <a:solidFill>
+                  <a:srgbClr val="FFC000"/>
+                </a:solidFill>
+              </a:rPr>
+              <a:t>Difference</a:t>
+            </a:r>
+            <a:r>
+              <a:rPr kumimoji="0" lang="en-US" altLang="zh-TW" sz="2800" b="1" dirty="0"/>
+              <a:t> operation</a:t>
             </a:r>
             <a:br>
-              <a:rPr lang="en-US" dirty="0"/>
+              <a:rPr kumimoji="0" lang="en-US" altLang="zh-TW" sz="2800" b="1" dirty="0">
+                <a:latin typeface="Times New Roman" panose="02020603050405020304" pitchFamily="18" charset="0"/>
+              </a:rPr>
             </a:br>
             <a:endParaRPr lang="en-US" dirty="0"/>
           </a:p>
         </p:txBody>
       </p:sp>
-      <p:sp>
-        <p:nvSpPr>
-          <p:cNvPr id="5" name="TextBox 4">
+      <p:pic>
+        <p:nvPicPr>
+          <p:cNvPr id="4" name="Picture 6">
             <a:extLst>
               <a:ext uri="{FF2B5EF4-FFF2-40B4-BE49-F238E27FC236}">
-                <a16:creationId xmlns:a16="http://schemas.microsoft.com/office/drawing/2014/main" id="{E3461AEC-5842-4C17-9A47-818E53591280}"/>
+                <a16:creationId xmlns:a16="http://schemas.microsoft.com/office/drawing/2014/main" id="{A52B3E4B-EE9A-4C1A-8A65-82C5D88AB7E2}"/>
+              </a:ext>
+            </a:extLst>
+          </p:cNvPr>
+          <p:cNvPicPr>
+            <a:picLocks noChangeAspect="1" noChangeArrowheads="1"/>
+          </p:cNvPicPr>
+          <p:nvPr/>
+        </p:nvPicPr>
+        <p:blipFill>
+          <a:blip r:embed="rId2">
+            <a:extLst>
+              <a:ext uri="{28A0092B-C50C-407E-A947-70E740481C1C}">
+                <a14:useLocalDpi xmlns:a14="http://schemas.microsoft.com/office/drawing/2010/main" val="0"/>
+              </a:ext>
+            </a:extLst>
+          </a:blip>
+          <a:srcRect/>
+          <a:stretch>
+            <a:fillRect/>
+          </a:stretch>
+        </p:blipFill>
+        <p:spPr bwMode="auto">
+          <a:xfrm>
+            <a:off x="415497" y="3085347"/>
+            <a:ext cx="8720137" cy="3609975"/>
+          </a:xfrm>
+          <a:prstGeom prst="rect">
+            <a:avLst/>
+          </a:prstGeom>
+          <a:noFill/>
+          <a:ln>
+            <a:noFill/>
+          </a:ln>
+          <a:effectLst/>
+          <a:extLst>
+            <a:ext uri="{909E8E84-426E-40DD-AFC4-6F175D3DCCD1}">
+              <a14:hiddenFill xmlns:a14="http://schemas.microsoft.com/office/drawing/2010/main">
+                <a:solidFill>
+                  <a:schemeClr val="accent1"/>
+                </a:solidFill>
+              </a14:hiddenFill>
+            </a:ext>
+            <a:ext uri="{91240B29-F687-4F45-9708-019B960494DF}">
+              <a14:hiddenLine xmlns:a14="http://schemas.microsoft.com/office/drawing/2010/main" w="9525">
+                <a:solidFill>
+                  <a:schemeClr val="tx1"/>
+                </a:solidFill>
+                <a:miter lim="800000"/>
+                <a:headEnd/>
+                <a:tailEnd/>
+              </a14:hiddenLine>
+            </a:ext>
+            <a:ext uri="{AF507438-7753-43E0-B8FC-AC1667EBCBE1}">
+              <a14:hiddenEffects xmlns:a14="http://schemas.microsoft.com/office/drawing/2010/main">
+                <a:effectLst>
+                  <a:outerShdw dist="35921" dir="2700000" algn="ctr" rotWithShape="0">
+                    <a:schemeClr val="bg2"/>
+                  </a:outerShdw>
+                </a:effectLst>
+              </a14:hiddenEffects>
+            </a:ext>
+          </a:extLst>
+        </p:spPr>
+      </p:pic>
+      <p:sp>
+        <p:nvSpPr>
+          <p:cNvPr id="6" name="TextBox 5">
+            <a:extLst>
+              <a:ext uri="{FF2B5EF4-FFF2-40B4-BE49-F238E27FC236}">
+                <a16:creationId xmlns:a16="http://schemas.microsoft.com/office/drawing/2014/main" id="{27FD5582-52AA-47ED-A599-409ECF989E65}"/>
               </a:ext>
             </a:extLst>
           </p:cNvPr>
@@ -9922,8 +10270,8 @@
         </p:nvSpPr>
         <p:spPr>
           <a:xfrm>
-            <a:off x="1012369" y="1993010"/>
-            <a:ext cx="10529281" cy="2246769"/>
+            <a:off x="3839708" y="2140828"/>
+            <a:ext cx="7715682" cy="2197525"/>
           </a:xfrm>
           <a:prstGeom prst="rect">
             <a:avLst/>
@@ -9936,91 +10284,118 @@
           </a:bodyPr>
           <a:lstStyle/>
           <a:p>
-            <a:r>
-              <a:rPr lang="en-US" sz="2800" dirty="0">
-                <a:solidFill>
-                  <a:srgbClr val="002060"/>
+            <a:pPr marL="457200" indent="-457200">
+              <a:lnSpc>
+                <a:spcPct val="90000"/>
+              </a:lnSpc>
+              <a:buFont typeface="Wingdings" panose="05000000000000000000" pitchFamily="2" charset="2"/>
+              <a:buChar char="q"/>
+            </a:pPr>
+            <a:r>
+              <a:rPr lang="en-US" altLang="zh-TW" sz="2800" dirty="0"/>
+              <a:t>A </a:t>
+            </a:r>
+            <a:r>
+              <a:rPr lang="en-US" altLang="zh-TW" sz="2800" dirty="0">
+                <a:solidFill>
+                  <a:srgbClr val="006600"/>
                 </a:solidFill>
               </a:rPr>
-              <a:t>Some common relational database management systems that use SQL are: Oracle, Sybase, Microsoft SQL Server, Access, Ingres, etc. Although most database systems use SQL, most of them also have their own additional proprietary extensions that are usually only used on their system.</a:t>
-            </a:r>
-          </a:p>
-        </p:txBody>
-      </p:sp>
-      <p:sp>
-        <p:nvSpPr>
-          <p:cNvPr id="6" name="TextBox 5">
-            <a:extLst>
-              <a:ext uri="{FF2B5EF4-FFF2-40B4-BE49-F238E27FC236}">
-                <a16:creationId xmlns:a16="http://schemas.microsoft.com/office/drawing/2014/main" id="{670D6EBB-B892-45D1-B85D-80D5519802A3}"/>
-              </a:ext>
-            </a:extLst>
-          </p:cNvPr>
-          <p:cNvSpPr txBox="1"/>
-          <p:nvPr/>
-        </p:nvSpPr>
-        <p:spPr>
-          <a:xfrm>
-            <a:off x="1012369" y="4449547"/>
-            <a:ext cx="10836411" cy="1384995"/>
-          </a:xfrm>
-          <a:prstGeom prst="rect">
-            <a:avLst/>
-          </a:prstGeom>
-          <a:noFill/>
-        </p:spPr>
-        <p:txBody>
-          <a:bodyPr wrap="square" rtlCol="0">
-            <a:spAutoFit/>
-          </a:bodyPr>
-          <a:lstStyle/>
-          <a:p>
-            <a:r>
-              <a:rPr lang="en-US" sz="2800" dirty="0">
-                <a:solidFill>
-                  <a:srgbClr val="002060"/>
+              <a:t>binary</a:t>
+            </a:r>
+            <a:r>
+              <a:rPr lang="en-US" altLang="zh-TW" sz="2800" dirty="0"/>
+              <a:t> operation.</a:t>
+            </a:r>
+          </a:p>
+          <a:p>
+            <a:pPr>
+              <a:lnSpc>
+                <a:spcPct val="90000"/>
+              </a:lnSpc>
+            </a:pPr>
+            <a:endParaRPr lang="en-US" altLang="zh-TW" sz="2000" dirty="0"/>
+          </a:p>
+          <a:p>
+            <a:pPr marL="457200" indent="-457200">
+              <a:lnSpc>
+                <a:spcPct val="90000"/>
+              </a:lnSpc>
+              <a:buFont typeface="Wingdings" panose="05000000000000000000" pitchFamily="2" charset="2"/>
+              <a:buChar char="q"/>
+            </a:pPr>
+            <a:r>
+              <a:rPr lang="en-US" altLang="zh-TW" sz="2800" dirty="0"/>
+              <a:t>Creates a new relation only containing members in the </a:t>
+            </a:r>
+            <a:r>
+              <a:rPr lang="en-US" altLang="zh-TW" sz="2800" dirty="0">
+                <a:solidFill>
+                  <a:srgbClr val="006600"/>
                 </a:solidFill>
               </a:rPr>
-              <a:t>Commonly data science programming languages such as Python and R have facilities to run SQL (at least use the common SQL clauses) to query and manage data. </a:t>
-            </a:r>
-          </a:p>
-        </p:txBody>
-      </p:sp>
-      <p:sp>
-        <p:nvSpPr>
-          <p:cNvPr id="7" name="TextBox 6">
-            <a:extLst>
-              <a:ext uri="{FF2B5EF4-FFF2-40B4-BE49-F238E27FC236}">
-                <a16:creationId xmlns:a16="http://schemas.microsoft.com/office/drawing/2014/main" id="{4EA1555C-C216-481D-88E6-199278959F53}"/>
-              </a:ext>
-            </a:extLst>
-          </p:cNvPr>
-          <p:cNvSpPr txBox="1"/>
-          <p:nvPr/>
-        </p:nvSpPr>
-        <p:spPr>
-          <a:xfrm>
-            <a:off x="952820" y="6133725"/>
-            <a:ext cx="10657987" cy="461665"/>
-          </a:xfrm>
-          <a:prstGeom prst="rect">
-            <a:avLst/>
-          </a:prstGeom>
-          <a:noFill/>
-        </p:spPr>
-        <p:txBody>
-          <a:bodyPr wrap="square" rtlCol="0">
-            <a:spAutoFit/>
-          </a:bodyPr>
-          <a:lstStyle/>
-          <a:p>
-            <a:r>
-              <a:rPr lang="en-US" sz="2400" dirty="0">
-                <a:solidFill>
-                  <a:srgbClr val="C00000"/>
+              <a:t>first</a:t>
+            </a:r>
+            <a:r>
+              <a:rPr lang="en-US" altLang="zh-TW" sz="2800" dirty="0"/>
+              <a:t> relation but </a:t>
+            </a:r>
+            <a:r>
+              <a:rPr lang="en-US" altLang="zh-TW" sz="2800" dirty="0">
+                <a:solidFill>
+                  <a:srgbClr val="006600"/>
                 </a:solidFill>
               </a:rPr>
-              <a:t>We will use SAS PROC SQL to query relational tables and define analytic data sets.</a:t>
+              <a:t>not</a:t>
+            </a:r>
+            <a:r>
+              <a:rPr lang="en-US" altLang="zh-TW" sz="2800" dirty="0"/>
+              <a:t> the </a:t>
+            </a:r>
+            <a:r>
+              <a:rPr lang="en-US" altLang="zh-TW" sz="2800" dirty="0">
+                <a:solidFill>
+                  <a:srgbClr val="006600"/>
+                </a:solidFill>
+              </a:rPr>
+              <a:t>second</a:t>
+            </a:r>
+            <a:r>
+              <a:rPr lang="en-US" altLang="zh-TW" sz="2800" dirty="0"/>
+              <a:t>.</a:t>
+            </a:r>
+          </a:p>
+          <a:p>
+            <a:pPr>
+              <a:lnSpc>
+                <a:spcPct val="90000"/>
+              </a:lnSpc>
+            </a:pPr>
+            <a:endParaRPr lang="en-US" altLang="zh-TW" sz="2000" dirty="0"/>
+          </a:p>
+          <a:p>
+            <a:pPr marL="457200" indent="-457200">
+              <a:lnSpc>
+                <a:spcPct val="90000"/>
+              </a:lnSpc>
+              <a:buFont typeface="Wingdings" panose="05000000000000000000" pitchFamily="2" charset="2"/>
+              <a:buChar char="q"/>
+            </a:pPr>
+            <a:r>
+              <a:rPr lang="en-US" altLang="zh-TW" sz="2800" dirty="0"/>
+              <a:t>The two relations must have the same </a:t>
+            </a:r>
+            <a:r>
+              <a:rPr lang="en-US" altLang="zh-TW" sz="2800" dirty="0">
+                <a:solidFill>
+                  <a:srgbClr val="006600"/>
+                </a:solidFill>
+              </a:rPr>
+              <a:t>attributes</a:t>
+            </a:r>
+            <a:r>
+              <a:rPr lang="en-US" altLang="zh-TW" sz="2800" dirty="0"/>
+              <a:t>.</a:t>
             </a:r>
           </a:p>
         </p:txBody>
@@ -10028,7 +10403,7 @@
     </p:spTree>
     <p:extLst>
       <p:ext uri="{BB962C8B-B14F-4D97-AF65-F5344CB8AC3E}">
-        <p14:creationId xmlns:p14="http://schemas.microsoft.com/office/powerpoint/2010/main" val="3476107851"/>
+        <p14:creationId xmlns:p14="http://schemas.microsoft.com/office/powerpoint/2010/main" val="2676636781"/>
       </p:ext>
     </p:extLst>
   </p:cSld>
@@ -10060,7 +10435,7 @@
           <p:cNvPr id="2" name="Title 1">
             <a:extLst>
               <a:ext uri="{FF2B5EF4-FFF2-40B4-BE49-F238E27FC236}">
-                <a16:creationId xmlns:a16="http://schemas.microsoft.com/office/drawing/2014/main" id="{9BC3EC60-280D-40BE-9F38-B7A0EAE81A57}"/>
+                <a16:creationId xmlns:a16="http://schemas.microsoft.com/office/drawing/2014/main" id="{BA251F0C-6B81-4F3A-BFB9-7A86A5E23BF5}"/>
               </a:ext>
             </a:extLst>
           </p:cNvPr>
@@ -10078,11 +10453,15 @@
           <a:p>
             <a:pPr algn="ctr"/>
             <a:r>
-              <a:rPr lang="en-US" b="1" dirty="0"/>
-              <a:t>PROC SQL and PROC FEDSQL in SAS</a:t>
+              <a:rPr lang="en-US" altLang="zh-TW" sz="2800" b="1" dirty="0"/>
+              <a:t>SQL (Structured Query Language)</a:t>
             </a:r>
             <a:br>
-              <a:rPr lang="en-US" dirty="0"/>
+              <a:rPr lang="en-US" altLang="zh-TW" sz="2800" dirty="0">
+                <a:solidFill>
+                  <a:srgbClr val="990000"/>
+                </a:solidFill>
+              </a:rPr>
             </a:br>
             <a:endParaRPr lang="en-US" dirty="0"/>
           </a:p>
@@ -10093,7 +10472,7 @@
           <p:cNvPr id="5" name="TextBox 4">
             <a:extLst>
               <a:ext uri="{FF2B5EF4-FFF2-40B4-BE49-F238E27FC236}">
-                <a16:creationId xmlns:a16="http://schemas.microsoft.com/office/drawing/2014/main" id="{46F0315C-ECF2-4F80-9288-AA79076DBCE2}"/>
+                <a16:creationId xmlns:a16="http://schemas.microsoft.com/office/drawing/2014/main" id="{E44332EA-7713-497C-AD22-1AD677476A5D}"/>
               </a:ext>
             </a:extLst>
           </p:cNvPr>
@@ -10102,8 +10481,8 @@
         </p:nvSpPr>
         <p:spPr>
           <a:xfrm>
-            <a:off x="979944" y="2129089"/>
-            <a:ext cx="10232111" cy="2308324"/>
+            <a:off x="1911848" y="2887682"/>
+            <a:ext cx="8737679" cy="3970318"/>
           </a:xfrm>
           <a:prstGeom prst="rect">
             <a:avLst/>
@@ -10116,21 +10495,169 @@
           </a:bodyPr>
           <a:lstStyle/>
           <a:p>
-            <a:r>
-              <a:rPr lang="en-US" sz="2400" b="1" dirty="0"/>
-              <a:t>Structured Query Language (SQL) </a:t>
-            </a:r>
-            <a:r>
-              <a:rPr lang="en-US" sz="2400" dirty="0"/>
-              <a:t>was first developed in the early 1970’s for managing data stored in Relational Database Management Systems (RDBMS).  In 1986 SQL became the standard language of the American National Standards Institute (ANSI) and this standard SQL language has been revised and updated over the years. SQL was introduced into SAS as </a:t>
-            </a:r>
-            <a:r>
-              <a:rPr lang="en-US" sz="2400" b="1" dirty="0"/>
-              <a:t>PROC SQL</a:t>
-            </a:r>
-            <a:r>
-              <a:rPr lang="en-US" sz="2400" dirty="0"/>
-              <a:t>. For the first time in Version 6.06 in 1990. </a:t>
+            <a:pPr marL="457200" indent="-457200">
+              <a:lnSpc>
+                <a:spcPct val="90000"/>
+              </a:lnSpc>
+              <a:buFont typeface="Wingdings" panose="05000000000000000000" pitchFamily="2" charset="2"/>
+              <a:buChar char="q"/>
+            </a:pPr>
+            <a:r>
+              <a:rPr lang="en-US" altLang="zh-TW" sz="2800" dirty="0"/>
+              <a:t>Used for relational databases.</a:t>
+            </a:r>
+          </a:p>
+          <a:p>
+            <a:pPr>
+              <a:lnSpc>
+                <a:spcPct val="90000"/>
+              </a:lnSpc>
+            </a:pPr>
+            <a:endParaRPr lang="en-US" altLang="zh-TW" sz="2800" dirty="0"/>
+          </a:p>
+          <a:p>
+            <a:pPr marL="457200" indent="-457200">
+              <a:lnSpc>
+                <a:spcPct val="90000"/>
+              </a:lnSpc>
+              <a:buFont typeface="Wingdings" panose="05000000000000000000" pitchFamily="2" charset="2"/>
+              <a:buChar char="q"/>
+            </a:pPr>
+            <a:r>
+              <a:rPr lang="en-US" altLang="zh-TW" sz="2800" dirty="0"/>
+              <a:t>A </a:t>
+            </a:r>
+            <a:r>
+              <a:rPr lang="en-US" altLang="zh-TW" sz="2800" dirty="0">
+                <a:solidFill>
+                  <a:srgbClr val="006600"/>
+                </a:solidFill>
+              </a:rPr>
+              <a:t>declarative</a:t>
+            </a:r>
+            <a:r>
+              <a:rPr lang="en-US" altLang="zh-TW" sz="2800" dirty="0"/>
+              <a:t> (</a:t>
+            </a:r>
+            <a:r>
+              <a:rPr lang="en-US" altLang="zh-TW" sz="2800" dirty="0">
+                <a:solidFill>
+                  <a:srgbClr val="006600"/>
+                </a:solidFill>
+              </a:rPr>
+              <a:t>not procedural</a:t>
+            </a:r>
+            <a:r>
+              <a:rPr lang="en-US" altLang="zh-TW" sz="2800" dirty="0"/>
+              <a:t>) language,</a:t>
+            </a:r>
+          </a:p>
+          <a:p>
+            <a:pPr>
+              <a:lnSpc>
+                <a:spcPct val="90000"/>
+              </a:lnSpc>
+            </a:pPr>
+            <a:r>
+              <a:rPr lang="en-US" altLang="zh-TW" sz="2800" dirty="0"/>
+              <a:t>     o  users declare </a:t>
+            </a:r>
+            <a:r>
+              <a:rPr lang="en-US" altLang="zh-TW" sz="2800" dirty="0">
+                <a:solidFill>
+                  <a:srgbClr val="006600"/>
+                </a:solidFill>
+              </a:rPr>
+              <a:t>what they want</a:t>
+            </a:r>
+            <a:r>
+              <a:rPr lang="en-US" altLang="zh-TW" sz="2800" dirty="0"/>
+              <a:t> </a:t>
+            </a:r>
+          </a:p>
+          <a:p>
+            <a:pPr>
+              <a:lnSpc>
+                <a:spcPct val="90000"/>
+              </a:lnSpc>
+            </a:pPr>
+            <a:r>
+              <a:rPr lang="en-US" altLang="zh-TW" sz="2800" dirty="0">
+                <a:solidFill>
+                  <a:srgbClr val="006600"/>
+                </a:solidFill>
+              </a:rPr>
+              <a:t>     o  without having to write a step-by-step procedure</a:t>
+            </a:r>
+            <a:r>
+              <a:rPr lang="en-US" altLang="zh-TW" sz="2800" dirty="0"/>
+              <a:t>.</a:t>
+            </a:r>
+          </a:p>
+          <a:p>
+            <a:pPr>
+              <a:lnSpc>
+                <a:spcPct val="90000"/>
+              </a:lnSpc>
+            </a:pPr>
+            <a:endParaRPr lang="en-US" altLang="zh-TW" sz="2800" dirty="0"/>
+          </a:p>
+          <a:p>
+            <a:pPr marL="457200" indent="-457200">
+              <a:lnSpc>
+                <a:spcPct val="90000"/>
+              </a:lnSpc>
+              <a:buFont typeface="Wingdings" panose="05000000000000000000" pitchFamily="2" charset="2"/>
+              <a:buChar char="q"/>
+            </a:pPr>
+            <a:r>
+              <a:rPr lang="en-US" altLang="zh-TW" sz="2800" dirty="0"/>
+              <a:t>First implemented by </a:t>
+            </a:r>
+            <a:r>
+              <a:rPr lang="en-US" altLang="zh-TW" sz="2800" dirty="0">
+                <a:solidFill>
+                  <a:srgbClr val="006600"/>
+                </a:solidFill>
+              </a:rPr>
+              <a:t>Oracle</a:t>
+            </a:r>
+            <a:r>
+              <a:rPr lang="en-US" altLang="zh-TW" sz="2800" dirty="0"/>
+              <a:t> in </a:t>
+            </a:r>
+            <a:r>
+              <a:rPr lang="en-US" altLang="zh-TW" sz="2800" dirty="0">
+                <a:solidFill>
+                  <a:srgbClr val="006600"/>
+                </a:solidFill>
+              </a:rPr>
+              <a:t>1979</a:t>
+            </a:r>
+            <a:r>
+              <a:rPr lang="en-US" altLang="zh-TW" sz="2800" dirty="0"/>
+              <a:t>.</a:t>
+            </a:r>
+          </a:p>
+          <a:p>
+            <a:pPr>
+              <a:lnSpc>
+                <a:spcPct val="90000"/>
+              </a:lnSpc>
+            </a:pPr>
+            <a:endParaRPr lang="en-US" altLang="zh-TW" sz="2800" dirty="0"/>
+          </a:p>
+          <a:p>
+            <a:pPr marL="457200" indent="-457200">
+              <a:lnSpc>
+                <a:spcPct val="90000"/>
+              </a:lnSpc>
+              <a:buFont typeface="Wingdings" panose="05000000000000000000" pitchFamily="2" charset="2"/>
+              <a:buChar char="q"/>
+            </a:pPr>
+            <a:r>
+              <a:rPr lang="en-US" altLang="zh-TW" sz="2800" dirty="0"/>
+              <a:t>SQL allows to extract more complex information from database.</a:t>
             </a:r>
           </a:p>
         </p:txBody>
@@ -10140,7 +10667,7 @@
           <p:cNvPr id="7" name="TextBox 6">
             <a:extLst>
               <a:ext uri="{FF2B5EF4-FFF2-40B4-BE49-F238E27FC236}">
-                <a16:creationId xmlns:a16="http://schemas.microsoft.com/office/drawing/2014/main" id="{0882A51E-E39F-46FB-80E4-E4495A4F6CDD}"/>
+                <a16:creationId xmlns:a16="http://schemas.microsoft.com/office/drawing/2014/main" id="{42C933A7-2EC9-4F5F-AF35-2647004CD071}"/>
               </a:ext>
             </a:extLst>
           </p:cNvPr>
@@ -10149,8 +10676,8 @@
         </p:nvSpPr>
         <p:spPr>
           <a:xfrm>
-            <a:off x="886686" y="4850546"/>
-            <a:ext cx="10147586" cy="1569660"/>
+            <a:off x="460420" y="2040209"/>
+            <a:ext cx="11029616" cy="523220"/>
           </a:xfrm>
           <a:prstGeom prst="rect">
             <a:avLst/>
@@ -10163,25 +10690,14 @@
           </a:bodyPr>
           <a:lstStyle/>
           <a:p>
-            <a:r>
-              <a:rPr lang="en-US" sz="2400" b="1" dirty="0"/>
-              <a:t>SAS PROC FEDSQL </a:t>
-            </a:r>
-            <a:r>
-              <a:rPr lang="en-US" sz="2400" dirty="0"/>
-              <a:t>was recently introduced in SAS 9.4 M3 in 2015 to fully conform to ANSI SQL 1999 standards and allows the processing of queries in the native languages of </a:t>
-            </a:r>
-            <a:r>
-              <a:rPr lang="en-US" sz="2400" dirty="0">
+            <a:pPr algn="ctr"/>
+            <a:r>
+              <a:rPr lang="en-US" sz="2800" b="1" dirty="0">
                 <a:solidFill>
                   <a:srgbClr val="C00000"/>
                 </a:solidFill>
               </a:rPr>
-              <a:t>all other data sources (including RDBMS)</a:t>
-            </a:r>
-            <a:r>
-              <a:rPr lang="en-US" sz="2400" dirty="0"/>
-              <a:t> that also conform to the ANSI 1999 standard. </a:t>
+              <a:t>All operations among relational tables can be performed in SQL </a:t>
             </a:r>
           </a:p>
         </p:txBody>
@@ -10189,7 +10705,7 @@
     </p:spTree>
     <p:extLst>
       <p:ext uri="{BB962C8B-B14F-4D97-AF65-F5344CB8AC3E}">
-        <p14:creationId xmlns:p14="http://schemas.microsoft.com/office/powerpoint/2010/main" val="1277434929"/>
+        <p14:creationId xmlns:p14="http://schemas.microsoft.com/office/powerpoint/2010/main" val="411667446"/>
       </p:ext>
     </p:extLst>
   </p:cSld>
@@ -10245,7 +10761,7 @@
             <a:pPr algn="ctr"/>
             <a:r>
               <a:rPr lang="en-US" b="1" dirty="0"/>
-              <a:t>Objectives</a:t>
+              <a:t>Brief Topics</a:t>
             </a:r>
           </a:p>
         </p:txBody>
@@ -10266,10 +10782,10 @@
         </p:nvGrpSpPr>
         <p:grpSpPr bwMode="auto">
           <a:xfrm>
-            <a:off x="2543175" y="2688236"/>
-            <a:ext cx="6446838" cy="457200"/>
-            <a:chOff x="336" y="1786"/>
-            <a:chExt cx="4061" cy="288"/>
+            <a:off x="2540290" y="2537817"/>
+            <a:ext cx="4876801" cy="461963"/>
+            <a:chOff x="309" y="1766"/>
+            <a:chExt cx="3072" cy="291"/>
           </a:xfrm>
         </p:grpSpPr>
         <p:sp>
@@ -10288,7 +10804,7 @@
           </p:nvSpPr>
           <p:spPr bwMode="auto">
             <a:xfrm>
-              <a:off x="336" y="1856"/>
+              <a:off x="309" y="1841"/>
               <a:ext cx="144" cy="144"/>
             </a:xfrm>
             <a:prstGeom prst="rect">
@@ -10348,8 +10864,8 @@
           </p:nvSpPr>
           <p:spPr bwMode="auto">
             <a:xfrm>
-              <a:off x="566" y="1786"/>
-              <a:ext cx="3831" cy="288"/>
+              <a:off x="541" y="1766"/>
+              <a:ext cx="2840" cy="291"/>
             </a:xfrm>
             <a:prstGeom prst="rect">
               <a:avLst/>
@@ -10395,7 +10911,7 @@
             <a:lstStyle/>
             <a:p>
               <a:r>
-                <a:rPr kumimoji="0" lang="en-US" altLang="zh-TW" sz="2400" dirty="0">
+                <a:rPr lang="en-US" altLang="zh-TW" sz="2400" u="sng" dirty="0">
                   <a:solidFill>
                     <a:schemeClr val="accent2">
                       <a:lumMod val="50000"/>
@@ -10408,7 +10924,7 @@
                   </a:effectLst>
                   <a:latin typeface="Times New Roman" panose="02020603050405020304" pitchFamily="18" charset="0"/>
                 </a:rPr>
-                <a:t>Understand a </a:t>
+                <a:t> </a:t>
               </a:r>
               <a:r>
                 <a:rPr kumimoji="0" lang="en-US" altLang="zh-TW" sz="2400" u="sng" dirty="0">
@@ -10462,10 +10978,10 @@
         </p:nvGrpSpPr>
         <p:grpSpPr bwMode="auto">
           <a:xfrm>
-            <a:off x="2543175" y="3397849"/>
-            <a:ext cx="7137400" cy="457200"/>
+            <a:off x="2543175" y="3397850"/>
+            <a:ext cx="4784728" cy="461963"/>
             <a:chOff x="432" y="634"/>
-            <a:chExt cx="4496" cy="288"/>
+            <a:chExt cx="3014" cy="291"/>
           </a:xfrm>
         </p:grpSpPr>
         <p:sp>
@@ -10538,7 +11054,7 @@
           <p:spPr bwMode="auto">
             <a:xfrm>
               <a:off x="662" y="634"/>
-              <a:ext cx="4266" cy="288"/>
+              <a:ext cx="2784" cy="291"/>
             </a:xfrm>
             <a:prstGeom prst="rect">
               <a:avLst/>
@@ -10597,7 +11113,7 @@
                   </a:effectLst>
                   <a:latin typeface="Times New Roman" panose="02020603050405020304" pitchFamily="18" charset="0"/>
                 </a:rPr>
-                <a:t>Understand the architecture of a DBMS and its levels.</a:t>
+                <a:t> DBMS architecture and its levels.</a:t>
               </a:r>
             </a:p>
           </p:txBody>
@@ -10619,10 +11135,10 @@
         </p:nvGrpSpPr>
         <p:grpSpPr bwMode="auto">
           <a:xfrm>
-            <a:off x="2543175" y="4059836"/>
-            <a:ext cx="6324600" cy="457200"/>
+            <a:off x="2543175" y="4059837"/>
+            <a:ext cx="4435478" cy="461963"/>
             <a:chOff x="432" y="634"/>
-            <a:chExt cx="3984" cy="288"/>
+            <a:chExt cx="2794" cy="291"/>
           </a:xfrm>
         </p:grpSpPr>
         <p:sp>
@@ -10695,7 +11211,7 @@
           <p:spPr bwMode="auto">
             <a:xfrm>
               <a:off x="662" y="634"/>
-              <a:ext cx="3754" cy="288"/>
+              <a:ext cx="2564" cy="291"/>
             </a:xfrm>
             <a:prstGeom prst="rect">
               <a:avLst/>
@@ -10754,7 +11270,7 @@
                   </a:effectLst>
                   <a:latin typeface="Times New Roman" panose="02020603050405020304" pitchFamily="18" charset="0"/>
                 </a:rPr>
-                <a:t>Distinguish between different </a:t>
+                <a:t> D</a:t>
               </a:r>
               <a:r>
                 <a:rPr kumimoji="0" lang="en-US" altLang="zh-TW" sz="2400" u="sng" dirty="0">
@@ -10770,7 +11286,7 @@
                   </a:effectLst>
                   <a:latin typeface="Times New Roman" panose="02020603050405020304" pitchFamily="18" charset="0"/>
                 </a:rPr>
-                <a:t>database models</a:t>
+                <a:t>atabase models and schemas</a:t>
               </a:r>
               <a:r>
                 <a:rPr kumimoji="0" lang="en-US" altLang="zh-TW" sz="2400" dirty="0">
@@ -10809,9 +11325,9 @@
         <p:grpSpPr bwMode="auto">
           <a:xfrm>
             <a:off x="2543175" y="4745637"/>
-            <a:ext cx="7515226" cy="830263"/>
+            <a:ext cx="7210427" cy="461963"/>
             <a:chOff x="432" y="634"/>
-            <a:chExt cx="4734" cy="523"/>
+            <a:chExt cx="4542" cy="291"/>
           </a:xfrm>
         </p:grpSpPr>
         <p:sp>
@@ -10884,7 +11400,7 @@
           <p:spPr bwMode="auto">
             <a:xfrm>
               <a:off x="662" y="634"/>
-              <a:ext cx="4504" cy="523"/>
+              <a:ext cx="4312" cy="291"/>
             </a:xfrm>
             <a:prstGeom prst="rect">
               <a:avLst/>
@@ -10924,7 +11440,7 @@
             </a:extLst>
           </p:spPr>
           <p:txBody>
-            <a:bodyPr wrap="none">
+            <a:bodyPr wrap="square">
               <a:spAutoFit/>
             </a:bodyPr>
             <a:lstStyle/>
@@ -10943,7 +11459,7 @@
                   </a:effectLst>
                   <a:latin typeface="Times New Roman" panose="02020603050405020304" pitchFamily="18" charset="0"/>
                 </a:rPr>
-                <a:t>Understand the concept of </a:t>
+                <a:t> </a:t>
               </a:r>
               <a:r>
                 <a:rPr kumimoji="0" lang="en-US" altLang="zh-TW" sz="2400" u="sng" dirty="0">
@@ -10959,7 +11475,7 @@
                   </a:effectLst>
                   <a:latin typeface="Times New Roman" panose="02020603050405020304" pitchFamily="18" charset="0"/>
                 </a:rPr>
-                <a:t>relational database</a:t>
+                <a:t>Relational database</a:t>
               </a:r>
               <a:r>
                 <a:rPr kumimoji="0" lang="en-US" altLang="zh-TW" sz="2400" dirty="0">
@@ -10975,10 +11491,158 @@
                   </a:effectLst>
                   <a:latin typeface="Times New Roman" panose="02020603050405020304" pitchFamily="18" charset="0"/>
                 </a:rPr>
-                <a:t> operations</a:t>
+                <a:t> operations on a relation.</a:t>
               </a:r>
-              <a:br>
-                <a:rPr kumimoji="0" lang="en-US" altLang="zh-TW" sz="2400" dirty="0">
+            </a:p>
+          </p:txBody>
+        </p:sp>
+      </p:grpSp>
+      <p:grpSp>
+        <p:nvGrpSpPr>
+          <p:cNvPr id="3" name="Group 2">
+            <a:extLst>
+              <a:ext uri="{FF2B5EF4-FFF2-40B4-BE49-F238E27FC236}">
+                <a16:creationId xmlns:a16="http://schemas.microsoft.com/office/drawing/2014/main" id="{296C26C7-9976-E5EA-91CC-5FABE757AAED}"/>
+              </a:ext>
+            </a:extLst>
+          </p:cNvPr>
+          <p:cNvGrpSpPr>
+            <a:grpSpLocks/>
+          </p:cNvGrpSpPr>
+          <p:nvPr/>
+        </p:nvGrpSpPr>
+        <p:grpSpPr bwMode="auto">
+          <a:xfrm>
+            <a:off x="2540290" y="5529877"/>
+            <a:ext cx="3797304" cy="461963"/>
+            <a:chOff x="309" y="1766"/>
+            <a:chExt cx="2392" cy="291"/>
+          </a:xfrm>
+        </p:grpSpPr>
+        <p:sp>
+          <p:nvSpPr>
+            <p:cNvPr id="16" name="Rectangle 3">
+              <a:extLst>
+                <a:ext uri="{FF2B5EF4-FFF2-40B4-BE49-F238E27FC236}">
+                  <a16:creationId xmlns:a16="http://schemas.microsoft.com/office/drawing/2014/main" id="{02EC4588-FF11-D81D-9A09-96C0AD0ACF44}"/>
+                </a:ext>
+              </a:extLst>
+            </p:cNvPr>
+            <p:cNvSpPr>
+              <a:spLocks noChangeArrowheads="1"/>
+            </p:cNvSpPr>
+            <p:nvPr/>
+          </p:nvSpPr>
+          <p:spPr bwMode="auto">
+            <a:xfrm>
+              <a:off x="309" y="1841"/>
+              <a:ext cx="144" cy="144"/>
+            </a:xfrm>
+            <a:prstGeom prst="rect">
+              <a:avLst/>
+            </a:prstGeom>
+            <a:solidFill>
+              <a:schemeClr val="accent1"/>
+            </a:solidFill>
+            <a:ln w="9525">
+              <a:solidFill>
+                <a:schemeClr val="tx1"/>
+              </a:solidFill>
+              <a:miter lim="800000"/>
+              <a:headEnd/>
+              <a:tailEnd/>
+            </a:ln>
+            <a:effectLst>
+              <a:outerShdw dist="35921" dir="2700000" algn="ctr" rotWithShape="0">
+                <a:schemeClr val="bg2"/>
+              </a:outerShdw>
+            </a:effectLst>
+          </p:spPr>
+          <p:txBody>
+            <a:bodyPr wrap="none" anchor="ctr"/>
+            <a:lstStyle/>
+            <a:p>
+              <a:pPr algn="ctr"/>
+              <a:endParaRPr kumimoji="0" lang="zh-TW" altLang="en-US" sz="2400">
+                <a:solidFill>
+                  <a:schemeClr val="accent2">
+                    <a:lumMod val="50000"/>
+                  </a:schemeClr>
+                </a:solidFill>
+                <a:effectLst>
+                  <a:outerShdw blurRad="38100" dist="38100" dir="2700000" algn="tl">
+                    <a:srgbClr val="000000"/>
+                  </a:outerShdw>
+                </a:effectLst>
+                <a:latin typeface="Times New Roman" panose="02020603050405020304" pitchFamily="18" charset="0"/>
+              </a:endParaRPr>
+            </a:p>
+          </p:txBody>
+        </p:sp>
+        <p:sp>
+          <p:nvSpPr>
+            <p:cNvPr id="17" name="Text Box 4">
+              <a:extLst>
+                <a:ext uri="{FF2B5EF4-FFF2-40B4-BE49-F238E27FC236}">
+                  <a16:creationId xmlns:a16="http://schemas.microsoft.com/office/drawing/2014/main" id="{DCECDC87-511E-D266-08A5-63126A985358}"/>
+                </a:ext>
+              </a:extLst>
+            </p:cNvPr>
+            <p:cNvSpPr txBox="1">
+              <a:spLocks noChangeArrowheads="1"/>
+            </p:cNvSpPr>
+            <p:nvPr/>
+          </p:nvSpPr>
+          <p:spPr bwMode="auto">
+            <a:xfrm>
+              <a:off x="541" y="1766"/>
+              <a:ext cx="2160" cy="291"/>
+            </a:xfrm>
+            <a:prstGeom prst="rect">
+              <a:avLst/>
+            </a:prstGeom>
+            <a:noFill/>
+            <a:ln>
+              <a:noFill/>
+            </a:ln>
+            <a:effectLst/>
+            <a:extLst>
+              <a:ext uri="{909E8E84-426E-40DD-AFC4-6F175D3DCCD1}">
+                <a14:hiddenFill xmlns:a14="http://schemas.microsoft.com/office/drawing/2010/main">
+                  <a:solidFill>
+                    <a:schemeClr val="accent1"/>
+                  </a:solidFill>
+                </a14:hiddenFill>
+              </a:ext>
+              <a:ext uri="{91240B29-F687-4F45-9708-019B960494DF}">
+                <a14:hiddenLine xmlns:a14="http://schemas.microsoft.com/office/drawing/2010/main" w="9525">
+                  <a:solidFill>
+                    <a:schemeClr val="tx1"/>
+                  </a:solidFill>
+                  <a:miter lim="800000"/>
+                  <a:headEnd/>
+                  <a:tailEnd/>
+                </a14:hiddenLine>
+              </a:ext>
+              <a:ext uri="{AF507438-7753-43E0-B8FC-AC1667EBCBE1}">
+                <a14:hiddenEffects xmlns:a14="http://schemas.microsoft.com/office/drawing/2010/main">
+                  <a:effectLst>
+                    <a:outerShdw dist="35921" dir="2700000" algn="ctr" rotWithShape="0">
+                      <a:schemeClr val="bg2"/>
+                    </a:outerShdw>
+                  </a:effectLst>
+                </a14:hiddenEffects>
+              </a:ext>
+            </a:extLst>
+          </p:spPr>
+          <p:txBody>
+            <a:bodyPr wrap="none">
+              <a:spAutoFit/>
+            </a:bodyPr>
+            <a:lstStyle/>
+            <a:p>
+              <a:r>
+                <a:rPr lang="en-US" altLang="zh-TW" sz="2400" u="sng" dirty="0">
                   <a:solidFill>
                     <a:schemeClr val="accent2">
                       <a:lumMod val="50000"/>
@@ -10991,7 +11655,24 @@
                   </a:effectLst>
                   <a:latin typeface="Times New Roman" panose="02020603050405020304" pitchFamily="18" charset="0"/>
                 </a:rPr>
-              </a:br>
+                <a:t> </a:t>
+              </a:r>
+              <a:r>
+                <a:rPr kumimoji="0" lang="en-US" altLang="zh-TW" sz="2400" u="sng" dirty="0">
+                  <a:solidFill>
+                    <a:schemeClr val="accent2">
+                      <a:lumMod val="50000"/>
+                    </a:schemeClr>
+                  </a:solidFill>
+                  <a:effectLst>
+                    <a:outerShdw blurRad="38100" dist="38100" dir="2700000" algn="tl">
+                      <a:srgbClr val="C0C0C0"/>
+                    </a:outerShdw>
+                  </a:effectLst>
+                  <a:latin typeface="Times New Roman" panose="02020603050405020304" pitchFamily="18" charset="0"/>
+                </a:rPr>
+                <a:t>Database</a:t>
+              </a:r>
               <a:r>
                 <a:rPr kumimoji="0" lang="en-US" altLang="zh-TW" sz="2400" dirty="0">
                   <a:solidFill>
@@ -11006,7 +11687,7 @@
                   </a:effectLst>
                   <a:latin typeface="Times New Roman" panose="02020603050405020304" pitchFamily="18" charset="0"/>
                 </a:rPr>
-                <a:t>on a relation.</a:t>
+                <a:t> query language.</a:t>
               </a:r>
             </a:p>
           </p:txBody>
@@ -11016,6 +11697,466 @@
     <p:extLst>
       <p:ext uri="{BB962C8B-B14F-4D97-AF65-F5344CB8AC3E}">
         <p14:creationId xmlns:p14="http://schemas.microsoft.com/office/powerpoint/2010/main" val="494064628"/>
+      </p:ext>
+    </p:extLst>
+  </p:cSld>
+  <p:clrMapOvr>
+    <a:masterClrMapping/>
+  </p:clrMapOvr>
+</p:sld>
+</file>
+
+<file path=ppt/slides/slide20.xml><?xml version="1.0" encoding="utf-8"?>
+<p:sld xmlns:a="http://schemas.openxmlformats.org/drawingml/2006/main" xmlns:r="http://schemas.openxmlformats.org/officeDocument/2006/relationships" xmlns:p="http://schemas.openxmlformats.org/presentationml/2006/main">
+  <p:cSld>
+    <p:spTree>
+      <p:nvGrpSpPr>
+        <p:cNvPr id="1" name=""/>
+        <p:cNvGrpSpPr/>
+        <p:nvPr/>
+      </p:nvGrpSpPr>
+      <p:grpSpPr>
+        <a:xfrm>
+          <a:off x="0" y="0"/>
+          <a:ext cx="0" cy="0"/>
+          <a:chOff x="0" y="0"/>
+          <a:chExt cx="0" cy="0"/>
+        </a:xfrm>
+      </p:grpSpPr>
+      <p:sp>
+        <p:nvSpPr>
+          <p:cNvPr id="2" name="Title 1">
+            <a:extLst>
+              <a:ext uri="{FF2B5EF4-FFF2-40B4-BE49-F238E27FC236}">
+                <a16:creationId xmlns:a16="http://schemas.microsoft.com/office/drawing/2014/main" id="{EF313522-8630-4151-AB9E-C1E334391886}"/>
+              </a:ext>
+            </a:extLst>
+          </p:cNvPr>
+          <p:cNvSpPr>
+            <a:spLocks noGrp="1"/>
+          </p:cNvSpPr>
+          <p:nvPr>
+            <p:ph type="title"/>
+          </p:nvPr>
+        </p:nvSpPr>
+        <p:spPr/>
+        <p:txBody>
+          <a:bodyPr/>
+          <a:lstStyle/>
+          <a:p>
+            <a:pPr algn="ctr"/>
+            <a:r>
+              <a:rPr lang="en-US" b="1" dirty="0"/>
+              <a:t>Tools for Querying and managing data</a:t>
+            </a:r>
+            <a:br>
+              <a:rPr lang="en-US" dirty="0"/>
+            </a:br>
+            <a:endParaRPr lang="en-US" dirty="0"/>
+          </a:p>
+        </p:txBody>
+      </p:sp>
+      <p:sp>
+        <p:nvSpPr>
+          <p:cNvPr id="5" name="TextBox 4">
+            <a:extLst>
+              <a:ext uri="{FF2B5EF4-FFF2-40B4-BE49-F238E27FC236}">
+                <a16:creationId xmlns:a16="http://schemas.microsoft.com/office/drawing/2014/main" id="{E3461AEC-5842-4C17-9A47-818E53591280}"/>
+              </a:ext>
+            </a:extLst>
+          </p:cNvPr>
+          <p:cNvSpPr txBox="1"/>
+          <p:nvPr/>
+        </p:nvSpPr>
+        <p:spPr>
+          <a:xfrm>
+            <a:off x="1270987" y="2015139"/>
+            <a:ext cx="9461667" cy="1815882"/>
+          </a:xfrm>
+          <a:prstGeom prst="rect">
+            <a:avLst/>
+          </a:prstGeom>
+          <a:noFill/>
+        </p:spPr>
+        <p:txBody>
+          <a:bodyPr wrap="square">
+            <a:spAutoFit/>
+          </a:bodyPr>
+          <a:lstStyle/>
+          <a:p>
+            <a:pPr marL="457200" indent="-457200">
+              <a:buFont typeface="Wingdings" panose="05000000000000000000" pitchFamily="2" charset="2"/>
+              <a:buChar char="q"/>
+            </a:pPr>
+            <a:r>
+              <a:rPr lang="en-US" sz="2800" b="1" dirty="0">
+                <a:solidFill>
+                  <a:srgbClr val="B02A37"/>
+                </a:solidFill>
+              </a:rPr>
+              <a:t>Some relational DBMS that use SQL</a:t>
+            </a:r>
+            <a:r>
+              <a:rPr lang="en-US" sz="2800" dirty="0">
+                <a:solidFill>
+                  <a:srgbClr val="002060"/>
+                </a:solidFill>
+              </a:rPr>
+              <a:t>: Oracle, Sybase, Microsoft SQL Server, Access, Ingres, etc. </a:t>
+            </a:r>
+          </a:p>
+          <a:p>
+            <a:endParaRPr lang="en-US" sz="2800" dirty="0">
+              <a:solidFill>
+                <a:srgbClr val="002060"/>
+              </a:solidFill>
+            </a:endParaRPr>
+          </a:p>
+          <a:p>
+            <a:pPr marL="457200" indent="-457200">
+              <a:buFont typeface="Wingdings" panose="05000000000000000000" pitchFamily="2" charset="2"/>
+              <a:buChar char="q"/>
+            </a:pPr>
+            <a:r>
+              <a:rPr lang="en-US" sz="2800" b="1" dirty="0">
+                <a:solidFill>
+                  <a:srgbClr val="B02A37"/>
+                </a:solidFill>
+              </a:rPr>
+              <a:t>SQL in DBMS </a:t>
+            </a:r>
+            <a:r>
+              <a:rPr lang="en-US" sz="2800" dirty="0">
+                <a:solidFill>
+                  <a:srgbClr val="002060"/>
+                </a:solidFill>
+              </a:rPr>
+              <a:t>- usually only used on their system.</a:t>
+            </a:r>
+          </a:p>
+        </p:txBody>
+      </p:sp>
+      <p:sp>
+        <p:nvSpPr>
+          <p:cNvPr id="6" name="TextBox 5">
+            <a:extLst>
+              <a:ext uri="{FF2B5EF4-FFF2-40B4-BE49-F238E27FC236}">
+                <a16:creationId xmlns:a16="http://schemas.microsoft.com/office/drawing/2014/main" id="{670D6EBB-B892-45D1-B85D-80D5519802A3}"/>
+              </a:ext>
+            </a:extLst>
+          </p:cNvPr>
+          <p:cNvSpPr txBox="1"/>
+          <p:nvPr/>
+        </p:nvSpPr>
+        <p:spPr>
+          <a:xfrm>
+            <a:off x="1270987" y="4130204"/>
+            <a:ext cx="10577793" cy="954107"/>
+          </a:xfrm>
+          <a:prstGeom prst="rect">
+            <a:avLst/>
+          </a:prstGeom>
+          <a:noFill/>
+        </p:spPr>
+        <p:txBody>
+          <a:bodyPr wrap="square" rtlCol="0">
+            <a:spAutoFit/>
+          </a:bodyPr>
+          <a:lstStyle/>
+          <a:p>
+            <a:pPr marL="457200" indent="-457200">
+              <a:buFont typeface="Wingdings" panose="05000000000000000000" pitchFamily="2" charset="2"/>
+              <a:buChar char="q"/>
+            </a:pPr>
+            <a:r>
+              <a:rPr lang="en-US" sz="2800" dirty="0">
+                <a:solidFill>
+                  <a:srgbClr val="B02A37"/>
+                </a:solidFill>
+              </a:rPr>
+              <a:t> </a:t>
+            </a:r>
+            <a:r>
+              <a:rPr lang="en-US" sz="2800" b="1" dirty="0">
+                <a:solidFill>
+                  <a:srgbClr val="B02A37"/>
+                </a:solidFill>
+              </a:rPr>
+              <a:t>Python and R </a:t>
+            </a:r>
+            <a:r>
+              <a:rPr lang="en-US" sz="2800" dirty="0">
+                <a:solidFill>
+                  <a:srgbClr val="002060"/>
+                </a:solidFill>
+              </a:rPr>
+              <a:t>have facilities to run SQL (at least use the common SQL clauses) to query and manage data. </a:t>
+            </a:r>
+          </a:p>
+        </p:txBody>
+      </p:sp>
+      <p:sp>
+        <p:nvSpPr>
+          <p:cNvPr id="7" name="TextBox 6">
+            <a:extLst>
+              <a:ext uri="{FF2B5EF4-FFF2-40B4-BE49-F238E27FC236}">
+                <a16:creationId xmlns:a16="http://schemas.microsoft.com/office/drawing/2014/main" id="{4EA1555C-C216-481D-88E6-199278959F53}"/>
+              </a:ext>
+            </a:extLst>
+          </p:cNvPr>
+          <p:cNvSpPr txBox="1"/>
+          <p:nvPr/>
+        </p:nvSpPr>
+        <p:spPr>
+          <a:xfrm>
+            <a:off x="1340748" y="5354479"/>
+            <a:ext cx="10657987" cy="954107"/>
+          </a:xfrm>
+          <a:prstGeom prst="rect">
+            <a:avLst/>
+          </a:prstGeom>
+          <a:noFill/>
+        </p:spPr>
+        <p:txBody>
+          <a:bodyPr wrap="square" rtlCol="0">
+            <a:spAutoFit/>
+          </a:bodyPr>
+          <a:lstStyle/>
+          <a:p>
+            <a:pPr marL="342900" indent="-342900">
+              <a:buFont typeface="Wingdings" panose="05000000000000000000" pitchFamily="2" charset="2"/>
+              <a:buChar char="q"/>
+            </a:pPr>
+            <a:r>
+              <a:rPr lang="en-US" sz="2800" dirty="0">
+                <a:solidFill>
+                  <a:srgbClr val="C00000"/>
+                </a:solidFill>
+              </a:rPr>
+              <a:t> </a:t>
+            </a:r>
+            <a:r>
+              <a:rPr lang="en-US" sz="2800" b="1" dirty="0">
+                <a:solidFill>
+                  <a:srgbClr val="C00000"/>
+                </a:solidFill>
+              </a:rPr>
+              <a:t>SAS PROC SQL </a:t>
+            </a:r>
+            <a:r>
+              <a:rPr lang="en-US" sz="2800" b="1" dirty="0">
+                <a:solidFill>
+                  <a:srgbClr val="002060"/>
+                </a:solidFill>
+              </a:rPr>
+              <a:t>-</a:t>
+            </a:r>
+            <a:r>
+              <a:rPr lang="en-US" sz="2800" b="1" dirty="0">
+                <a:solidFill>
+                  <a:srgbClr val="C00000"/>
+                </a:solidFill>
+              </a:rPr>
+              <a:t> </a:t>
+            </a:r>
+            <a:r>
+              <a:rPr lang="en-US" sz="2800" dirty="0">
+                <a:solidFill>
+                  <a:srgbClr val="002060"/>
+                </a:solidFill>
+              </a:rPr>
+              <a:t>query relational tables and define analytic data sets.</a:t>
+            </a:r>
+          </a:p>
+        </p:txBody>
+      </p:sp>
+    </p:spTree>
+    <p:extLst>
+      <p:ext uri="{BB962C8B-B14F-4D97-AF65-F5344CB8AC3E}">
+        <p14:creationId xmlns:p14="http://schemas.microsoft.com/office/powerpoint/2010/main" val="3476107851"/>
+      </p:ext>
+    </p:extLst>
+  </p:cSld>
+  <p:clrMapOvr>
+    <a:masterClrMapping/>
+  </p:clrMapOvr>
+</p:sld>
+</file>
+
+<file path=ppt/slides/slide21.xml><?xml version="1.0" encoding="utf-8"?>
+<p:sld xmlns:a="http://schemas.openxmlformats.org/drawingml/2006/main" xmlns:r="http://schemas.openxmlformats.org/officeDocument/2006/relationships" xmlns:p="http://schemas.openxmlformats.org/presentationml/2006/main">
+  <p:cSld>
+    <p:spTree>
+      <p:nvGrpSpPr>
+        <p:cNvPr id="1" name=""/>
+        <p:cNvGrpSpPr/>
+        <p:nvPr/>
+      </p:nvGrpSpPr>
+      <p:grpSpPr>
+        <a:xfrm>
+          <a:off x="0" y="0"/>
+          <a:ext cx="0" cy="0"/>
+          <a:chOff x="0" y="0"/>
+          <a:chExt cx="0" cy="0"/>
+        </a:xfrm>
+      </p:grpSpPr>
+      <p:sp>
+        <p:nvSpPr>
+          <p:cNvPr id="2" name="Title 1">
+            <a:extLst>
+              <a:ext uri="{FF2B5EF4-FFF2-40B4-BE49-F238E27FC236}">
+                <a16:creationId xmlns:a16="http://schemas.microsoft.com/office/drawing/2014/main" id="{9BC3EC60-280D-40BE-9F38-B7A0EAE81A57}"/>
+              </a:ext>
+            </a:extLst>
+          </p:cNvPr>
+          <p:cNvSpPr>
+            <a:spLocks noGrp="1"/>
+          </p:cNvSpPr>
+          <p:nvPr>
+            <p:ph type="title"/>
+          </p:nvPr>
+        </p:nvSpPr>
+        <p:spPr/>
+        <p:txBody>
+          <a:bodyPr/>
+          <a:lstStyle/>
+          <a:p>
+            <a:pPr algn="ctr"/>
+            <a:r>
+              <a:rPr lang="en-US" b="1" dirty="0"/>
+              <a:t>PROC SQL and PROC FEDSQL in SAS</a:t>
+            </a:r>
+            <a:br>
+              <a:rPr lang="en-US" dirty="0"/>
+            </a:br>
+            <a:endParaRPr lang="en-US" dirty="0"/>
+          </a:p>
+        </p:txBody>
+      </p:sp>
+      <p:sp>
+        <p:nvSpPr>
+          <p:cNvPr id="5" name="TextBox 4">
+            <a:extLst>
+              <a:ext uri="{FF2B5EF4-FFF2-40B4-BE49-F238E27FC236}">
+                <a16:creationId xmlns:a16="http://schemas.microsoft.com/office/drawing/2014/main" id="{46F0315C-ECF2-4F80-9288-AA79076DBCE2}"/>
+              </a:ext>
+            </a:extLst>
+          </p:cNvPr>
+          <p:cNvSpPr txBox="1"/>
+          <p:nvPr/>
+        </p:nvSpPr>
+        <p:spPr>
+          <a:xfrm>
+            <a:off x="1550560" y="2441108"/>
+            <a:ext cx="9318601" cy="1200329"/>
+          </a:xfrm>
+          <a:prstGeom prst="rect">
+            <a:avLst/>
+          </a:prstGeom>
+          <a:noFill/>
+        </p:spPr>
+        <p:txBody>
+          <a:bodyPr wrap="square">
+            <a:spAutoFit/>
+          </a:bodyPr>
+          <a:lstStyle/>
+          <a:p>
+            <a:pPr marL="342900" indent="-342900">
+              <a:buFont typeface="Wingdings" panose="05000000000000000000" pitchFamily="2" charset="2"/>
+              <a:buChar char="q"/>
+            </a:pPr>
+            <a:r>
+              <a:rPr lang="en-US" sz="2400" b="1" dirty="0"/>
+              <a:t>Structured Query Language (SQL) </a:t>
+            </a:r>
+          </a:p>
+          <a:p>
+            <a:r>
+              <a:rPr lang="en-US" sz="2400" dirty="0"/>
+              <a:t>    o   developed in the early 1970’s for managing data stored in RDBMS.  </a:t>
+            </a:r>
+          </a:p>
+          <a:p>
+            <a:r>
+              <a:rPr lang="en-US" sz="2400" dirty="0"/>
+              <a:t>    o   SQL was introduced into SAS as </a:t>
+            </a:r>
+            <a:r>
+              <a:rPr lang="en-US" sz="2400" b="1" dirty="0"/>
+              <a:t>PROC SQL</a:t>
+            </a:r>
+            <a:r>
+              <a:rPr lang="en-US" sz="2400" dirty="0"/>
+              <a:t> in 1990. </a:t>
+            </a:r>
+          </a:p>
+        </p:txBody>
+      </p:sp>
+      <p:sp>
+        <p:nvSpPr>
+          <p:cNvPr id="7" name="TextBox 6">
+            <a:extLst>
+              <a:ext uri="{FF2B5EF4-FFF2-40B4-BE49-F238E27FC236}">
+                <a16:creationId xmlns:a16="http://schemas.microsoft.com/office/drawing/2014/main" id="{0882A51E-E39F-46FB-80E4-E4495A4F6CDD}"/>
+              </a:ext>
+            </a:extLst>
+          </p:cNvPr>
+          <p:cNvSpPr txBox="1"/>
+          <p:nvPr/>
+        </p:nvSpPr>
+        <p:spPr>
+          <a:xfrm>
+            <a:off x="1633687" y="4250182"/>
+            <a:ext cx="10147586" cy="1200329"/>
+          </a:xfrm>
+          <a:prstGeom prst="rect">
+            <a:avLst/>
+          </a:prstGeom>
+          <a:noFill/>
+        </p:spPr>
+        <p:txBody>
+          <a:bodyPr wrap="square">
+            <a:spAutoFit/>
+          </a:bodyPr>
+          <a:lstStyle/>
+          <a:p>
+            <a:pPr marL="342900" indent="-342900">
+              <a:buFont typeface="Wingdings" panose="05000000000000000000" pitchFamily="2" charset="2"/>
+              <a:buChar char="q"/>
+            </a:pPr>
+            <a:r>
+              <a:rPr lang="en-US" sz="2400" b="1" dirty="0"/>
+              <a:t>SAS PROC FEDSQL </a:t>
+            </a:r>
+            <a:endParaRPr lang="en-US" sz="2400" dirty="0"/>
+          </a:p>
+          <a:p>
+            <a:r>
+              <a:rPr lang="en-US" sz="2400" dirty="0"/>
+              <a:t>    o  introduced in SAS 9.4 M3 in 2015.</a:t>
+            </a:r>
+          </a:p>
+          <a:p>
+            <a:r>
+              <a:rPr lang="en-US" sz="2400" dirty="0"/>
+              <a:t>    o  allows the processing of queries </a:t>
+            </a:r>
+            <a:r>
+              <a:rPr lang="en-US" sz="2400" dirty="0">
+                <a:solidFill>
+                  <a:srgbClr val="C00000"/>
+                </a:solidFill>
+              </a:rPr>
+              <a:t>other database(including RDBMS).</a:t>
+            </a:r>
+            <a:endParaRPr lang="en-US" sz="2400" dirty="0"/>
+          </a:p>
+        </p:txBody>
+      </p:sp>
+    </p:spTree>
+    <p:extLst>
+      <p:ext uri="{BB962C8B-B14F-4D97-AF65-F5344CB8AC3E}">
+        <p14:creationId xmlns:p14="http://schemas.microsoft.com/office/powerpoint/2010/main" val="1277434929"/>
       </p:ext>
     </p:extLst>
   </p:cSld>
@@ -11107,7 +12248,7 @@
         </p:spPr>
         <p:txBody>
           <a:bodyPr>
-            <a:normAutofit lnSpcReduction="10000"/>
+            <a:normAutofit/>
           </a:bodyPr>
           <a:lstStyle/>
           <a:p>
@@ -11117,7 +12258,7 @@
               </a:lnSpc>
             </a:pPr>
             <a:r>
-              <a:rPr lang="en-US" altLang="zh-TW" sz="2800" dirty="0">
+              <a:rPr lang="en-US" altLang="zh-TW" sz="3200" b="1" dirty="0">
                 <a:solidFill>
                   <a:srgbClr val="990000"/>
                 </a:solidFill>
@@ -11126,28 +12267,29 @@
             </a:r>
             <a:r>
               <a:rPr lang="en-US" altLang="zh-TW" sz="2800" dirty="0"/>
-              <a:t> – a </a:t>
-            </a:r>
-            <a:r>
-              <a:rPr lang="en-US" altLang="zh-TW" sz="2800" u="sng" dirty="0"/>
-              <a:t>collection of data</a:t>
+              <a:t> – a collection of </a:t>
+            </a:r>
+            <a:r>
+              <a:rPr lang="en-US" altLang="zh-TW" sz="2800" b="1" dirty="0">
+                <a:solidFill>
+                  <a:srgbClr val="006600"/>
+                </a:solidFill>
+              </a:rPr>
+              <a:t>logically coherent </a:t>
             </a:r>
             <a:r>
               <a:rPr lang="en-US" altLang="zh-TW" sz="2800" dirty="0"/>
-              <a:t> that is </a:t>
-            </a:r>
-            <a:r>
-              <a:rPr lang="en-US" altLang="zh-TW" sz="2800" dirty="0">
-                <a:solidFill>
-                  <a:srgbClr val="006600"/>
-                </a:solidFill>
-              </a:rPr>
-              <a:t>logically coherent</a:t>
-            </a:r>
-            <a:r>
-              <a:rPr lang="en-US" altLang="zh-TW" sz="2800" dirty="0"/>
-              <a:t>.</a:t>
-            </a:r>
+              <a:t>data tables.</a:t>
+            </a:r>
+          </a:p>
+          <a:p>
+            <a:pPr marL="0" indent="0">
+              <a:lnSpc>
+                <a:spcPct val="90000"/>
+              </a:lnSpc>
+              <a:buNone/>
+            </a:pPr>
+            <a:endParaRPr lang="en-US" altLang="zh-TW" dirty="0"/>
           </a:p>
           <a:p>
             <a:pPr>
@@ -11156,7 +12298,7 @@
               </a:lnSpc>
             </a:pPr>
             <a:r>
-              <a:rPr lang="en-US" altLang="zh-TW" sz="2800" dirty="0">
+              <a:rPr lang="en-US" altLang="zh-TW" sz="2800" b="1" dirty="0">
                 <a:solidFill>
                   <a:srgbClr val="990000"/>
                 </a:solidFill>
@@ -11164,11 +12306,11 @@
               <a:t>DBMS</a:t>
             </a:r>
             <a:r>
-              <a:rPr lang="en-US" altLang="zh-TW" sz="2800" dirty="0"/>
+              <a:rPr lang="en-US" altLang="zh-TW" sz="2800" b="1" dirty="0"/>
               <a:t> – </a:t>
             </a:r>
             <a:r>
-              <a:rPr lang="en-US" altLang="zh-TW" sz="2800" dirty="0">
+              <a:rPr lang="en-US" altLang="zh-TW" sz="2800" b="1" dirty="0">
                 <a:solidFill>
                   <a:srgbClr val="990000"/>
                 </a:solidFill>
@@ -11181,30 +12323,12 @@
               <a:lnSpc>
                 <a:spcPct val="90000"/>
               </a:lnSpc>
+              <a:buFont typeface="Courier New" panose="02070309020205020404" pitchFamily="49" charset="0"/>
+              <a:buChar char="o"/>
             </a:pPr>
             <a:r>
-              <a:rPr lang="en-US" altLang="zh-TW" sz="2400" u="sng" dirty="0"/>
-              <a:t>defines</a:t>
-            </a:r>
-            <a:r>
-              <a:rPr lang="en-US" altLang="zh-TW" sz="2400" dirty="0"/>
-              <a:t>, </a:t>
-            </a:r>
-            <a:r>
-              <a:rPr lang="en-US" altLang="zh-TW" sz="2400" u="sng" dirty="0"/>
-              <a:t>creates</a:t>
-            </a:r>
-            <a:r>
-              <a:rPr lang="en-US" altLang="zh-TW" sz="2400" dirty="0"/>
-              <a:t>, and </a:t>
-            </a:r>
-            <a:r>
-              <a:rPr lang="en-US" altLang="zh-TW" sz="2400" u="sng" dirty="0"/>
-              <a:t>maintains</a:t>
-            </a:r>
-            <a:r>
-              <a:rPr lang="en-US" altLang="zh-TW" sz="2400" dirty="0"/>
-              <a:t> a database.</a:t>
+              <a:rPr lang="en-US" altLang="zh-TW" sz="2800" dirty="0"/>
+              <a:t>defines, creates, and maintains a database.</a:t>
             </a:r>
           </a:p>
           <a:p>
@@ -11212,26 +12336,32 @@
               <a:lnSpc>
                 <a:spcPct val="90000"/>
               </a:lnSpc>
+              <a:buFont typeface="Courier New" panose="02070309020205020404" pitchFamily="49" charset="0"/>
+              <a:buChar char="o"/>
             </a:pPr>
             <a:r>
-              <a:rPr lang="en-US" altLang="zh-TW" sz="2400" dirty="0"/>
-              <a:t>Allows users </a:t>
-            </a:r>
-            <a:r>
-              <a:rPr lang="en-US" altLang="zh-TW" sz="2400" u="sng" dirty="0">
-                <a:solidFill>
-                  <a:srgbClr val="006600"/>
+              <a:rPr lang="en-US" altLang="zh-TW" sz="2800" dirty="0"/>
+              <a:t>allows </a:t>
+            </a:r>
+            <a:r>
+              <a:rPr lang="en-US" altLang="zh-TW" sz="2800" b="1" dirty="0">
+                <a:solidFill>
+                  <a:srgbClr val="0070C0"/>
                 </a:solidFill>
               </a:rPr>
-              <a:t>controlled</a:t>
-            </a:r>
-            <a:r>
-              <a:rPr lang="en-US" altLang="zh-TW" sz="2400" u="sng" dirty="0"/>
-              <a:t> access</a:t>
-            </a:r>
-            <a:r>
-              <a:rPr lang="en-US" altLang="zh-TW" sz="2400" dirty="0"/>
-              <a:t> to data in the database.</a:t>
+              <a:t>users-controlled access</a:t>
+            </a:r>
+            <a:r>
+              <a:rPr lang="en-US" altLang="zh-TW" sz="2800" dirty="0">
+                <a:solidFill>
+                  <a:srgbClr val="0070C0"/>
+                </a:solidFill>
+              </a:rPr>
+              <a:t> </a:t>
+            </a:r>
+            <a:r>
+              <a:rPr lang="en-US" altLang="zh-TW" sz="2800" dirty="0"/>
+              <a:t>to data in the database.</a:t>
             </a:r>
           </a:p>
           <a:p>
@@ -11239,87 +12369,22 @@
               <a:lnSpc>
                 <a:spcPct val="90000"/>
               </a:lnSpc>
+              <a:buFont typeface="Courier New" panose="02070309020205020404" pitchFamily="49" charset="0"/>
+              <a:buChar char="o"/>
             </a:pPr>
             <a:r>
-              <a:rPr lang="en-US" altLang="zh-TW" sz="2400" dirty="0"/>
-              <a:t>A combination of 5 components:</a:t>
-            </a:r>
-          </a:p>
-          <a:p>
-            <a:pPr lvl="2">
-              <a:lnSpc>
-                <a:spcPct val="90000"/>
-              </a:lnSpc>
-            </a:pPr>
-            <a:r>
-              <a:rPr lang="en-US" altLang="zh-TW" sz="2000" dirty="0">
+              <a:rPr lang="en-US" altLang="zh-TW" sz="2800" dirty="0"/>
+              <a:t>has 5 components: </a:t>
+            </a:r>
+            <a:r>
+              <a:rPr lang="en-US" altLang="zh-TW" sz="2800" dirty="0">
                 <a:solidFill>
                   <a:srgbClr val="990000"/>
                 </a:solidFill>
               </a:rPr>
-              <a:t>Hardware</a:t>
-            </a:r>
-          </a:p>
-          <a:p>
-            <a:pPr lvl="2">
-              <a:lnSpc>
-                <a:spcPct val="90000"/>
-              </a:lnSpc>
-            </a:pPr>
-            <a:r>
-              <a:rPr lang="en-US" altLang="zh-TW" sz="2000" dirty="0">
-                <a:solidFill>
-                  <a:srgbClr val="990000"/>
-                </a:solidFill>
-              </a:rPr>
-              <a:t>Software</a:t>
-            </a:r>
-          </a:p>
-          <a:p>
-            <a:pPr lvl="2">
-              <a:lnSpc>
-                <a:spcPct val="90000"/>
-              </a:lnSpc>
-            </a:pPr>
-            <a:r>
-              <a:rPr lang="en-US" altLang="zh-TW" sz="2000" dirty="0">
-                <a:solidFill>
-                  <a:srgbClr val="990000"/>
-                </a:solidFill>
-              </a:rPr>
-              <a:t>Data</a:t>
-            </a:r>
-          </a:p>
-          <a:p>
-            <a:pPr lvl="2">
-              <a:lnSpc>
-                <a:spcPct val="90000"/>
-              </a:lnSpc>
-            </a:pPr>
-            <a:r>
-              <a:rPr lang="en-US" altLang="zh-TW" sz="2000" dirty="0">
-                <a:solidFill>
-                  <a:srgbClr val="990000"/>
-                </a:solidFill>
-              </a:rPr>
-              <a:t>Users</a:t>
-            </a:r>
-          </a:p>
-          <a:p>
-            <a:pPr lvl="2">
-              <a:lnSpc>
-                <a:spcPct val="90000"/>
-              </a:lnSpc>
-            </a:pPr>
-            <a:r>
-              <a:rPr lang="en-US" altLang="zh-TW" sz="2000" dirty="0">
-                <a:solidFill>
-                  <a:srgbClr val="990000"/>
-                </a:solidFill>
-              </a:rPr>
-              <a:t>Procedures</a:t>
-            </a:r>
-            <a:endParaRPr lang="en-US" sz="3200" dirty="0">
+              <a:t>Hardware, Software, Data, Users, Procedures</a:t>
+            </a:r>
+            <a:endParaRPr lang="en-US" sz="2800" dirty="0">
               <a:solidFill>
                 <a:schemeClr val="accent2">
                   <a:lumMod val="75000"/>
@@ -11423,7 +12488,7 @@
         </p:blipFill>
         <p:spPr bwMode="auto">
           <a:xfrm>
-            <a:off x="5787646" y="2676224"/>
+            <a:off x="5325828" y="2646193"/>
             <a:ext cx="5823162" cy="3678238"/>
           </a:xfrm>
           <a:prstGeom prst="rect">
@@ -11478,8 +12543,8 @@
         </p:nvSpPr>
         <p:spPr>
           <a:xfrm>
-            <a:off x="466165" y="2985902"/>
-            <a:ext cx="4828134" cy="2419124"/>
+            <a:off x="475401" y="2676224"/>
+            <a:ext cx="4613835" cy="3194721"/>
           </a:xfrm>
           <a:prstGeom prst="rect">
             <a:avLst/>
@@ -11500,11 +12565,11 @@
               <a:buChar char="q"/>
             </a:pPr>
             <a:r>
-              <a:rPr lang="en-US" altLang="zh-TW" sz="2400" dirty="0"/>
-              <a:t>Data are organized in </a:t>
-            </a:r>
-            <a:r>
-              <a:rPr lang="en-US" altLang="zh-TW" sz="2400" dirty="0">
+              <a:rPr lang="en-US" altLang="zh-TW" sz="2800" dirty="0"/>
+              <a:t>   Data are organized in </a:t>
+            </a:r>
+            <a:r>
+              <a:rPr lang="en-US" altLang="zh-TW" sz="2800" dirty="0">
                 <a:solidFill>
                   <a:srgbClr val="006600"/>
                 </a:solidFill>
@@ -11512,11 +12577,11 @@
               <a:t>two-dimensional tables</a:t>
             </a:r>
             <a:r>
-              <a:rPr lang="en-US" altLang="zh-TW" sz="2400" dirty="0"/>
+              <a:rPr lang="en-US" altLang="zh-TW" sz="2800" dirty="0"/>
               <a:t> called </a:t>
             </a:r>
             <a:r>
-              <a:rPr lang="en-US" altLang="zh-TW" sz="2400" dirty="0">
+              <a:rPr lang="en-US" altLang="zh-TW" sz="2800" dirty="0">
                 <a:solidFill>
                   <a:srgbClr val="990000"/>
                 </a:solidFill>
@@ -11524,7 +12589,7 @@
               <a:t>relations</a:t>
             </a:r>
             <a:r>
-              <a:rPr lang="en-US" altLang="zh-TW" sz="2400" dirty="0"/>
+              <a:rPr lang="en-US" altLang="zh-TW" sz="2800" dirty="0"/>
               <a:t>.</a:t>
             </a:r>
           </a:p>
@@ -11536,7 +12601,7 @@
               <a:buFont typeface="Wingdings" panose="05000000000000000000" pitchFamily="2" charset="2"/>
               <a:buChar char="q"/>
             </a:pPr>
-            <a:endParaRPr lang="en-US" altLang="zh-TW" sz="2400" dirty="0"/>
+            <a:endParaRPr lang="en-US" altLang="zh-TW" sz="2800" dirty="0"/>
           </a:p>
           <a:p>
             <a:pPr marL="285750" indent="-285750">
@@ -11547,11 +12612,11 @@
               <a:buChar char="q"/>
             </a:pPr>
             <a:r>
-              <a:rPr lang="en-US" altLang="zh-TW" sz="2400" dirty="0"/>
-              <a:t>The tables are </a:t>
-            </a:r>
-            <a:r>
-              <a:rPr lang="en-US" altLang="zh-TW" sz="2400" dirty="0">
+              <a:rPr lang="en-US" altLang="zh-TW" sz="2800" dirty="0"/>
+              <a:t>   The tables are </a:t>
+            </a:r>
+            <a:r>
+              <a:rPr lang="en-US" altLang="zh-TW" sz="2800" dirty="0">
                 <a:solidFill>
                   <a:srgbClr val="006600"/>
                 </a:solidFill>
@@ -11559,7 +12624,7 @@
               <a:t>related</a:t>
             </a:r>
             <a:r>
-              <a:rPr lang="en-US" altLang="zh-TW" sz="2400" dirty="0"/>
+              <a:rPr lang="en-US" altLang="zh-TW" sz="2800" dirty="0"/>
               <a:t> to each other.</a:t>
             </a:r>
           </a:p>
@@ -11571,7 +12636,7 @@
               <a:buFont typeface="Wingdings" panose="05000000000000000000" pitchFamily="2" charset="2"/>
               <a:buChar char="q"/>
             </a:pPr>
-            <a:endParaRPr lang="en-US" altLang="zh-TW" sz="2400" dirty="0"/>
+            <a:endParaRPr lang="en-US" altLang="zh-TW" sz="2800" dirty="0"/>
           </a:p>
           <a:p>
             <a:pPr marL="285750" indent="-285750">
@@ -11582,8 +12647,8 @@
               <a:buChar char="q"/>
             </a:pPr>
             <a:r>
-              <a:rPr lang="en-US" altLang="zh-TW" sz="2400" dirty="0"/>
-              <a:t>The most popular model.</a:t>
+              <a:rPr lang="en-US" altLang="zh-TW" sz="2800" dirty="0"/>
+              <a:t>   The most popular model.</a:t>
             </a:r>
           </a:p>
         </p:txBody>
@@ -11606,7 +12671,13 @@
   <p:cSld>
     <p:spTree>
       <p:nvGrpSpPr>
-        <p:cNvPr id="1" name=""/>
+        <p:cNvPr id="1" name="">
+          <a:extLst>
+            <a:ext uri="{FF2B5EF4-FFF2-40B4-BE49-F238E27FC236}">
+              <a16:creationId xmlns:a16="http://schemas.microsoft.com/office/drawing/2014/main" id="{18431373-C320-3E6D-EF0B-413981BE6FCD}"/>
+            </a:ext>
+          </a:extLst>
+        </p:cNvPr>
         <p:cNvGrpSpPr/>
         <p:nvPr/>
       </p:nvGrpSpPr>
@@ -11623,7 +12694,7 @@
           <p:cNvPr id="2" name="Title 1">
             <a:extLst>
               <a:ext uri="{FF2B5EF4-FFF2-40B4-BE49-F238E27FC236}">
-                <a16:creationId xmlns:a16="http://schemas.microsoft.com/office/drawing/2014/main" id="{070AD918-D59A-4A15-B48B-540ABF639668}"/>
+                <a16:creationId xmlns:a16="http://schemas.microsoft.com/office/drawing/2014/main" id="{E34AA6FE-5D7F-BA4F-1A1D-94ED274FD890}"/>
               </a:ext>
             </a:extLst>
           </p:cNvPr>
@@ -11636,162 +12707,138 @@
         </p:nvSpPr>
         <p:spPr>
           <a:xfrm>
-            <a:off x="581192" y="702156"/>
-            <a:ext cx="11029616" cy="903807"/>
+            <a:off x="193003" y="702155"/>
+            <a:ext cx="11029616" cy="1013800"/>
           </a:xfrm>
         </p:spPr>
         <p:txBody>
-          <a:bodyPr>
-            <a:normAutofit fontScale="90000"/>
+          <a:bodyPr/>
+          <a:lstStyle/>
+          <a:p>
+            <a:pPr algn="ctr"/>
+            <a:r>
+              <a:rPr lang="en-US" b="1" dirty="0"/>
+              <a:t>Relational database: schemas</a:t>
+            </a:r>
+            <a:br>
+              <a:rPr lang="en-US" dirty="0"/>
+            </a:br>
+            <a:endParaRPr lang="en-US" dirty="0"/>
+          </a:p>
+        </p:txBody>
+      </p:sp>
+      <p:sp>
+        <p:nvSpPr>
+          <p:cNvPr id="8" name="TextBox 7">
+            <a:extLst>
+              <a:ext uri="{FF2B5EF4-FFF2-40B4-BE49-F238E27FC236}">
+                <a16:creationId xmlns:a16="http://schemas.microsoft.com/office/drawing/2014/main" id="{E9C6FF2F-D972-D52E-AE20-2F5090F67F3B}"/>
+              </a:ext>
+            </a:extLst>
+          </p:cNvPr>
+          <p:cNvSpPr txBox="1"/>
+          <p:nvPr/>
+        </p:nvSpPr>
+        <p:spPr>
+          <a:xfrm>
+            <a:off x="1533235" y="2369602"/>
+            <a:ext cx="8894620" cy="3908762"/>
+          </a:xfrm>
+          <a:prstGeom prst="rect">
+            <a:avLst/>
+          </a:prstGeom>
+          <a:noFill/>
+        </p:spPr>
+        <p:txBody>
+          <a:bodyPr wrap="square">
+            <a:spAutoFit/>
           </a:bodyPr>
           <a:lstStyle/>
           <a:p>
-            <a:pPr algn="ctr"/>
-            <a:r>
-              <a:rPr lang="en-US" altLang="zh-TW" b="1" dirty="0"/>
-              <a:t>Relational model</a:t>
-            </a:r>
-            <a:br>
-              <a:rPr lang="en-US" altLang="zh-TW" dirty="0">
-                <a:solidFill>
-                  <a:srgbClr val="990000"/>
-                </a:solidFill>
+            <a:pPr marL="285750" indent="-285750">
+              <a:buFont typeface="Wingdings" panose="05000000000000000000" pitchFamily="2" charset="2"/>
+              <a:buChar char="q"/>
+            </a:pPr>
+            <a:r>
+              <a:rPr lang="en-US" sz="2800" dirty="0"/>
+              <a:t>   </a:t>
+            </a:r>
+            <a:r>
+              <a:rPr lang="en-US" sz="2800" b="1" dirty="0">
+                <a:latin typeface="Calibri" panose="020F0502020204030204" pitchFamily="34" charset="0"/>
+                <a:cs typeface="Calibri" panose="020F0502020204030204" pitchFamily="34" charset="0"/>
               </a:rPr>
-            </a:br>
+              <a:t>A database schema  -  the “blueprint” of a database </a:t>
+            </a:r>
+          </a:p>
+          <a:p>
+            <a:endParaRPr lang="en-US" sz="800" dirty="0"/>
+          </a:p>
+          <a:p>
+            <a:r>
+              <a:rPr lang="en-US" sz="2400" dirty="0"/>
+              <a:t>            o  describes the relation to other tables or other data models. </a:t>
+            </a:r>
+          </a:p>
+          <a:p>
+            <a:r>
+              <a:rPr lang="en-US" sz="2400" dirty="0"/>
+              <a:t>            o  does not actually contain data.</a:t>
+            </a:r>
+          </a:p>
+          <a:p>
             <a:endParaRPr lang="en-US" dirty="0"/>
           </a:p>
-        </p:txBody>
-      </p:sp>
-      <p:sp>
-        <p:nvSpPr>
-          <p:cNvPr id="3" name="Content Placeholder 2">
-            <a:extLst>
-              <a:ext uri="{FF2B5EF4-FFF2-40B4-BE49-F238E27FC236}">
-                <a16:creationId xmlns:a16="http://schemas.microsoft.com/office/drawing/2014/main" id="{ACD10C17-1C03-4826-8750-04642075FC69}"/>
-              </a:ext>
-            </a:extLst>
-          </p:cNvPr>
-          <p:cNvSpPr>
-            <a:spLocks noGrp="1"/>
-          </p:cNvSpPr>
-          <p:nvPr>
-            <p:ph idx="1"/>
-          </p:nvPr>
-        </p:nvSpPr>
-        <p:spPr/>
-        <p:txBody>
-          <a:bodyPr/>
-          <a:lstStyle/>
-          <a:p>
-            <a:r>
-              <a:rPr lang="en-US" altLang="zh-TW" sz="2800" dirty="0">
-                <a:solidFill>
-                  <a:srgbClr val="990000"/>
-                </a:solidFill>
+          <a:p>
+            <a:pPr marL="285750" indent="-285750">
+              <a:buFont typeface="Wingdings" panose="05000000000000000000" pitchFamily="2" charset="2"/>
+              <a:buChar char="q"/>
+            </a:pPr>
+            <a:r>
+              <a:rPr lang="en-US" sz="2800" b="1" dirty="0">
+                <a:latin typeface="Calibri" panose="020F0502020204030204" pitchFamily="34" charset="0"/>
+                <a:cs typeface="Calibri" panose="020F0502020204030204" pitchFamily="34" charset="0"/>
               </a:rPr>
-              <a:t>RDBMS (Relational Database Management System)</a:t>
-            </a:r>
-          </a:p>
-          <a:p>
-            <a:r>
-              <a:rPr lang="en-US" altLang="zh-TW" sz="2800" dirty="0"/>
-              <a:t>external view</a:t>
-            </a:r>
-          </a:p>
-          <a:p>
-            <a:pPr lvl="1"/>
-            <a:r>
-              <a:rPr lang="en-US" altLang="zh-TW" sz="2400" dirty="0"/>
-              <a:t>The data are represented as a </a:t>
-            </a:r>
-            <a:r>
-              <a:rPr lang="en-US" altLang="zh-TW" sz="2400" u="sng" dirty="0"/>
-              <a:t>set of relations</a:t>
-            </a:r>
-            <a:r>
-              <a:rPr lang="en-US" altLang="zh-TW" sz="2400" dirty="0"/>
-              <a:t>. </a:t>
-            </a:r>
-          </a:p>
-          <a:p>
-            <a:pPr lvl="1"/>
-            <a:r>
-              <a:rPr lang="en-US" altLang="zh-TW" sz="2400" dirty="0"/>
-              <a:t>A </a:t>
-            </a:r>
-            <a:r>
-              <a:rPr lang="en-US" altLang="zh-TW" sz="2400" dirty="0">
-                <a:solidFill>
-                  <a:srgbClr val="990000"/>
-                </a:solidFill>
+              <a:t>   A data instance - sample of data from a database at a  </a:t>
+            </a:r>
+          </a:p>
+          <a:p>
+            <a:r>
+              <a:rPr lang="en-US" sz="2800" b="1" dirty="0">
+                <a:latin typeface="Calibri" panose="020F0502020204030204" pitchFamily="34" charset="0"/>
+                <a:cs typeface="Calibri" panose="020F0502020204030204" pitchFamily="34" charset="0"/>
               </a:rPr>
-              <a:t>relation</a:t>
-            </a:r>
-            <a:r>
-              <a:rPr lang="en-US" altLang="zh-TW" sz="2400" dirty="0"/>
-              <a:t> is a </a:t>
-            </a:r>
-            <a:r>
-              <a:rPr lang="en-US" altLang="zh-TW" sz="2400" u="sng" dirty="0"/>
-              <a:t>two-dimensional table</a:t>
-            </a:r>
-            <a:r>
-              <a:rPr lang="en-US" altLang="zh-TW" sz="2400" dirty="0"/>
-              <a:t>.</a:t>
-            </a:r>
-          </a:p>
-          <a:p>
-            <a:r>
-              <a:rPr lang="en-US" altLang="zh-TW" sz="2800" dirty="0"/>
-              <a:t>This </a:t>
-            </a:r>
-            <a:r>
-              <a:rPr lang="en-US" altLang="zh-TW" sz="2800" dirty="0">
-                <a:solidFill>
-                  <a:srgbClr val="006600"/>
-                </a:solidFill>
+              <a:t>       single moment in time.</a:t>
+            </a:r>
+          </a:p>
+          <a:p>
+            <a:endParaRPr lang="en-US" dirty="0"/>
+          </a:p>
+          <a:p>
+            <a:r>
+              <a:rPr lang="en-US" sz="2400" dirty="0">
+                <a:latin typeface="Calibri" panose="020F0502020204030204" pitchFamily="34" charset="0"/>
+                <a:cs typeface="Calibri" panose="020F0502020204030204" pitchFamily="34" charset="0"/>
               </a:rPr>
-              <a:t>doesn’t</a:t>
-            </a:r>
-            <a:r>
-              <a:rPr lang="en-US" altLang="zh-TW" sz="2800" dirty="0"/>
-              <a:t> mean that </a:t>
-            </a:r>
-            <a:r>
-              <a:rPr lang="en-US" altLang="zh-TW" sz="2800" u="sng" dirty="0"/>
-              <a:t>data are stored as tables!</a:t>
-            </a:r>
-            <a:r>
-              <a:rPr lang="en-US" altLang="zh-TW" sz="2800" dirty="0"/>
-              <a:t>  The </a:t>
-            </a:r>
-            <a:r>
-              <a:rPr lang="en-US" altLang="zh-TW" sz="2800" u="sng" dirty="0"/>
-              <a:t>physical storage of the data</a:t>
-            </a:r>
-            <a:r>
-              <a:rPr lang="en-US" altLang="zh-TW" sz="2800" dirty="0"/>
-              <a:t> is </a:t>
-            </a:r>
-            <a:r>
-              <a:rPr lang="en-US" altLang="zh-TW" sz="2800" dirty="0">
-                <a:solidFill>
-                  <a:srgbClr val="006600"/>
-                </a:solidFill>
+              <a:t>              o   contains all the properties described in schema. </a:t>
+            </a:r>
+          </a:p>
+          <a:p>
+            <a:r>
+              <a:rPr lang="en-US" sz="2400" dirty="0">
+                <a:latin typeface="Calibri" panose="020F0502020204030204" pitchFamily="34" charset="0"/>
+                <a:cs typeface="Calibri" panose="020F0502020204030204" pitchFamily="34" charset="0"/>
               </a:rPr>
-              <a:t>independent</a:t>
-            </a:r>
-            <a:r>
-              <a:rPr lang="en-US" altLang="zh-TW" sz="2800" dirty="0"/>
-              <a:t> of </a:t>
-            </a:r>
-            <a:r>
-              <a:rPr lang="en-US" altLang="zh-TW" sz="2800" u="sng" dirty="0"/>
-              <a:t>the way the data are logically organized</a:t>
-            </a:r>
-            <a:r>
-              <a:rPr lang="en-US" altLang="zh-TW" sz="2800" dirty="0"/>
-              <a:t>.</a:t>
+              <a:t>              o   is just a snapshot at a given moment. </a:t>
+            </a:r>
+          </a:p>
+          <a:p>
+            <a:r>
+              <a:rPr lang="en-US" sz="2400" dirty="0">
+                <a:latin typeface="Calibri" panose="020F0502020204030204" pitchFamily="34" charset="0"/>
+                <a:cs typeface="Calibri" panose="020F0502020204030204" pitchFamily="34" charset="0"/>
+              </a:rPr>
+              <a:t>              o   changes over time, unlike database schemas.</a:t>
             </a:r>
           </a:p>
         </p:txBody>
@@ -11799,7 +12846,7 @@
     </p:spTree>
     <p:extLst>
       <p:ext uri="{BB962C8B-B14F-4D97-AF65-F5344CB8AC3E}">
-        <p14:creationId xmlns:p14="http://schemas.microsoft.com/office/powerpoint/2010/main" val="1970553199"/>
+        <p14:creationId xmlns:p14="http://schemas.microsoft.com/office/powerpoint/2010/main" val="4048284803"/>
       </p:ext>
     </p:extLst>
   </p:cSld>
@@ -11814,7 +12861,13 @@
   <p:cSld>
     <p:spTree>
       <p:nvGrpSpPr>
-        <p:cNvPr id="1" name=""/>
+        <p:cNvPr id="1" name="">
+          <a:extLst>
+            <a:ext uri="{FF2B5EF4-FFF2-40B4-BE49-F238E27FC236}">
+              <a16:creationId xmlns:a16="http://schemas.microsoft.com/office/drawing/2014/main" id="{8267E346-ED9E-7555-0768-C9792AAFB0DC}"/>
+            </a:ext>
+          </a:extLst>
+        </p:cNvPr>
         <p:cNvGrpSpPr/>
         <p:nvPr/>
       </p:nvGrpSpPr>
@@ -11831,7 +12884,7 @@
           <p:cNvPr id="2" name="Title 1">
             <a:extLst>
               <a:ext uri="{FF2B5EF4-FFF2-40B4-BE49-F238E27FC236}">
-                <a16:creationId xmlns:a16="http://schemas.microsoft.com/office/drawing/2014/main" id="{AD51662C-3855-4169-B577-AFB111CAA3CD}"/>
+                <a16:creationId xmlns:a16="http://schemas.microsoft.com/office/drawing/2014/main" id="{E584EC42-96C0-4036-C342-C1877F31D121}"/>
               </a:ext>
             </a:extLst>
           </p:cNvPr>
@@ -11842,23 +12895,23 @@
             <p:ph type="title"/>
           </p:nvPr>
         </p:nvSpPr>
-        <p:spPr/>
+        <p:spPr>
+          <a:xfrm>
+            <a:off x="193003" y="702155"/>
+            <a:ext cx="11029616" cy="1013800"/>
+          </a:xfrm>
+        </p:spPr>
         <p:txBody>
           <a:bodyPr/>
           <a:lstStyle/>
           <a:p>
             <a:pPr algn="ctr"/>
             <a:r>
-              <a:rPr kumimoji="0" lang="en-US" altLang="zh-TW" sz="2800" b="1" dirty="0"/>
-              <a:t>Relation</a:t>
+              <a:rPr lang="en-US" b="1" dirty="0"/>
+              <a:t>Relational database: schemas</a:t>
             </a:r>
             <a:br>
-              <a:rPr kumimoji="0" lang="en-US" altLang="zh-TW" sz="2800" b="1" dirty="0">
-                <a:solidFill>
-                  <a:srgbClr val="990000"/>
-                </a:solidFill>
-                <a:latin typeface="Times New Roman" panose="02020603050405020304" pitchFamily="18" charset="0"/>
-              </a:rPr>
+              <a:rPr lang="en-US" dirty="0"/>
             </a:br>
             <a:endParaRPr lang="en-US" dirty="0"/>
           </a:p>
@@ -11866,10 +12919,10 @@
       </p:sp>
       <p:pic>
         <p:nvPicPr>
-          <p:cNvPr id="4" name="Picture 8">
+          <p:cNvPr id="5" name="Picture 2" descr="http://oi40.tinypic.com/15x21ig.jpg">
             <a:extLst>
               <a:ext uri="{FF2B5EF4-FFF2-40B4-BE49-F238E27FC236}">
-                <a16:creationId xmlns:a16="http://schemas.microsoft.com/office/drawing/2014/main" id="{6B0F66D8-63E8-4C1C-9349-F9453BF670F1}"/>
+                <a16:creationId xmlns:a16="http://schemas.microsoft.com/office/drawing/2014/main" id="{7BFD629B-4C43-EC5D-B43A-B91360A89C89}"/>
               </a:ext>
             </a:extLst>
           </p:cNvPr>
@@ -11893,8 +12946,8 @@
         </p:blipFill>
         <p:spPr bwMode="auto">
           <a:xfrm>
-            <a:off x="3922420" y="4218535"/>
-            <a:ext cx="4218259" cy="2420892"/>
+            <a:off x="523335" y="1715955"/>
+            <a:ext cx="11346611" cy="5092700"/>
           </a:xfrm>
           <a:prstGeom prst="rect">
             <a:avLst/>
@@ -11903,221 +12956,31 @@
           <a:ln>
             <a:noFill/>
           </a:ln>
-          <a:effectLst/>
           <a:extLst>
             <a:ext uri="{909E8E84-426E-40DD-AFC4-6F175D3DCCD1}">
               <a14:hiddenFill xmlns:a14="http://schemas.microsoft.com/office/drawing/2010/main">
                 <a:solidFill>
-                  <a:schemeClr val="accent1"/>
+                  <a:srgbClr val="FFFFFF"/>
                 </a:solidFill>
               </a14:hiddenFill>
             </a:ext>
             <a:ext uri="{91240B29-F687-4F45-9708-019B960494DF}">
               <a14:hiddenLine xmlns:a14="http://schemas.microsoft.com/office/drawing/2010/main" w="9525">
                 <a:solidFill>
-                  <a:schemeClr val="tx1"/>
+                  <a:srgbClr val="000000"/>
                 </a:solidFill>
                 <a:miter lim="800000"/>
                 <a:headEnd/>
                 <a:tailEnd/>
               </a14:hiddenLine>
             </a:ext>
-            <a:ext uri="{AF507438-7753-43E0-B8FC-AC1667EBCBE1}">
-              <a14:hiddenEffects xmlns:a14="http://schemas.microsoft.com/office/drawing/2010/main">
-                <a:effectLst>
-                  <a:outerShdw dist="35921" dir="2700000" algn="ctr" rotWithShape="0">
-                    <a:schemeClr val="bg2"/>
-                  </a:outerShdw>
-                </a:effectLst>
-              </a14:hiddenEffects>
-            </a:ext>
           </a:extLst>
         </p:spPr>
       </p:pic>
-      <p:sp>
-        <p:nvSpPr>
-          <p:cNvPr id="6" name="TextBox 5">
-            <a:extLst>
-              <a:ext uri="{FF2B5EF4-FFF2-40B4-BE49-F238E27FC236}">
-                <a16:creationId xmlns:a16="http://schemas.microsoft.com/office/drawing/2014/main" id="{10E0056E-09C8-450D-9D18-5413DBD6D4AB}"/>
-              </a:ext>
-            </a:extLst>
-          </p:cNvPr>
-          <p:cNvSpPr txBox="1"/>
-          <p:nvPr/>
-        </p:nvSpPr>
-        <p:spPr>
-          <a:xfrm>
-            <a:off x="516741" y="1889907"/>
-            <a:ext cx="11029616" cy="2062103"/>
-          </a:xfrm>
-          <a:prstGeom prst="rect">
-            <a:avLst/>
-          </a:prstGeom>
-          <a:noFill/>
-        </p:spPr>
-        <p:txBody>
-          <a:bodyPr wrap="square">
-            <a:spAutoFit/>
-          </a:bodyPr>
-          <a:lstStyle/>
-          <a:p>
-            <a:r>
-              <a:rPr lang="en-US" altLang="zh-TW" sz="2400" dirty="0">
-                <a:solidFill>
-                  <a:srgbClr val="990000"/>
-                </a:solidFill>
-              </a:rPr>
-              <a:t>Name</a:t>
-            </a:r>
-            <a:r>
-              <a:rPr lang="en-US" altLang="zh-TW" sz="2400" dirty="0"/>
-              <a:t> – </a:t>
-            </a:r>
-            <a:r>
-              <a:rPr lang="en-US" altLang="zh-TW" sz="2000" dirty="0"/>
-              <a:t>each relation in a relational database should have a name that is </a:t>
-            </a:r>
-            <a:r>
-              <a:rPr lang="en-US" altLang="zh-TW" sz="2000" dirty="0">
-                <a:solidFill>
-                  <a:srgbClr val="006600"/>
-                </a:solidFill>
-              </a:rPr>
-              <a:t>unique</a:t>
-            </a:r>
-            <a:r>
-              <a:rPr lang="en-US" altLang="zh-TW" sz="2000" dirty="0"/>
-              <a:t> among other relations.</a:t>
-            </a:r>
-          </a:p>
-          <a:p>
-            <a:endParaRPr lang="en-US" altLang="zh-TW" sz="800" dirty="0"/>
-          </a:p>
-          <a:p>
-            <a:r>
-              <a:rPr lang="en-US" altLang="zh-TW" sz="2400" dirty="0">
-                <a:solidFill>
-                  <a:srgbClr val="990000"/>
-                </a:solidFill>
-              </a:rPr>
-              <a:t>Attribute</a:t>
-            </a:r>
-            <a:r>
-              <a:rPr lang="en-US" altLang="zh-TW" sz="2400" dirty="0"/>
-              <a:t> – each </a:t>
-            </a:r>
-            <a:r>
-              <a:rPr lang="en-US" altLang="zh-TW" sz="2400" dirty="0">
-                <a:solidFill>
-                  <a:srgbClr val="006600"/>
-                </a:solidFill>
-              </a:rPr>
-              <a:t>column</a:t>
-            </a:r>
-            <a:r>
-              <a:rPr lang="en-US" altLang="zh-TW" sz="2400" dirty="0"/>
-              <a:t> in a relation. </a:t>
-            </a:r>
-          </a:p>
-          <a:p>
-            <a:pPr lvl="1"/>
-            <a:r>
-              <a:rPr lang="en-US" altLang="zh-TW" sz="2000" dirty="0"/>
-              <a:t>The </a:t>
-            </a:r>
-            <a:r>
-              <a:rPr lang="en-US" altLang="zh-TW" sz="2000" u="sng" dirty="0">
-                <a:solidFill>
-                  <a:srgbClr val="990000"/>
-                </a:solidFill>
-              </a:rPr>
-              <a:t>degree</a:t>
-            </a:r>
-            <a:r>
-              <a:rPr lang="en-US" altLang="zh-TW" sz="2000" u="sng" dirty="0"/>
-              <a:t> of the relation</a:t>
-            </a:r>
-            <a:r>
-              <a:rPr lang="en-US" altLang="zh-TW" sz="2000" dirty="0"/>
-              <a:t> – the total </a:t>
-            </a:r>
-            <a:r>
-              <a:rPr lang="en-US" altLang="zh-TW" sz="2000" u="sng" dirty="0"/>
-              <a:t>number of attributes</a:t>
-            </a:r>
-            <a:r>
-              <a:rPr lang="en-US" altLang="zh-TW" sz="2000" dirty="0"/>
-              <a:t> for a relation.</a:t>
-            </a:r>
-          </a:p>
-          <a:p>
-            <a:pPr lvl="1"/>
-            <a:endParaRPr lang="en-US" altLang="zh-TW" sz="800" dirty="0"/>
-          </a:p>
-          <a:p>
-            <a:r>
-              <a:rPr lang="en-US" altLang="zh-TW" sz="2400" dirty="0">
-                <a:solidFill>
-                  <a:srgbClr val="990000"/>
-                </a:solidFill>
-              </a:rPr>
-              <a:t>Tuple</a:t>
-            </a:r>
-            <a:r>
-              <a:rPr lang="en-US" altLang="zh-TW" sz="2400" dirty="0"/>
-              <a:t> – each </a:t>
-            </a:r>
-            <a:r>
-              <a:rPr lang="en-US" altLang="zh-TW" sz="2400" dirty="0">
-                <a:solidFill>
-                  <a:srgbClr val="006600"/>
-                </a:solidFill>
-              </a:rPr>
-              <a:t>row</a:t>
-            </a:r>
-            <a:r>
-              <a:rPr lang="en-US" altLang="zh-TW" sz="2400" dirty="0"/>
-              <a:t> in a relation.</a:t>
-            </a:r>
-          </a:p>
-          <a:p>
-            <a:pPr lvl="1"/>
-            <a:r>
-              <a:rPr lang="en-US" altLang="zh-TW" sz="2000" dirty="0"/>
-              <a:t>The </a:t>
-            </a:r>
-            <a:r>
-              <a:rPr lang="en-US" altLang="zh-TW" sz="2000" u="sng" dirty="0">
-                <a:solidFill>
-                  <a:srgbClr val="990000"/>
-                </a:solidFill>
-              </a:rPr>
-              <a:t>cardinality</a:t>
-            </a:r>
-            <a:r>
-              <a:rPr lang="en-US" altLang="zh-TW" sz="2000" u="sng" dirty="0"/>
-              <a:t> of the relation</a:t>
-            </a:r>
-            <a:r>
-              <a:rPr lang="en-US" altLang="zh-TW" sz="2000" dirty="0"/>
-              <a:t> – the total </a:t>
-            </a:r>
-            <a:r>
-              <a:rPr lang="en-US" altLang="zh-TW" sz="2000" u="sng" dirty="0"/>
-              <a:t>number of rows</a:t>
-            </a:r>
-            <a:r>
-              <a:rPr lang="en-US" altLang="zh-TW" sz="2000" dirty="0"/>
-              <a:t> in a relation. </a:t>
-            </a:r>
-          </a:p>
-        </p:txBody>
-      </p:sp>
     </p:spTree>
     <p:extLst>
       <p:ext uri="{BB962C8B-B14F-4D97-AF65-F5344CB8AC3E}">
-        <p14:creationId xmlns:p14="http://schemas.microsoft.com/office/powerpoint/2010/main" val="1799473825"/>
+        <p14:creationId xmlns:p14="http://schemas.microsoft.com/office/powerpoint/2010/main" val="2504802040"/>
       </p:ext>
     </p:extLst>
   </p:cSld>
@@ -12149,7 +13012,7 @@
           <p:cNvPr id="2" name="Title 1">
             <a:extLst>
               <a:ext uri="{FF2B5EF4-FFF2-40B4-BE49-F238E27FC236}">
-                <a16:creationId xmlns:a16="http://schemas.microsoft.com/office/drawing/2014/main" id="{602F4CCE-22A6-4638-AA93-2D6F2FAC98D6}"/>
+                <a16:creationId xmlns:a16="http://schemas.microsoft.com/office/drawing/2014/main" id="{070AD918-D59A-4A15-B48B-540ABF639668}"/>
               </a:ext>
             </a:extLst>
           </p:cNvPr>
@@ -12162,21 +13025,27 @@
         </p:nvSpPr>
         <p:spPr>
           <a:xfrm>
-            <a:off x="658032" y="630212"/>
-            <a:ext cx="11029616" cy="1013800"/>
+            <a:off x="581192" y="702156"/>
+            <a:ext cx="11029616" cy="903807"/>
           </a:xfrm>
         </p:spPr>
         <p:txBody>
-          <a:bodyPr/>
+          <a:bodyPr>
+            <a:normAutofit fontScale="90000"/>
+          </a:bodyPr>
           <a:lstStyle/>
           <a:p>
             <a:pPr algn="ctr"/>
             <a:r>
               <a:rPr lang="en-US" altLang="zh-TW" b="1" dirty="0"/>
-              <a:t>Operations on relations</a:t>
+              <a:t>Relational model</a:t>
             </a:r>
             <a:br>
-              <a:rPr lang="en-US" altLang="zh-TW" dirty="0"/>
+              <a:rPr lang="en-US" altLang="zh-TW" dirty="0">
+                <a:solidFill>
+                  <a:srgbClr val="990000"/>
+                </a:solidFill>
+              </a:rPr>
             </a:br>
             <a:endParaRPr lang="en-US" dirty="0"/>
           </a:p>
@@ -12184,98 +13053,164 @@
       </p:sp>
       <p:sp>
         <p:nvSpPr>
-          <p:cNvPr id="5" name="TextBox 4">
+          <p:cNvPr id="3" name="Content Placeholder 2">
             <a:extLst>
               <a:ext uri="{FF2B5EF4-FFF2-40B4-BE49-F238E27FC236}">
-                <a16:creationId xmlns:a16="http://schemas.microsoft.com/office/drawing/2014/main" id="{6298AD0F-0C39-48E8-AA3B-8DEF2D5BC4F3}"/>
+                <a16:creationId xmlns:a16="http://schemas.microsoft.com/office/drawing/2014/main" id="{ACD10C17-1C03-4826-8750-04642075FC69}"/>
               </a:ext>
             </a:extLst>
           </p:cNvPr>
-          <p:cNvSpPr txBox="1"/>
-          <p:nvPr/>
+          <p:cNvSpPr>
+            <a:spLocks noGrp="1"/>
+          </p:cNvSpPr>
+          <p:nvPr>
+            <p:ph idx="1"/>
+          </p:nvPr>
         </p:nvSpPr>
         <p:spPr>
           <a:xfrm>
-            <a:off x="1359113" y="2448395"/>
-            <a:ext cx="9473773" cy="2806922"/>
+            <a:off x="1541774" y="2319042"/>
+            <a:ext cx="9615753" cy="3678303"/>
           </a:xfrm>
-          <a:prstGeom prst="rect">
-            <a:avLst/>
-          </a:prstGeom>
-          <a:noFill/>
         </p:spPr>
         <p:txBody>
-          <a:bodyPr wrap="square">
-            <a:spAutoFit/>
+          <a:bodyPr>
+            <a:normAutofit fontScale="92500" lnSpcReduction="10000"/>
           </a:bodyPr>
           <a:lstStyle/>
           <a:p>
-            <a:pPr marL="342900" indent="-342900">
-              <a:lnSpc>
-                <a:spcPct val="90000"/>
-              </a:lnSpc>
-              <a:buFont typeface="Wingdings" panose="05000000000000000000" pitchFamily="2" charset="2"/>
-              <a:buChar char="q"/>
+            <a:r>
+              <a:rPr lang="en-US" altLang="zh-TW" sz="3000" b="1" dirty="0">
+                <a:solidFill>
+                  <a:srgbClr val="B02A37"/>
+                </a:solidFill>
+              </a:rPr>
+              <a:t>RDBMS</a:t>
+            </a:r>
+            <a:r>
+              <a:rPr lang="en-US" altLang="zh-TW" sz="3000" b="1" dirty="0">
+                <a:solidFill>
+                  <a:srgbClr val="990000"/>
+                </a:solidFill>
+              </a:rPr>
+              <a:t> </a:t>
+            </a:r>
+            <a:r>
+              <a:rPr lang="en-US" altLang="zh-TW" sz="3000" dirty="0">
+                <a:solidFill>
+                  <a:srgbClr val="990000"/>
+                </a:solidFill>
+              </a:rPr>
+              <a:t>(Relational Database Management System)</a:t>
+            </a:r>
+          </a:p>
+          <a:p>
+            <a:pPr marL="0" indent="0">
+              <a:buNone/>
             </a:pPr>
-            <a:r>
-              <a:rPr lang="en-US" altLang="zh-TW" sz="2800" dirty="0"/>
-              <a:t>In a relational database, we can define several operations to </a:t>
-            </a:r>
-            <a:r>
-              <a:rPr lang="en-US" altLang="zh-TW" sz="2800" u="sng" dirty="0"/>
-              <a:t>create new relations</a:t>
-            </a:r>
-            <a:r>
-              <a:rPr lang="en-US" altLang="zh-TW" sz="2800" dirty="0"/>
-              <a:t> out of the existing ones.</a:t>
-            </a:r>
-          </a:p>
-          <a:p>
-            <a:pPr>
-              <a:lnSpc>
-                <a:spcPct val="90000"/>
-              </a:lnSpc>
-            </a:pPr>
-            <a:endParaRPr lang="en-US" altLang="zh-TW" sz="2800" dirty="0"/>
-          </a:p>
-          <a:p>
-            <a:pPr marL="342900" indent="-342900">
-              <a:lnSpc>
-                <a:spcPct val="90000"/>
-              </a:lnSpc>
-              <a:buFont typeface="Wingdings" panose="05000000000000000000" pitchFamily="2" charset="2"/>
-              <a:buChar char="q"/>
-            </a:pPr>
-            <a:r>
-              <a:rPr lang="en-US" altLang="zh-TW" sz="2800" dirty="0"/>
-              <a:t>Basic operations:</a:t>
-            </a:r>
-          </a:p>
-          <a:p>
-            <a:pPr lvl="1">
-              <a:lnSpc>
-                <a:spcPct val="90000"/>
-              </a:lnSpc>
-            </a:pPr>
-            <a:endParaRPr lang="en-US" altLang="zh-TW" sz="2800" dirty="0">
+            <a:endParaRPr lang="en-US" altLang="zh-TW" sz="900" dirty="0">
               <a:solidFill>
                 <a:srgbClr val="990000"/>
               </a:solidFill>
             </a:endParaRPr>
           </a:p>
           <a:p>
-            <a:pPr lvl="1">
-              <a:lnSpc>
-                <a:spcPct val="90000"/>
-              </a:lnSpc>
+            <a:r>
+              <a:rPr lang="en-US" altLang="zh-TW" sz="3000" b="1" dirty="0">
+                <a:solidFill>
+                  <a:srgbClr val="B02A37"/>
+                </a:solidFill>
+              </a:rPr>
+              <a:t>External View</a:t>
+            </a:r>
+          </a:p>
+          <a:p>
+            <a:pPr marL="324000" lvl="1" indent="0">
+              <a:buNone/>
             </a:pPr>
             <a:r>
+              <a:rPr lang="en-US" altLang="zh-TW" sz="2600" dirty="0">
+                <a:latin typeface="Calibri" panose="020F0502020204030204" pitchFamily="34" charset="0"/>
+                <a:cs typeface="Calibri" panose="020F0502020204030204" pitchFamily="34" charset="0"/>
+              </a:rPr>
+              <a:t>  o  The data are represented as a set of relations. </a:t>
+            </a:r>
+          </a:p>
+          <a:p>
+            <a:pPr marL="324000" lvl="1" indent="0">
+              <a:buNone/>
+            </a:pPr>
+            <a:r>
+              <a:rPr lang="en-US" altLang="zh-TW" sz="2600" dirty="0">
+                <a:latin typeface="Calibri" panose="020F0502020204030204" pitchFamily="34" charset="0"/>
+                <a:cs typeface="Calibri" panose="020F0502020204030204" pitchFamily="34" charset="0"/>
+              </a:rPr>
+              <a:t>  o  A </a:t>
+            </a:r>
+            <a:r>
+              <a:rPr lang="en-US" altLang="zh-TW" sz="2600" dirty="0">
+                <a:solidFill>
+                  <a:srgbClr val="990000"/>
+                </a:solidFill>
+                <a:latin typeface="Calibri" panose="020F0502020204030204" pitchFamily="34" charset="0"/>
+                <a:cs typeface="Calibri" panose="020F0502020204030204" pitchFamily="34" charset="0"/>
+              </a:rPr>
+              <a:t>relation</a:t>
+            </a:r>
+            <a:r>
+              <a:rPr lang="en-US" altLang="zh-TW" sz="2600" dirty="0">
+                <a:latin typeface="Calibri" panose="020F0502020204030204" pitchFamily="34" charset="0"/>
+                <a:cs typeface="Calibri" panose="020F0502020204030204" pitchFamily="34" charset="0"/>
+              </a:rPr>
+              <a:t> is a two-dimensional table.</a:t>
+            </a:r>
+          </a:p>
+          <a:p>
+            <a:pPr marL="324000" lvl="1" indent="0">
+              <a:buNone/>
+            </a:pPr>
+            <a:endParaRPr lang="en-US" altLang="zh-TW" sz="900" dirty="0"/>
+          </a:p>
+          <a:p>
+            <a:r>
               <a:rPr lang="en-US" altLang="zh-TW" sz="2800" dirty="0">
                 <a:solidFill>
-                  <a:srgbClr val="990000"/>
+                  <a:srgbClr val="B02A37"/>
                 </a:solidFill>
               </a:rPr>
-              <a:t>Insert     Delete     Update   Select   Project   Join    Union   Intersection   Difference </a:t>
+              <a:t>This </a:t>
+            </a:r>
+            <a:r>
+              <a:rPr lang="en-US" altLang="zh-TW" sz="2800" b="1" dirty="0">
+                <a:solidFill>
+                  <a:srgbClr val="B02A37"/>
+                </a:solidFill>
+              </a:rPr>
+              <a:t>doesn’t</a:t>
+            </a:r>
+            <a:r>
+              <a:rPr lang="en-US" altLang="zh-TW" sz="2800" dirty="0">
+                <a:solidFill>
+                  <a:srgbClr val="B02A37"/>
+                </a:solidFill>
+              </a:rPr>
+              <a:t> mean that data are stored as tables!  </a:t>
+            </a:r>
+          </a:p>
+          <a:p>
+            <a:pPr marL="0" indent="0">
+              <a:buNone/>
+            </a:pPr>
+            <a:r>
+              <a:rPr lang="en-US" altLang="zh-TW" sz="2800" dirty="0"/>
+              <a:t>      o </a:t>
+            </a:r>
+            <a:r>
+              <a:rPr lang="en-US" altLang="zh-TW" sz="2800" dirty="0">
+                <a:latin typeface="Calibri" panose="020F0502020204030204" pitchFamily="34" charset="0"/>
+                <a:cs typeface="Calibri" panose="020F0502020204030204" pitchFamily="34" charset="0"/>
+              </a:rPr>
+              <a:t>The independence of physical storage and logical organization.</a:t>
             </a:r>
           </a:p>
         </p:txBody>
@@ -12283,7 +13218,7 @@
     </p:spTree>
     <p:extLst>
       <p:ext uri="{BB962C8B-B14F-4D97-AF65-F5344CB8AC3E}">
-        <p14:creationId xmlns:p14="http://schemas.microsoft.com/office/powerpoint/2010/main" val="1691160529"/>
+        <p14:creationId xmlns:p14="http://schemas.microsoft.com/office/powerpoint/2010/main" val="1970553199"/>
       </p:ext>
     </p:extLst>
   </p:cSld>
@@ -12315,7 +13250,7 @@
           <p:cNvPr id="2" name="Title 1">
             <a:extLst>
               <a:ext uri="{FF2B5EF4-FFF2-40B4-BE49-F238E27FC236}">
-                <a16:creationId xmlns:a16="http://schemas.microsoft.com/office/drawing/2014/main" id="{9E6045DA-7658-402F-B186-BAFC88184863}"/>
+                <a16:creationId xmlns:a16="http://schemas.microsoft.com/office/drawing/2014/main" id="{AD51662C-3855-4169-B577-AFB111CAA3CD}"/>
               </a:ext>
             </a:extLst>
           </p:cNvPr>
@@ -12328,26 +13263,19 @@
         </p:nvSpPr>
         <p:spPr/>
         <p:txBody>
-          <a:bodyPr>
-            <a:normAutofit/>
-          </a:bodyPr>
+          <a:bodyPr/>
           <a:lstStyle/>
           <a:p>
             <a:pPr algn="ctr"/>
             <a:r>
-              <a:rPr kumimoji="0" lang="en-US" altLang="zh-TW" sz="2800" b="1" dirty="0">
-                <a:solidFill>
-                  <a:srgbClr val="FFC000"/>
-                </a:solidFill>
-              </a:rPr>
-              <a:t>Insert</a:t>
-            </a:r>
-            <a:r>
               <a:rPr kumimoji="0" lang="en-US" altLang="zh-TW" sz="2800" b="1" dirty="0"/>
-              <a:t> operation</a:t>
+              <a:t>Relation</a:t>
             </a:r>
             <a:br>
               <a:rPr kumimoji="0" lang="en-US" altLang="zh-TW" sz="2800" b="1" dirty="0">
+                <a:solidFill>
+                  <a:srgbClr val="990000"/>
+                </a:solidFill>
                 <a:latin typeface="Times New Roman" panose="02020603050405020304" pitchFamily="18" charset="0"/>
               </a:rPr>
             </a:br>
@@ -12355,99 +13283,12 @@
           </a:p>
         </p:txBody>
       </p:sp>
-      <p:sp>
-        <p:nvSpPr>
-          <p:cNvPr id="5" name="TextBox 4">
+      <p:pic>
+        <p:nvPicPr>
+          <p:cNvPr id="4" name="Picture 8">
             <a:extLst>
               <a:ext uri="{FF2B5EF4-FFF2-40B4-BE49-F238E27FC236}">
-                <a16:creationId xmlns:a16="http://schemas.microsoft.com/office/drawing/2014/main" id="{F1262045-964E-4002-AF6F-3C7E2F7B6A1D}"/>
-              </a:ext>
-            </a:extLst>
-          </p:cNvPr>
-          <p:cNvSpPr txBox="1"/>
-          <p:nvPr/>
-        </p:nvSpPr>
-        <p:spPr>
-          <a:xfrm>
-            <a:off x="2113109" y="2297897"/>
-            <a:ext cx="8100892" cy="1311128"/>
-          </a:xfrm>
-          <a:prstGeom prst="rect">
-            <a:avLst/>
-          </a:prstGeom>
-          <a:noFill/>
-        </p:spPr>
-        <p:txBody>
-          <a:bodyPr wrap="square">
-            <a:spAutoFit/>
-          </a:bodyPr>
-          <a:lstStyle/>
-          <a:p>
-            <a:pPr marL="457200" indent="-457200">
-              <a:lnSpc>
-                <a:spcPct val="90000"/>
-              </a:lnSpc>
-              <a:buFont typeface="Wingdings" panose="05000000000000000000" pitchFamily="2" charset="2"/>
-              <a:buChar char="q"/>
-            </a:pPr>
-            <a:r>
-              <a:rPr lang="en-US" altLang="zh-TW" sz="3200" dirty="0"/>
-              <a:t>A </a:t>
-            </a:r>
-            <a:r>
-              <a:rPr lang="en-US" altLang="zh-TW" sz="3200" dirty="0">
-                <a:solidFill>
-                  <a:srgbClr val="006600"/>
-                </a:solidFill>
-              </a:rPr>
-              <a:t>unary</a:t>
-            </a:r>
-            <a:r>
-              <a:rPr lang="en-US" altLang="zh-TW" sz="3200" dirty="0"/>
-              <a:t> operation.</a:t>
-            </a:r>
-          </a:p>
-          <a:p>
-            <a:pPr>
-              <a:lnSpc>
-                <a:spcPct val="90000"/>
-              </a:lnSpc>
-            </a:pPr>
-            <a:endParaRPr lang="en-US" altLang="zh-TW" sz="2400" dirty="0"/>
-          </a:p>
-          <a:p>
-            <a:pPr marL="457200" indent="-457200">
-              <a:lnSpc>
-                <a:spcPct val="90000"/>
-              </a:lnSpc>
-              <a:buFont typeface="Wingdings" panose="05000000000000000000" pitchFamily="2" charset="2"/>
-              <a:buChar char="q"/>
-            </a:pPr>
-            <a:r>
-              <a:rPr lang="en-US" altLang="zh-TW" sz="3200" u="sng" dirty="0"/>
-              <a:t>Insert a new </a:t>
-            </a:r>
-            <a:r>
-              <a:rPr lang="en-US" altLang="zh-TW" sz="3200" u="sng" dirty="0">
-                <a:solidFill>
-                  <a:srgbClr val="006600"/>
-                </a:solidFill>
-              </a:rPr>
-              <a:t>tuple</a:t>
-            </a:r>
-            <a:r>
-              <a:rPr lang="en-US" altLang="zh-TW" sz="3200" dirty="0"/>
-              <a:t> into the relation.</a:t>
-            </a:r>
-          </a:p>
-        </p:txBody>
-      </p:sp>
-      <p:pic>
-        <p:nvPicPr>
-          <p:cNvPr id="6" name="Picture 15">
-            <a:extLst>
-              <a:ext uri="{FF2B5EF4-FFF2-40B4-BE49-F238E27FC236}">
-                <a16:creationId xmlns:a16="http://schemas.microsoft.com/office/drawing/2014/main" id="{FC5B1A41-4FA1-4293-BB67-E82B63BC3DC6}"/>
+                <a16:creationId xmlns:a16="http://schemas.microsoft.com/office/drawing/2014/main" id="{6B0F66D8-63E8-4C1C-9349-F9453BF670F1}"/>
               </a:ext>
             </a:extLst>
           </p:cNvPr>
@@ -12471,8 +13312,8 @@
         </p:blipFill>
         <p:spPr bwMode="auto">
           <a:xfrm>
-            <a:off x="2017438" y="4204806"/>
-            <a:ext cx="8510588" cy="1951038"/>
+            <a:off x="6169893" y="2633461"/>
+            <a:ext cx="5244668" cy="3009956"/>
           </a:xfrm>
           <a:prstGeom prst="rect">
             <a:avLst/>
@@ -12512,10 +13353,214 @@
           </a:extLst>
         </p:spPr>
       </p:pic>
+      <p:sp>
+        <p:nvSpPr>
+          <p:cNvPr id="6" name="TextBox 5">
+            <a:extLst>
+              <a:ext uri="{FF2B5EF4-FFF2-40B4-BE49-F238E27FC236}">
+                <a16:creationId xmlns:a16="http://schemas.microsoft.com/office/drawing/2014/main" id="{10E0056E-09C8-450D-9D18-5413DBD6D4AB}"/>
+              </a:ext>
+            </a:extLst>
+          </p:cNvPr>
+          <p:cNvSpPr txBox="1"/>
+          <p:nvPr/>
+        </p:nvSpPr>
+        <p:spPr>
+          <a:xfrm>
+            <a:off x="433614" y="2747311"/>
+            <a:ext cx="5588495" cy="3108543"/>
+          </a:xfrm>
+          <a:prstGeom prst="rect">
+            <a:avLst/>
+          </a:prstGeom>
+          <a:noFill/>
+        </p:spPr>
+        <p:txBody>
+          <a:bodyPr wrap="square">
+            <a:spAutoFit/>
+          </a:bodyPr>
+          <a:lstStyle/>
+          <a:p>
+            <a:r>
+              <a:rPr lang="en-US" altLang="zh-TW" sz="2800" b="1" dirty="0">
+                <a:solidFill>
+                  <a:srgbClr val="990000"/>
+                </a:solidFill>
+                <a:latin typeface="Calibri" panose="020F0502020204030204" pitchFamily="34" charset="0"/>
+                <a:cs typeface="Calibri" panose="020F0502020204030204" pitchFamily="34" charset="0"/>
+              </a:rPr>
+              <a:t>Name</a:t>
+            </a:r>
+            <a:r>
+              <a:rPr lang="en-US" altLang="zh-TW" sz="2800" dirty="0">
+                <a:latin typeface="Calibri" panose="020F0502020204030204" pitchFamily="34" charset="0"/>
+                <a:cs typeface="Calibri" panose="020F0502020204030204" pitchFamily="34" charset="0"/>
+              </a:rPr>
+              <a:t> – </a:t>
+            </a:r>
+            <a:r>
+              <a:rPr lang="en-US" altLang="zh-TW" sz="2800" dirty="0">
+                <a:solidFill>
+                  <a:srgbClr val="006600"/>
+                </a:solidFill>
+                <a:latin typeface="Calibri" panose="020F0502020204030204" pitchFamily="34" charset="0"/>
+                <a:cs typeface="Calibri" panose="020F0502020204030204" pitchFamily="34" charset="0"/>
+              </a:rPr>
+              <a:t>unique</a:t>
+            </a:r>
+            <a:r>
+              <a:rPr lang="en-US" altLang="zh-TW" sz="2800" dirty="0">
+                <a:latin typeface="Calibri" panose="020F0502020204030204" pitchFamily="34" charset="0"/>
+                <a:cs typeface="Calibri" panose="020F0502020204030204" pitchFamily="34" charset="0"/>
+              </a:rPr>
+              <a:t> among relations.</a:t>
+            </a:r>
+          </a:p>
+          <a:p>
+            <a:endParaRPr lang="en-US" altLang="zh-TW" sz="2800" dirty="0">
+              <a:latin typeface="Calibri" panose="020F0502020204030204" pitchFamily="34" charset="0"/>
+              <a:cs typeface="Calibri" panose="020F0502020204030204" pitchFamily="34" charset="0"/>
+            </a:endParaRPr>
+          </a:p>
+          <a:p>
+            <a:r>
+              <a:rPr lang="en-US" altLang="zh-TW" sz="2800" b="1" dirty="0">
+                <a:solidFill>
+                  <a:srgbClr val="990000"/>
+                </a:solidFill>
+                <a:latin typeface="Calibri" panose="020F0502020204030204" pitchFamily="34" charset="0"/>
+                <a:cs typeface="Calibri" panose="020F0502020204030204" pitchFamily="34" charset="0"/>
+              </a:rPr>
+              <a:t>Attribute</a:t>
+            </a:r>
+            <a:r>
+              <a:rPr lang="en-US" altLang="zh-TW" sz="2800" dirty="0">
+                <a:latin typeface="Calibri" panose="020F0502020204030204" pitchFamily="34" charset="0"/>
+                <a:cs typeface="Calibri" panose="020F0502020204030204" pitchFamily="34" charset="0"/>
+              </a:rPr>
+              <a:t> – </a:t>
+            </a:r>
+            <a:r>
+              <a:rPr lang="en-US" altLang="zh-TW" sz="2800" dirty="0">
+                <a:solidFill>
+                  <a:srgbClr val="006600"/>
+                </a:solidFill>
+                <a:latin typeface="Calibri" panose="020F0502020204030204" pitchFamily="34" charset="0"/>
+                <a:cs typeface="Calibri" panose="020F0502020204030204" pitchFamily="34" charset="0"/>
+              </a:rPr>
+              <a:t>column</a:t>
+            </a:r>
+            <a:r>
+              <a:rPr lang="en-US" altLang="zh-TW" sz="2800" dirty="0">
+                <a:latin typeface="Calibri" panose="020F0502020204030204" pitchFamily="34" charset="0"/>
+                <a:cs typeface="Calibri" panose="020F0502020204030204" pitchFamily="34" charset="0"/>
+              </a:rPr>
+              <a:t> in a relation. </a:t>
+            </a:r>
+          </a:p>
+          <a:p>
+            <a:pPr lvl="1"/>
+            <a:r>
+              <a:rPr lang="en-US" altLang="zh-TW" sz="2800" dirty="0">
+                <a:latin typeface="Calibri" panose="020F0502020204030204" pitchFamily="34" charset="0"/>
+                <a:cs typeface="Calibri" panose="020F0502020204030204" pitchFamily="34" charset="0"/>
+              </a:rPr>
+              <a:t>o  </a:t>
+            </a:r>
+            <a:r>
+              <a:rPr lang="en-US" altLang="zh-TW" sz="2800" dirty="0">
+                <a:solidFill>
+                  <a:srgbClr val="990000"/>
+                </a:solidFill>
+                <a:latin typeface="Calibri" panose="020F0502020204030204" pitchFamily="34" charset="0"/>
+                <a:cs typeface="Calibri" panose="020F0502020204030204" pitchFamily="34" charset="0"/>
+              </a:rPr>
+              <a:t>degree</a:t>
+            </a:r>
+            <a:r>
+              <a:rPr lang="en-US" altLang="zh-TW" sz="2800" dirty="0">
+                <a:latin typeface="Calibri" panose="020F0502020204030204" pitchFamily="34" charset="0"/>
+                <a:cs typeface="Calibri" panose="020F0502020204030204" pitchFamily="34" charset="0"/>
+              </a:rPr>
+              <a:t>– number of attributes.</a:t>
+            </a:r>
+          </a:p>
+          <a:p>
+            <a:pPr lvl="1"/>
+            <a:endParaRPr lang="en-US" altLang="zh-TW" sz="2800" dirty="0">
+              <a:latin typeface="Calibri" panose="020F0502020204030204" pitchFamily="34" charset="0"/>
+              <a:cs typeface="Calibri" panose="020F0502020204030204" pitchFamily="34" charset="0"/>
+            </a:endParaRPr>
+          </a:p>
+          <a:p>
+            <a:r>
+              <a:rPr lang="en-US" altLang="zh-TW" sz="2800" b="1" dirty="0">
+                <a:solidFill>
+                  <a:srgbClr val="990000"/>
+                </a:solidFill>
+                <a:latin typeface="Calibri" panose="020F0502020204030204" pitchFamily="34" charset="0"/>
+                <a:cs typeface="Calibri" panose="020F0502020204030204" pitchFamily="34" charset="0"/>
+              </a:rPr>
+              <a:t>Tuple</a:t>
+            </a:r>
+            <a:r>
+              <a:rPr lang="en-US" altLang="zh-TW" sz="2800" dirty="0">
+                <a:latin typeface="Calibri" panose="020F0502020204030204" pitchFamily="34" charset="0"/>
+                <a:cs typeface="Calibri" panose="020F0502020204030204" pitchFamily="34" charset="0"/>
+              </a:rPr>
+              <a:t> –</a:t>
+            </a:r>
+            <a:r>
+              <a:rPr lang="en-US" altLang="zh-TW" sz="2800" dirty="0">
+                <a:solidFill>
+                  <a:srgbClr val="006600"/>
+                </a:solidFill>
+                <a:latin typeface="Calibri" panose="020F0502020204030204" pitchFamily="34" charset="0"/>
+                <a:cs typeface="Calibri" panose="020F0502020204030204" pitchFamily="34" charset="0"/>
+              </a:rPr>
+              <a:t>row</a:t>
+            </a:r>
+            <a:r>
+              <a:rPr lang="en-US" altLang="zh-TW" sz="2800" dirty="0">
+                <a:latin typeface="Calibri" panose="020F0502020204030204" pitchFamily="34" charset="0"/>
+                <a:cs typeface="Calibri" panose="020F0502020204030204" pitchFamily="34" charset="0"/>
+              </a:rPr>
+              <a:t> in a relation.</a:t>
+            </a:r>
+          </a:p>
+          <a:p>
+            <a:pPr lvl="1"/>
+            <a:r>
+              <a:rPr lang="en-US" altLang="zh-TW" sz="2800" dirty="0">
+                <a:latin typeface="Calibri" panose="020F0502020204030204" pitchFamily="34" charset="0"/>
+                <a:cs typeface="Calibri" panose="020F0502020204030204" pitchFamily="34" charset="0"/>
+              </a:rPr>
+              <a:t>o  </a:t>
+            </a:r>
+            <a:r>
+              <a:rPr lang="en-US" altLang="zh-TW" sz="2800" dirty="0">
+                <a:solidFill>
+                  <a:srgbClr val="990000"/>
+                </a:solidFill>
+                <a:latin typeface="Calibri" panose="020F0502020204030204" pitchFamily="34" charset="0"/>
+                <a:cs typeface="Calibri" panose="020F0502020204030204" pitchFamily="34" charset="0"/>
+              </a:rPr>
+              <a:t>cardinality </a:t>
+            </a:r>
+            <a:r>
+              <a:rPr lang="en-US" altLang="zh-TW" sz="2800" dirty="0">
+                <a:latin typeface="Calibri" panose="020F0502020204030204" pitchFamily="34" charset="0"/>
+                <a:cs typeface="Calibri" panose="020F0502020204030204" pitchFamily="34" charset="0"/>
+              </a:rPr>
+              <a:t>– number of rows. </a:t>
+            </a:r>
+          </a:p>
+        </p:txBody>
+      </p:sp>
     </p:spTree>
     <p:extLst>
       <p:ext uri="{BB962C8B-B14F-4D97-AF65-F5344CB8AC3E}">
-        <p14:creationId xmlns:p14="http://schemas.microsoft.com/office/powerpoint/2010/main" val="3595657379"/>
+        <p14:creationId xmlns:p14="http://schemas.microsoft.com/office/powerpoint/2010/main" val="1799473825"/>
       </p:ext>
     </p:extLst>
   </p:cSld>
@@ -12547,7 +13592,7 @@
           <p:cNvPr id="2" name="Title 1">
             <a:extLst>
               <a:ext uri="{FF2B5EF4-FFF2-40B4-BE49-F238E27FC236}">
-                <a16:creationId xmlns:a16="http://schemas.microsoft.com/office/drawing/2014/main" id="{BD65F882-BF6F-41B6-B77A-8D547C745F03}"/>
+                <a16:creationId xmlns:a16="http://schemas.microsoft.com/office/drawing/2014/main" id="{602F4CCE-22A6-4638-AA93-2D6F2FAC98D6}"/>
               </a:ext>
             </a:extLst>
           </p:cNvPr>
@@ -12558,28 +13603,23 @@
             <p:ph type="title"/>
           </p:nvPr>
         </p:nvSpPr>
-        <p:spPr/>
+        <p:spPr>
+          <a:xfrm>
+            <a:off x="658032" y="630212"/>
+            <a:ext cx="11029616" cy="1013800"/>
+          </a:xfrm>
+        </p:spPr>
         <p:txBody>
           <a:bodyPr/>
           <a:lstStyle/>
           <a:p>
             <a:pPr algn="ctr"/>
             <a:r>
-              <a:rPr kumimoji="0" lang="en-US" altLang="zh-TW" sz="2800" b="1" dirty="0">
-                <a:solidFill>
-                  <a:srgbClr val="FFC000"/>
-                </a:solidFill>
-              </a:rPr>
-              <a:t>Delete</a:t>
-            </a:r>
-            <a:r>
-              <a:rPr kumimoji="0" lang="en-US" altLang="zh-TW" sz="2800" b="1" dirty="0"/>
-              <a:t> operation</a:t>
+              <a:rPr lang="en-US" altLang="zh-TW" b="1" dirty="0"/>
+              <a:t>Operations on relations</a:t>
             </a:r>
             <a:br>
-              <a:rPr kumimoji="0" lang="en-US" altLang="zh-TW" sz="2800" b="1" dirty="0">
-                <a:latin typeface="Times New Roman" panose="02020603050405020304" pitchFamily="18" charset="0"/>
-              </a:rPr>
+              <a:rPr lang="en-US" altLang="zh-TW" dirty="0"/>
             </a:br>
             <a:endParaRPr lang="en-US" dirty="0"/>
           </a:p>
@@ -12590,7 +13630,7 @@
           <p:cNvPr id="5" name="TextBox 4">
             <a:extLst>
               <a:ext uri="{FF2B5EF4-FFF2-40B4-BE49-F238E27FC236}">
-                <a16:creationId xmlns:a16="http://schemas.microsoft.com/office/drawing/2014/main" id="{1CA0E136-5F1E-4136-A3F8-BF231CE756F4}"/>
+                <a16:creationId xmlns:a16="http://schemas.microsoft.com/office/drawing/2014/main" id="{6298AD0F-0C39-48E8-AA3B-8DEF2D5BC4F3}"/>
               </a:ext>
             </a:extLst>
           </p:cNvPr>
@@ -12599,8 +13639,8 @@
         </p:nvSpPr>
         <p:spPr>
           <a:xfrm>
-            <a:off x="1960529" y="2173272"/>
-            <a:ext cx="9376442" cy="1255728"/>
+            <a:off x="1359113" y="2448395"/>
+            <a:ext cx="9473773" cy="2806922"/>
           </a:xfrm>
           <a:prstGeom prst="rect">
             <a:avLst/>
@@ -12613,7 +13653,7 @@
           </a:bodyPr>
           <a:lstStyle/>
           <a:p>
-            <a:pPr marL="457200" indent="-457200">
+            <a:pPr marL="342900" indent="-342900">
               <a:lnSpc>
                 <a:spcPct val="90000"/>
               </a:lnSpc>
@@ -12622,19 +13662,15 @@
             </a:pPr>
             <a:r>
               <a:rPr lang="en-US" altLang="zh-TW" sz="2800" dirty="0"/>
-              <a:t>A </a:t>
-            </a:r>
-            <a:r>
-              <a:rPr lang="en-US" altLang="zh-TW" sz="2800" dirty="0">
-                <a:solidFill>
-                  <a:srgbClr val="006600"/>
-                </a:solidFill>
-              </a:rPr>
-              <a:t>unary</a:t>
+              <a:t>  In a relational database, we can define several operations to </a:t>
+            </a:r>
+            <a:r>
+              <a:rPr lang="en-US" altLang="zh-TW" sz="2800" u="sng" dirty="0"/>
+              <a:t>create new relations</a:t>
             </a:r>
             <a:r>
               <a:rPr lang="en-US" altLang="zh-TW" sz="2800" dirty="0"/>
-              <a:t> operation.</a:t>
+              <a:t> out of the existing ones.</a:t>
             </a:r>
           </a:p>
           <a:p>
@@ -12646,7 +13682,7 @@
             <a:endParaRPr lang="en-US" altLang="zh-TW" sz="2800" dirty="0"/>
           </a:p>
           <a:p>
-            <a:pPr marL="457200" indent="-457200">
+            <a:pPr marL="342900" indent="-342900">
               <a:lnSpc>
                 <a:spcPct val="90000"/>
               </a:lnSpc>
@@ -12654,110 +13690,43 @@
               <a:buChar char="q"/>
             </a:pPr>
             <a:r>
-              <a:rPr lang="en-US" altLang="zh-TW" sz="2800" u="sng" dirty="0"/>
-              <a:t>Delete a </a:t>
-            </a:r>
-            <a:r>
-              <a:rPr lang="en-US" altLang="zh-TW" sz="2800" u="sng" dirty="0">
-                <a:solidFill>
-                  <a:srgbClr val="006600"/>
+              <a:rPr lang="en-US" altLang="zh-TW" sz="2800" dirty="0"/>
+              <a:t>Basic operations:</a:t>
+            </a:r>
+          </a:p>
+          <a:p>
+            <a:pPr lvl="1">
+              <a:lnSpc>
+                <a:spcPct val="90000"/>
+              </a:lnSpc>
+            </a:pPr>
+            <a:endParaRPr lang="en-US" altLang="zh-TW" sz="2800" dirty="0">
+              <a:solidFill>
+                <a:srgbClr val="990000"/>
+              </a:solidFill>
+            </a:endParaRPr>
+          </a:p>
+          <a:p>
+            <a:pPr lvl="1">
+              <a:lnSpc>
+                <a:spcPct val="90000"/>
+              </a:lnSpc>
+            </a:pPr>
+            <a:r>
+              <a:rPr lang="en-US" altLang="zh-TW" sz="2800" dirty="0">
+                <a:solidFill>
+                  <a:srgbClr val="990000"/>
                 </a:solidFill>
               </a:rPr>
-              <a:t>tuple</a:t>
-            </a:r>
-            <a:r>
-              <a:rPr lang="en-US" altLang="zh-TW" sz="2800" dirty="0"/>
-              <a:t> defined by a </a:t>
-            </a:r>
-            <a:r>
-              <a:rPr lang="en-US" altLang="zh-TW" sz="2800" dirty="0">
-                <a:solidFill>
-                  <a:srgbClr val="990000"/>
-                </a:solidFill>
-              </a:rPr>
-              <a:t>criterion</a:t>
-            </a:r>
-            <a:r>
-              <a:rPr lang="en-US" altLang="zh-TW" sz="2800" dirty="0"/>
-              <a:t> from the relation.</a:t>
-            </a:r>
-          </a:p>
-        </p:txBody>
-      </p:sp>
-      <p:pic>
-        <p:nvPicPr>
-          <p:cNvPr id="6" name="Picture 10">
-            <a:extLst>
-              <a:ext uri="{FF2B5EF4-FFF2-40B4-BE49-F238E27FC236}">
-                <a16:creationId xmlns:a16="http://schemas.microsoft.com/office/drawing/2014/main" id="{499739ED-D82B-44FC-8A7C-59ABC70E2FDD}"/>
-              </a:ext>
-            </a:extLst>
-          </p:cNvPr>
-          <p:cNvPicPr>
-            <a:picLocks noChangeAspect="1" noChangeArrowheads="1"/>
-          </p:cNvPicPr>
-          <p:nvPr/>
-        </p:nvPicPr>
-        <p:blipFill>
-          <a:blip r:embed="rId2">
-            <a:extLst>
-              <a:ext uri="{28A0092B-C50C-407E-A947-70E740481C1C}">
-                <a14:useLocalDpi xmlns:a14="http://schemas.microsoft.com/office/drawing/2010/main" val="0"/>
-              </a:ext>
-            </a:extLst>
-          </a:blip>
-          <a:srcRect/>
-          <a:stretch>
-            <a:fillRect/>
-          </a:stretch>
-        </p:blipFill>
-        <p:spPr bwMode="auto">
-          <a:xfrm>
-            <a:off x="1960529" y="4196617"/>
-            <a:ext cx="8501063" cy="2100263"/>
-          </a:xfrm>
-          <a:prstGeom prst="rect">
-            <a:avLst/>
-          </a:prstGeom>
-          <a:noFill/>
-          <a:ln>
-            <a:noFill/>
-          </a:ln>
-          <a:effectLst/>
-          <a:extLst>
-            <a:ext uri="{909E8E84-426E-40DD-AFC4-6F175D3DCCD1}">
-              <a14:hiddenFill xmlns:a14="http://schemas.microsoft.com/office/drawing/2010/main">
-                <a:solidFill>
-                  <a:schemeClr val="accent1"/>
-                </a:solidFill>
-              </a14:hiddenFill>
-            </a:ext>
-            <a:ext uri="{91240B29-F687-4F45-9708-019B960494DF}">
-              <a14:hiddenLine xmlns:a14="http://schemas.microsoft.com/office/drawing/2010/main" w="9525">
-                <a:solidFill>
-                  <a:schemeClr val="tx1"/>
-                </a:solidFill>
-                <a:miter lim="800000"/>
-                <a:headEnd/>
-                <a:tailEnd/>
-              </a14:hiddenLine>
-            </a:ext>
-            <a:ext uri="{AF507438-7753-43E0-B8FC-AC1667EBCBE1}">
-              <a14:hiddenEffects xmlns:a14="http://schemas.microsoft.com/office/drawing/2010/main">
-                <a:effectLst>
-                  <a:outerShdw dist="35921" dir="2700000" algn="ctr" rotWithShape="0">
-                    <a:schemeClr val="bg2"/>
-                  </a:outerShdw>
-                </a:effectLst>
-              </a14:hiddenEffects>
-            </a:ext>
-          </a:extLst>
-        </p:spPr>
-      </p:pic>
+              <a:t>Insert     Delete     Update   Select   Project   Join    Union   Intersection   Difference </a:t>
+            </a:r>
+          </a:p>
+        </p:txBody>
+      </p:sp>
     </p:spTree>
     <p:extLst>
       <p:ext uri="{BB962C8B-B14F-4D97-AF65-F5344CB8AC3E}">
-        <p14:creationId xmlns:p14="http://schemas.microsoft.com/office/powerpoint/2010/main" val="2395960690"/>
+        <p14:creationId xmlns:p14="http://schemas.microsoft.com/office/powerpoint/2010/main" val="1691160529"/>
       </p:ext>
     </p:extLst>
   </p:cSld>
